--- a/Samsung/Lesson8/ArraysPracticum.pptx
+++ b/Samsung/Lesson8/ArraysPracticum.pptx
@@ -6,8 +6,8 @@
   </p:sldMasterIdLst>
   <p:sldIdLst>
     <p:sldId id="257" r:id="rId2"/>
-    <p:sldId id="294" r:id="rId3"/>
-    <p:sldId id="295" r:id="rId4"/>
+    <p:sldId id="300" r:id="rId3"/>
+    <p:sldId id="299" r:id="rId4"/>
     <p:sldId id="290" r:id="rId5"/>
     <p:sldId id="287" r:id="rId6"/>
     <p:sldId id="289" r:id="rId7"/>
@@ -17,7 +17,9 @@
     <p:sldId id="293" r:id="rId11"/>
     <p:sldId id="296" r:id="rId12"/>
     <p:sldId id="297" r:id="rId13"/>
-    <p:sldId id="298" r:id="rId14"/>
+    <p:sldId id="303" r:id="rId14"/>
+    <p:sldId id="304" r:id="rId15"/>
+    <p:sldId id="305" r:id="rId16"/>
   </p:sldIdLst>
   <p:sldSz cx="12192000" cy="6858000"/>
   <p:notesSz cx="6858000" cy="9144000"/>
@@ -349,7 +351,7 @@
             <a:fld id="{5586B75A-687E-405C-8A0B-8D00578BA2C3}" type="datetimeFigureOut">
               <a:rPr lang="en-US" dirty="0"/>
               <a:pPr/>
-              <a:t>10/14/2020</a:t>
+              <a:t>10/15/2020</a:t>
             </a:fld>
             <a:endParaRPr lang="en-US" dirty="0"/>
           </a:p>
@@ -516,7 +518,7 @@
             <a:fld id="{5586B75A-687E-405C-8A0B-8D00578BA2C3}" type="datetimeFigureOut">
               <a:rPr lang="en-US" dirty="0"/>
               <a:pPr/>
-              <a:t>10/14/2020</a:t>
+              <a:t>10/15/2020</a:t>
             </a:fld>
             <a:endParaRPr lang="en-US" dirty="0"/>
           </a:p>
@@ -693,7 +695,7 @@
             <a:fld id="{5586B75A-687E-405C-8A0B-8D00578BA2C3}" type="datetimeFigureOut">
               <a:rPr lang="en-US" dirty="0"/>
               <a:pPr/>
-              <a:t>10/14/2020</a:t>
+              <a:t>10/15/2020</a:t>
             </a:fld>
             <a:endParaRPr lang="en-US" dirty="0"/>
           </a:p>
@@ -860,7 +862,7 @@
             <a:fld id="{5586B75A-687E-405C-8A0B-8D00578BA2C3}" type="datetimeFigureOut">
               <a:rPr lang="en-US" dirty="0"/>
               <a:pPr/>
-              <a:t>10/14/2020</a:t>
+              <a:t>10/15/2020</a:t>
             </a:fld>
             <a:endParaRPr lang="en-US" dirty="0"/>
           </a:p>
@@ -1115,7 +1117,7 @@
             <a:fld id="{5586B75A-687E-405C-8A0B-8D00578BA2C3}" type="datetimeFigureOut">
               <a:rPr lang="en-US" dirty="0"/>
               <a:pPr/>
-              <a:t>10/14/2020</a:t>
+              <a:t>10/15/2020</a:t>
             </a:fld>
             <a:endParaRPr lang="en-US" dirty="0"/>
           </a:p>
@@ -1400,7 +1402,7 @@
             <a:fld id="{5586B75A-687E-405C-8A0B-8D00578BA2C3}" type="datetimeFigureOut">
               <a:rPr lang="en-US" dirty="0"/>
               <a:pPr/>
-              <a:t>10/14/2020</a:t>
+              <a:t>10/15/2020</a:t>
             </a:fld>
             <a:endParaRPr lang="en-US" dirty="0"/>
           </a:p>
@@ -1839,7 +1841,7 @@
             <a:fld id="{5586B75A-687E-405C-8A0B-8D00578BA2C3}" type="datetimeFigureOut">
               <a:rPr lang="en-US" dirty="0"/>
               <a:pPr/>
-              <a:t>10/14/2020</a:t>
+              <a:t>10/15/2020</a:t>
             </a:fld>
             <a:endParaRPr lang="en-US" dirty="0"/>
           </a:p>
@@ -1954,7 +1956,7 @@
             <a:fld id="{5586B75A-687E-405C-8A0B-8D00578BA2C3}" type="datetimeFigureOut">
               <a:rPr lang="en-US" dirty="0"/>
               <a:pPr/>
-              <a:t>10/14/2020</a:t>
+              <a:t>10/15/2020</a:t>
             </a:fld>
             <a:endParaRPr lang="en-US" dirty="0"/>
           </a:p>
@@ -2046,7 +2048,7 @@
             <a:fld id="{5586B75A-687E-405C-8A0B-8D00578BA2C3}" type="datetimeFigureOut">
               <a:rPr lang="en-US" dirty="0"/>
               <a:pPr/>
-              <a:t>10/14/2020</a:t>
+              <a:t>10/15/2020</a:t>
             </a:fld>
             <a:endParaRPr lang="en-US" dirty="0"/>
           </a:p>
@@ -2331,7 +2333,7 @@
             <a:fld id="{5586B75A-687E-405C-8A0B-8D00578BA2C3}" type="datetimeFigureOut">
               <a:rPr lang="en-US" dirty="0"/>
               <a:pPr/>
-              <a:t>10/14/2020</a:t>
+              <a:t>10/15/2020</a:t>
             </a:fld>
             <a:endParaRPr lang="en-US" dirty="0"/>
           </a:p>
@@ -2601,7 +2603,7 @@
             <a:fld id="{5586B75A-687E-405C-8A0B-8D00578BA2C3}" type="datetimeFigureOut">
               <a:rPr lang="en-US" dirty="0"/>
               <a:pPr/>
-              <a:t>10/14/2020</a:t>
+              <a:t>10/15/2020</a:t>
             </a:fld>
             <a:endParaRPr lang="en-US" dirty="0"/>
           </a:p>
@@ -2895,7 +2897,7 @@
             <a:fld id="{5586B75A-687E-405C-8A0B-8D00578BA2C3}" type="datetimeFigureOut">
               <a:rPr lang="en-US" dirty="0"/>
               <a:pPr/>
-              <a:t>10/14/2020</a:t>
+              <a:t>10/15/2020</a:t>
             </a:fld>
             <a:endParaRPr lang="en-US" dirty="0"/>
           </a:p>
@@ -4037,7 +4039,7 @@
                 <a:latin typeface="Arial" panose="020B0604020202020204" pitchFamily="34" charset="0"/>
                 <a:cs typeface="Arial" panose="020B0604020202020204" pitchFamily="34" charset="0"/>
               </a:rPr>
-              <a:t>Кто может обращаться к данному методу»</a:t>
+              <a:t>Кто может обращаться к данному методу</a:t>
             </a:r>
           </a:p>
         </p:txBody>
@@ -4875,7 +4877,7 @@
           <a:p>
             <a:r>
               <a:rPr lang="ru-RU" sz="3600" spc="-60" dirty="0"/>
-              <a:t>Область видимости переменной</a:t>
+              <a:t>Блок программы</a:t>
             </a:r>
           </a:p>
         </p:txBody>
@@ -4894,7 +4896,7 @@
         </p:nvSpPr>
         <p:spPr>
           <a:xfrm>
-            <a:off x="550049" y="1155406"/>
+            <a:off x="656582" y="1164942"/>
             <a:ext cx="3420533" cy="2342092"/>
           </a:xfrm>
           <a:prstGeom prst="rect">
@@ -5045,7 +5047,7 @@
         </p:nvSpPr>
         <p:spPr>
           <a:xfrm>
-            <a:off x="526630" y="755296"/>
+            <a:off x="576682" y="669035"/>
             <a:ext cx="4490268" cy="400110"/>
           </a:xfrm>
           <a:prstGeom prst="rect">
@@ -5072,10 +5074,49 @@
       </p:sp>
       <p:sp>
         <p:nvSpPr>
-          <p:cNvPr id="5" name="Прямоугольник 4">
+          <p:cNvPr id="15" name="TextBox 14">
             <a:extLst>
               <a:ext uri="{FF2B5EF4-FFF2-40B4-BE49-F238E27FC236}">
-                <a16:creationId xmlns:a16="http://schemas.microsoft.com/office/drawing/2014/main" id="{4FD3DA98-FDC3-43D0-991F-BDF263EF0B07}"/>
+                <a16:creationId xmlns:a16="http://schemas.microsoft.com/office/drawing/2014/main" id="{AC02D4A0-0CF2-4230-B835-0FEA76AFD640}"/>
+              </a:ext>
+            </a:extLst>
+          </p:cNvPr>
+          <p:cNvSpPr txBox="1"/>
+          <p:nvPr/>
+        </p:nvSpPr>
+        <p:spPr>
+          <a:xfrm>
+            <a:off x="4631524" y="2121029"/>
+            <a:ext cx="2639627" cy="369332"/>
+          </a:xfrm>
+          <a:prstGeom prst="rect">
+            <a:avLst/>
+          </a:prstGeom>
+          <a:noFill/>
+        </p:spPr>
+        <p:txBody>
+          <a:bodyPr wrap="square">
+            <a:spAutoFit/>
+          </a:bodyPr>
+          <a:lstStyle/>
+          <a:p>
+            <a:r>
+              <a:rPr lang="ru-RU" dirty="0">
+                <a:latin typeface="Arial" panose="020B0604020202020204" pitchFamily="34" charset="0"/>
+                <a:cs typeface="Arial" panose="020B0604020202020204" pitchFamily="34" charset="0"/>
+              </a:rPr>
+              <a:t>Переменная в блоке</a:t>
+            </a:r>
+            <a:endParaRPr lang="ru-RU" dirty="0"/>
+          </a:p>
+        </p:txBody>
+      </p:sp>
+      <p:sp>
+        <p:nvSpPr>
+          <p:cNvPr id="13" name="Прямоугольник 12">
+            <a:extLst>
+              <a:ext uri="{FF2B5EF4-FFF2-40B4-BE49-F238E27FC236}">
+                <a16:creationId xmlns:a16="http://schemas.microsoft.com/office/drawing/2014/main" id="{5588E682-0EBB-4AB7-BABF-6A675E04ED3C}"/>
               </a:ext>
             </a:extLst>
           </p:cNvPr>
@@ -5084,8 +5125,8 @@
         </p:nvSpPr>
         <p:spPr>
           <a:xfrm>
-            <a:off x="5920768" y="214490"/>
-            <a:ext cx="4192521" cy="4015006"/>
+            <a:off x="7447946" y="542693"/>
+            <a:ext cx="4087472" cy="3282253"/>
           </a:xfrm>
           <a:prstGeom prst="rect">
             <a:avLst/>
@@ -5118,11 +5159,53 @@
               </a:spcAft>
             </a:pPr>
             <a:r>
-              <a:rPr lang="en-US" sz="1800" dirty="0">
-                <a:latin typeface="Arial" panose="020B0604020202020204" pitchFamily="34" charset="0"/>
-                <a:cs typeface="Arial" panose="020B0604020202020204" pitchFamily="34" charset="0"/>
-              </a:rPr>
-              <a:t>public class Main {</a:t>
+              <a:rPr lang="en-US" dirty="0">
+                <a:latin typeface="Arial" panose="020B0604020202020204" pitchFamily="34" charset="0"/>
+                <a:cs typeface="Arial" panose="020B0604020202020204" pitchFamily="34" charset="0"/>
+              </a:rPr>
+              <a:t>for(int </a:t>
+            </a:r>
+            <a:r>
+              <a:rPr lang="en-US" dirty="0" err="1">
+                <a:latin typeface="Arial" panose="020B0604020202020204" pitchFamily="34" charset="0"/>
+                <a:cs typeface="Arial" panose="020B0604020202020204" pitchFamily="34" charset="0"/>
+              </a:rPr>
+              <a:t>i</a:t>
+            </a:r>
+            <a:r>
+              <a:rPr lang="en-US" dirty="0">
+                <a:latin typeface="Arial" panose="020B0604020202020204" pitchFamily="34" charset="0"/>
+                <a:cs typeface="Arial" panose="020B0604020202020204" pitchFamily="34" charset="0"/>
+              </a:rPr>
+              <a:t> = 0; </a:t>
+            </a:r>
+            <a:r>
+              <a:rPr lang="en-US" dirty="0" err="1">
+                <a:latin typeface="Arial" panose="020B0604020202020204" pitchFamily="34" charset="0"/>
+                <a:cs typeface="Arial" panose="020B0604020202020204" pitchFamily="34" charset="0"/>
+              </a:rPr>
+              <a:t>i</a:t>
+            </a:r>
+            <a:r>
+              <a:rPr lang="en-US" dirty="0">
+                <a:latin typeface="Arial" panose="020B0604020202020204" pitchFamily="34" charset="0"/>
+                <a:cs typeface="Arial" panose="020B0604020202020204" pitchFamily="34" charset="0"/>
+              </a:rPr>
+              <a:t> &lt; 100; </a:t>
+            </a:r>
+            <a:r>
+              <a:rPr lang="en-US" dirty="0" err="1">
+                <a:latin typeface="Arial" panose="020B0604020202020204" pitchFamily="34" charset="0"/>
+                <a:cs typeface="Arial" panose="020B0604020202020204" pitchFamily="34" charset="0"/>
+              </a:rPr>
+              <a:t>i</a:t>
+            </a:r>
+            <a:r>
+              <a:rPr lang="en-US" dirty="0">
+                <a:latin typeface="Arial" panose="020B0604020202020204" pitchFamily="34" charset="0"/>
+                <a:cs typeface="Arial" panose="020B0604020202020204" pitchFamily="34" charset="0"/>
+              </a:rPr>
+              <a:t>++)</a:t>
             </a:r>
           </a:p>
           <a:p>
@@ -5139,12 +5222,8 @@
                 <a:latin typeface="Arial" panose="020B0604020202020204" pitchFamily="34" charset="0"/>
                 <a:cs typeface="Arial" panose="020B0604020202020204" pitchFamily="34" charset="0"/>
               </a:rPr>
-              <a:t>    int b;</a:t>
-            </a:r>
-            <a:endParaRPr lang="en-US" sz="1800" dirty="0">
-              <a:latin typeface="Arial" panose="020B0604020202020204" pitchFamily="34" charset="0"/>
-              <a:cs typeface="Arial" panose="020B0604020202020204" pitchFamily="34" charset="0"/>
-            </a:endParaRPr>
+              <a:t>{</a:t>
+            </a:r>
           </a:p>
           <a:p>
             <a:pPr>
@@ -5155,10 +5234,27 @@
                 <a:spcPts val="600"/>
               </a:spcAft>
             </a:pPr>
-            <a:endParaRPr lang="ru-RU" sz="1800" dirty="0">
-              <a:latin typeface="Arial" panose="020B0604020202020204" pitchFamily="34" charset="0"/>
-              <a:cs typeface="Arial" panose="020B0604020202020204" pitchFamily="34" charset="0"/>
-            </a:endParaRPr>
+            <a:r>
+              <a:rPr lang="en-US" dirty="0">
+                <a:latin typeface="Arial" panose="020B0604020202020204" pitchFamily="34" charset="0"/>
+                <a:cs typeface="Arial" panose="020B0604020202020204" pitchFamily="34" charset="0"/>
+              </a:rPr>
+              <a:t>	if(</a:t>
+            </a:r>
+            <a:r>
+              <a:rPr lang="en-US" dirty="0" err="1">
+                <a:latin typeface="Arial" panose="020B0604020202020204" pitchFamily="34" charset="0"/>
+                <a:cs typeface="Arial" panose="020B0604020202020204" pitchFamily="34" charset="0"/>
+              </a:rPr>
+              <a:t>i</a:t>
+            </a:r>
+            <a:r>
+              <a:rPr lang="en-US" dirty="0">
+                <a:latin typeface="Arial" panose="020B0604020202020204" pitchFamily="34" charset="0"/>
+                <a:cs typeface="Arial" panose="020B0604020202020204" pitchFamily="34" charset="0"/>
+              </a:rPr>
+              <a:t> &lt; 10){</a:t>
+            </a:r>
           </a:p>
           <a:p>
             <a:pPr>
@@ -5169,10 +5265,13 @@
                 <a:spcPts val="600"/>
               </a:spcAft>
             </a:pPr>
-            <a:endParaRPr lang="ru-RU" dirty="0">
-              <a:latin typeface="Arial" panose="020B0604020202020204" pitchFamily="34" charset="0"/>
-              <a:cs typeface="Arial" panose="020B0604020202020204" pitchFamily="34" charset="0"/>
-            </a:endParaRPr>
+            <a:r>
+              <a:rPr lang="en-US" dirty="0">
+                <a:latin typeface="Arial" panose="020B0604020202020204" pitchFamily="34" charset="0"/>
+                <a:cs typeface="Arial" panose="020B0604020202020204" pitchFamily="34" charset="0"/>
+              </a:rPr>
+              <a:t>		int a = 455;</a:t>
+            </a:r>
           </a:p>
           <a:p>
             <a:pPr>
@@ -5183,10 +5282,27 @@
                 <a:spcPts val="600"/>
               </a:spcAft>
             </a:pPr>
-            <a:endParaRPr lang="ru-RU" sz="1800" dirty="0">
-              <a:latin typeface="Arial" panose="020B0604020202020204" pitchFamily="34" charset="0"/>
-              <a:cs typeface="Arial" panose="020B0604020202020204" pitchFamily="34" charset="0"/>
-            </a:endParaRPr>
+            <a:r>
+              <a:rPr lang="en-US" dirty="0">
+                <a:latin typeface="Arial" panose="020B0604020202020204" pitchFamily="34" charset="0"/>
+                <a:cs typeface="Arial" panose="020B0604020202020204" pitchFamily="34" charset="0"/>
+              </a:rPr>
+              <a:t>		</a:t>
+            </a:r>
+            <a:r>
+              <a:rPr lang="en-US" dirty="0" err="1">
+                <a:latin typeface="Arial" panose="020B0604020202020204" pitchFamily="34" charset="0"/>
+                <a:cs typeface="Arial" panose="020B0604020202020204" pitchFamily="34" charset="0"/>
+              </a:rPr>
+              <a:t>System.out.println</a:t>
+            </a:r>
+            <a:r>
+              <a:rPr lang="en-US" dirty="0">
+                <a:latin typeface="Arial" panose="020B0604020202020204" pitchFamily="34" charset="0"/>
+                <a:cs typeface="Arial" panose="020B0604020202020204" pitchFamily="34" charset="0"/>
+              </a:rPr>
+              <a:t>(a);</a:t>
+            </a:r>
           </a:p>
           <a:p>
             <a:pPr>
@@ -5197,10 +5313,54 @@
                 <a:spcPts val="600"/>
               </a:spcAft>
             </a:pPr>
-            <a:endParaRPr lang="en-US" sz="1800" dirty="0">
-              <a:latin typeface="Arial" panose="020B0604020202020204" pitchFamily="34" charset="0"/>
-              <a:cs typeface="Arial" panose="020B0604020202020204" pitchFamily="34" charset="0"/>
-            </a:endParaRPr>
+            <a:r>
+              <a:rPr lang="en-US" dirty="0">
+                <a:latin typeface="Arial" panose="020B0604020202020204" pitchFamily="34" charset="0"/>
+                <a:cs typeface="Arial" panose="020B0604020202020204" pitchFamily="34" charset="0"/>
+              </a:rPr>
+              <a:t>	}</a:t>
+            </a:r>
+            <a:br>
+              <a:rPr lang="en-US" dirty="0">
+                <a:latin typeface="Arial" panose="020B0604020202020204" pitchFamily="34" charset="0"/>
+                <a:cs typeface="Arial" panose="020B0604020202020204" pitchFamily="34" charset="0"/>
+              </a:rPr>
+            </a:br>
+            <a:r>
+              <a:rPr lang="en-US" dirty="0">
+                <a:latin typeface="Arial" panose="020B0604020202020204" pitchFamily="34" charset="0"/>
+                <a:cs typeface="Arial" panose="020B0604020202020204" pitchFamily="34" charset="0"/>
+              </a:rPr>
+              <a:t>	if(</a:t>
+            </a:r>
+            <a:r>
+              <a:rPr lang="en-US" dirty="0" err="1">
+                <a:latin typeface="Arial" panose="020B0604020202020204" pitchFamily="34" charset="0"/>
+                <a:cs typeface="Arial" panose="020B0604020202020204" pitchFamily="34" charset="0"/>
+              </a:rPr>
+              <a:t>i</a:t>
+            </a:r>
+            <a:r>
+              <a:rPr lang="en-US" dirty="0">
+                <a:latin typeface="Arial" panose="020B0604020202020204" pitchFamily="34" charset="0"/>
+                <a:cs typeface="Arial" panose="020B0604020202020204" pitchFamily="34" charset="0"/>
+              </a:rPr>
+              <a:t> &gt; 10 &amp;&amp; </a:t>
+            </a:r>
+            <a:r>
+              <a:rPr lang="en-US" dirty="0" err="1">
+                <a:latin typeface="Arial" panose="020B0604020202020204" pitchFamily="34" charset="0"/>
+                <a:cs typeface="Arial" panose="020B0604020202020204" pitchFamily="34" charset="0"/>
+              </a:rPr>
+              <a:t>i</a:t>
+            </a:r>
+            <a:r>
+              <a:rPr lang="en-US" dirty="0">
+                <a:latin typeface="Arial" panose="020B0604020202020204" pitchFamily="34" charset="0"/>
+                <a:cs typeface="Arial" panose="020B0604020202020204" pitchFamily="34" charset="0"/>
+              </a:rPr>
+              <a:t> &lt; 20){</a:t>
+            </a:r>
           </a:p>
           <a:p>
             <a:pPr>
@@ -5211,10 +5371,13 @@
                 <a:spcPts val="600"/>
               </a:spcAft>
             </a:pPr>
-            <a:endParaRPr lang="ru-RU" sz="1800" dirty="0">
-              <a:latin typeface="Arial" panose="020B0604020202020204" pitchFamily="34" charset="0"/>
-              <a:cs typeface="Arial" panose="020B0604020202020204" pitchFamily="34" charset="0"/>
-            </a:endParaRPr>
+            <a:r>
+              <a:rPr lang="en-US" dirty="0">
+                <a:latin typeface="Arial" panose="020B0604020202020204" pitchFamily="34" charset="0"/>
+                <a:cs typeface="Arial" panose="020B0604020202020204" pitchFamily="34" charset="0"/>
+              </a:rPr>
+              <a:t>		int a = 988;</a:t>
+            </a:r>
           </a:p>
           <a:p>
             <a:pPr>
@@ -5225,10 +5388,27 @@
                 <a:spcPts val="600"/>
               </a:spcAft>
             </a:pPr>
-            <a:endParaRPr lang="ru-RU" dirty="0">
-              <a:latin typeface="Arial" panose="020B0604020202020204" pitchFamily="34" charset="0"/>
-              <a:cs typeface="Arial" panose="020B0604020202020204" pitchFamily="34" charset="0"/>
-            </a:endParaRPr>
+            <a:r>
+              <a:rPr lang="en-US" dirty="0">
+                <a:latin typeface="Arial" panose="020B0604020202020204" pitchFamily="34" charset="0"/>
+                <a:cs typeface="Arial" panose="020B0604020202020204" pitchFamily="34" charset="0"/>
+              </a:rPr>
+              <a:t>		</a:t>
+            </a:r>
+            <a:r>
+              <a:rPr lang="en-US" dirty="0" err="1">
+                <a:latin typeface="Arial" panose="020B0604020202020204" pitchFamily="34" charset="0"/>
+                <a:cs typeface="Arial" panose="020B0604020202020204" pitchFamily="34" charset="0"/>
+              </a:rPr>
+              <a:t>System.out.println</a:t>
+            </a:r>
+            <a:r>
+              <a:rPr lang="en-US" dirty="0">
+                <a:latin typeface="Arial" panose="020B0604020202020204" pitchFamily="34" charset="0"/>
+                <a:cs typeface="Arial" panose="020B0604020202020204" pitchFamily="34" charset="0"/>
+              </a:rPr>
+              <a:t>(a);</a:t>
+            </a:r>
           </a:p>
           <a:p>
             <a:pPr>
@@ -5239,375 +5419,12 @@
                 <a:spcPts val="600"/>
               </a:spcAft>
             </a:pPr>
-            <a:endParaRPr lang="ru-RU" sz="1800" dirty="0">
-              <a:latin typeface="Arial" panose="020B0604020202020204" pitchFamily="34" charset="0"/>
-              <a:cs typeface="Arial" panose="020B0604020202020204" pitchFamily="34" charset="0"/>
-            </a:endParaRPr>
-          </a:p>
-          <a:p>
-            <a:pPr>
-              <a:lnSpc>
-                <a:spcPct val="90000"/>
-              </a:lnSpc>
-              <a:spcAft>
-                <a:spcPts val="600"/>
-              </a:spcAft>
-            </a:pPr>
-            <a:endParaRPr lang="ru-RU" dirty="0">
-              <a:latin typeface="Arial" panose="020B0604020202020204" pitchFamily="34" charset="0"/>
-              <a:cs typeface="Arial" panose="020B0604020202020204" pitchFamily="34" charset="0"/>
-            </a:endParaRPr>
-          </a:p>
-          <a:p>
-            <a:pPr>
-              <a:lnSpc>
-                <a:spcPct val="90000"/>
-              </a:lnSpc>
-              <a:spcAft>
-                <a:spcPts val="600"/>
-              </a:spcAft>
-            </a:pPr>
-            <a:endParaRPr lang="ru-RU" dirty="0">
-              <a:latin typeface="Arial" panose="020B0604020202020204" pitchFamily="34" charset="0"/>
-              <a:cs typeface="Arial" panose="020B0604020202020204" pitchFamily="34" charset="0"/>
-            </a:endParaRPr>
-          </a:p>
-          <a:p>
-            <a:pPr>
-              <a:lnSpc>
-                <a:spcPct val="90000"/>
-              </a:lnSpc>
-              <a:spcAft>
-                <a:spcPts val="600"/>
-              </a:spcAft>
-            </a:pPr>
-            <a:r>
-              <a:rPr lang="en-US" sz="1800" dirty="0">
-                <a:latin typeface="Arial" panose="020B0604020202020204" pitchFamily="34" charset="0"/>
-                <a:cs typeface="Arial" panose="020B0604020202020204" pitchFamily="34" charset="0"/>
-              </a:rPr>
-              <a:t>}</a:t>
-            </a:r>
-          </a:p>
-        </p:txBody>
-      </p:sp>
-      <p:sp>
-        <p:nvSpPr>
-          <p:cNvPr id="7" name="Прямоугольник 6">
-            <a:extLst>
-              <a:ext uri="{FF2B5EF4-FFF2-40B4-BE49-F238E27FC236}">
-                <a16:creationId xmlns:a16="http://schemas.microsoft.com/office/drawing/2014/main" id="{1A89D251-27D1-44EB-97F8-F5D6E7FC84E3}"/>
-              </a:ext>
-            </a:extLst>
-          </p:cNvPr>
-          <p:cNvSpPr/>
-          <p:nvPr/>
-        </p:nvSpPr>
-        <p:spPr>
-          <a:xfrm>
-            <a:off x="6271231" y="1155406"/>
-            <a:ext cx="3842058" cy="1246471"/>
-          </a:xfrm>
-          <a:prstGeom prst="rect">
-            <a:avLst/>
-          </a:prstGeom>
-        </p:spPr>
-        <p:style>
-          <a:lnRef idx="1">
-            <a:schemeClr val="accent1"/>
-          </a:lnRef>
-          <a:fillRef idx="2">
-            <a:schemeClr val="accent1"/>
-          </a:fillRef>
-          <a:effectRef idx="1">
-            <a:schemeClr val="accent1"/>
-          </a:effectRef>
-          <a:fontRef idx="minor">
-            <a:schemeClr val="dk1"/>
-          </a:fontRef>
-        </p:style>
-        <p:txBody>
-          <a:bodyPr rtlCol="0" anchor="ctr"/>
-          <a:lstStyle/>
-          <a:p>
-            <a:pPr>
-              <a:lnSpc>
-                <a:spcPct val="90000"/>
-              </a:lnSpc>
-              <a:spcAft>
-                <a:spcPts val="600"/>
-              </a:spcAft>
-            </a:pPr>
-            <a:r>
-              <a:rPr lang="en-US" sz="1800" dirty="0">
-                <a:latin typeface="Arial" panose="020B0604020202020204" pitchFamily="34" charset="0"/>
-                <a:cs typeface="Arial" panose="020B0604020202020204" pitchFamily="34" charset="0"/>
-              </a:rPr>
-              <a:t>public static void main(String </a:t>
-            </a:r>
-            <a:r>
-              <a:rPr lang="en-US" sz="1800" dirty="0" err="1">
-                <a:latin typeface="Arial" panose="020B0604020202020204" pitchFamily="34" charset="0"/>
-                <a:cs typeface="Arial" panose="020B0604020202020204" pitchFamily="34" charset="0"/>
-              </a:rPr>
-              <a:t>args</a:t>
-            </a:r>
-            <a:r>
-              <a:rPr lang="en-US" sz="1800" dirty="0">
-                <a:latin typeface="Arial" panose="020B0604020202020204" pitchFamily="34" charset="0"/>
-                <a:cs typeface="Arial" panose="020B0604020202020204" pitchFamily="34" charset="0"/>
-              </a:rPr>
-              <a:t>[])</a:t>
-            </a:r>
-          </a:p>
-          <a:p>
-            <a:pPr>
-              <a:lnSpc>
-                <a:spcPct val="90000"/>
-              </a:lnSpc>
-              <a:spcAft>
-                <a:spcPts val="600"/>
-              </a:spcAft>
-            </a:pPr>
-            <a:r>
-              <a:rPr lang="en-US" sz="1800" dirty="0">
-                <a:latin typeface="Arial" panose="020B0604020202020204" pitchFamily="34" charset="0"/>
-                <a:cs typeface="Arial" panose="020B0604020202020204" pitchFamily="34" charset="0"/>
-              </a:rPr>
-              <a:t>{</a:t>
-            </a:r>
-          </a:p>
-          <a:p>
-            <a:pPr>
-              <a:lnSpc>
-                <a:spcPct val="90000"/>
-              </a:lnSpc>
-              <a:spcAft>
-                <a:spcPts val="600"/>
-              </a:spcAft>
-            </a:pPr>
             <a:r>
               <a:rPr lang="en-US" dirty="0">
                 <a:latin typeface="Arial" panose="020B0604020202020204" pitchFamily="34" charset="0"/>
                 <a:cs typeface="Arial" panose="020B0604020202020204" pitchFamily="34" charset="0"/>
               </a:rPr>
-              <a:t>	int a;</a:t>
-            </a:r>
-            <a:endParaRPr lang="en-US" sz="1800" dirty="0">
-              <a:latin typeface="Arial" panose="020B0604020202020204" pitchFamily="34" charset="0"/>
-              <a:cs typeface="Arial" panose="020B0604020202020204" pitchFamily="34" charset="0"/>
-            </a:endParaRPr>
-          </a:p>
-          <a:p>
-            <a:pPr>
-              <a:lnSpc>
-                <a:spcPct val="90000"/>
-              </a:lnSpc>
-              <a:spcAft>
-                <a:spcPts val="600"/>
-              </a:spcAft>
-            </a:pPr>
-            <a:r>
-              <a:rPr lang="en-US" sz="1800" dirty="0">
-                <a:latin typeface="Arial" panose="020B0604020202020204" pitchFamily="34" charset="0"/>
-                <a:cs typeface="Arial" panose="020B0604020202020204" pitchFamily="34" charset="0"/>
-              </a:rPr>
-              <a:t>}</a:t>
-            </a:r>
-            <a:endParaRPr lang="ru-RU" dirty="0"/>
-          </a:p>
-        </p:txBody>
-      </p:sp>
-      <p:sp>
-        <p:nvSpPr>
-          <p:cNvPr id="8" name="Прямоугольник 7">
-            <a:extLst>
-              <a:ext uri="{FF2B5EF4-FFF2-40B4-BE49-F238E27FC236}">
-                <a16:creationId xmlns:a16="http://schemas.microsoft.com/office/drawing/2014/main" id="{0C2D8C12-34DE-44E5-9073-2AF26B4F6E4B}"/>
-              </a:ext>
-            </a:extLst>
-          </p:cNvPr>
-          <p:cNvSpPr/>
-          <p:nvPr/>
-        </p:nvSpPr>
-        <p:spPr>
-          <a:xfrm>
-            <a:off x="6271231" y="2604047"/>
-            <a:ext cx="3842058" cy="1246471"/>
-          </a:xfrm>
-          <a:prstGeom prst="rect">
-            <a:avLst/>
-          </a:prstGeom>
-        </p:spPr>
-        <p:style>
-          <a:lnRef idx="1">
-            <a:schemeClr val="accent3"/>
-          </a:lnRef>
-          <a:fillRef idx="2">
-            <a:schemeClr val="accent3"/>
-          </a:fillRef>
-          <a:effectRef idx="1">
-            <a:schemeClr val="accent3"/>
-          </a:effectRef>
-          <a:fontRef idx="minor">
-            <a:schemeClr val="dk1"/>
-          </a:fontRef>
-        </p:style>
-        <p:txBody>
-          <a:bodyPr rtlCol="0" anchor="ctr"/>
-          <a:lstStyle/>
-          <a:p>
-            <a:pPr>
-              <a:lnSpc>
-                <a:spcPct val="90000"/>
-              </a:lnSpc>
-              <a:spcAft>
-                <a:spcPts val="600"/>
-              </a:spcAft>
-            </a:pPr>
-            <a:r>
-              <a:rPr lang="en-US" dirty="0">
-                <a:latin typeface="Arial" panose="020B0604020202020204" pitchFamily="34" charset="0"/>
-                <a:cs typeface="Arial" panose="020B0604020202020204" pitchFamily="34" charset="0"/>
-              </a:rPr>
-              <a:t>int summa(int a, int b) </a:t>
-            </a:r>
-            <a:endParaRPr lang="en-US" sz="1800" dirty="0">
-              <a:latin typeface="Arial" panose="020B0604020202020204" pitchFamily="34" charset="0"/>
-              <a:cs typeface="Arial" panose="020B0604020202020204" pitchFamily="34" charset="0"/>
-            </a:endParaRPr>
-          </a:p>
-          <a:p>
-            <a:pPr>
-              <a:lnSpc>
-                <a:spcPct val="90000"/>
-              </a:lnSpc>
-              <a:spcAft>
-                <a:spcPts val="600"/>
-              </a:spcAft>
-            </a:pPr>
-            <a:r>
-              <a:rPr lang="en-US" sz="1800" dirty="0">
-                <a:latin typeface="Arial" panose="020B0604020202020204" pitchFamily="34" charset="0"/>
-                <a:cs typeface="Arial" panose="020B0604020202020204" pitchFamily="34" charset="0"/>
-              </a:rPr>
-              <a:t>{</a:t>
-            </a:r>
-          </a:p>
-          <a:p>
-            <a:pPr>
-              <a:lnSpc>
-                <a:spcPct val="90000"/>
-              </a:lnSpc>
-              <a:spcAft>
-                <a:spcPts val="600"/>
-              </a:spcAft>
-            </a:pPr>
-            <a:r>
-              <a:rPr lang="en-US" dirty="0">
-                <a:latin typeface="Arial" panose="020B0604020202020204" pitchFamily="34" charset="0"/>
-                <a:cs typeface="Arial" panose="020B0604020202020204" pitchFamily="34" charset="0"/>
-              </a:rPr>
-              <a:t>	int a;</a:t>
-            </a:r>
-            <a:endParaRPr lang="en-US" sz="1800" dirty="0">
-              <a:latin typeface="Arial" panose="020B0604020202020204" pitchFamily="34" charset="0"/>
-              <a:cs typeface="Arial" panose="020B0604020202020204" pitchFamily="34" charset="0"/>
-            </a:endParaRPr>
-          </a:p>
-          <a:p>
-            <a:pPr>
-              <a:lnSpc>
-                <a:spcPct val="90000"/>
-              </a:lnSpc>
-              <a:spcAft>
-                <a:spcPts val="600"/>
-              </a:spcAft>
-            </a:pPr>
-            <a:r>
-              <a:rPr lang="en-US" sz="1800" dirty="0">
-                <a:latin typeface="Arial" panose="020B0604020202020204" pitchFamily="34" charset="0"/>
-                <a:cs typeface="Arial" panose="020B0604020202020204" pitchFamily="34" charset="0"/>
-              </a:rPr>
-              <a:t>}</a:t>
-            </a:r>
-            <a:endParaRPr lang="ru-RU" dirty="0"/>
-          </a:p>
-        </p:txBody>
-      </p:sp>
-      <p:sp>
-        <p:nvSpPr>
-          <p:cNvPr id="15" name="TextBox 14">
-            <a:extLst>
-              <a:ext uri="{FF2B5EF4-FFF2-40B4-BE49-F238E27FC236}">
-                <a16:creationId xmlns:a16="http://schemas.microsoft.com/office/drawing/2014/main" id="{AC02D4A0-0CF2-4230-B835-0FEA76AFD640}"/>
-              </a:ext>
-            </a:extLst>
-          </p:cNvPr>
-          <p:cNvSpPr txBox="1"/>
-          <p:nvPr/>
-        </p:nvSpPr>
-        <p:spPr>
-          <a:xfrm>
-            <a:off x="9144000" y="1568327"/>
-            <a:ext cx="3048000" cy="369332"/>
-          </a:xfrm>
-          <a:prstGeom prst="rect">
-            <a:avLst/>
-          </a:prstGeom>
-          <a:noFill/>
-        </p:spPr>
-        <p:txBody>
-          <a:bodyPr wrap="square">
-            <a:spAutoFit/>
-          </a:bodyPr>
-          <a:lstStyle/>
-          <a:p>
-            <a:r>
-              <a:rPr lang="ru-RU" dirty="0">
-                <a:latin typeface="Arial" panose="020B0604020202020204" pitchFamily="34" charset="0"/>
-                <a:cs typeface="Arial" panose="020B0604020202020204" pitchFamily="34" charset="0"/>
-              </a:rPr>
-              <a:t>Локальные переменные</a:t>
-            </a:r>
-            <a:endParaRPr lang="ru-RU" dirty="0"/>
-          </a:p>
-        </p:txBody>
-      </p:sp>
-      <p:sp>
-        <p:nvSpPr>
-          <p:cNvPr id="12" name="TextBox 11">
-            <a:extLst>
-              <a:ext uri="{FF2B5EF4-FFF2-40B4-BE49-F238E27FC236}">
-                <a16:creationId xmlns:a16="http://schemas.microsoft.com/office/drawing/2014/main" id="{74621E91-6DDC-4B2A-B909-CAA27E46E7EB}"/>
-              </a:ext>
-            </a:extLst>
-          </p:cNvPr>
-          <p:cNvSpPr txBox="1"/>
-          <p:nvPr/>
-        </p:nvSpPr>
-        <p:spPr>
-          <a:xfrm>
-            <a:off x="9143999" y="3015426"/>
-            <a:ext cx="3048000" cy="369332"/>
-          </a:xfrm>
-          <a:prstGeom prst="rect">
-            <a:avLst/>
-          </a:prstGeom>
-          <a:noFill/>
-        </p:spPr>
-        <p:txBody>
-          <a:bodyPr wrap="square">
-            <a:spAutoFit/>
-          </a:bodyPr>
-          <a:lstStyle/>
-          <a:p>
-            <a:r>
-              <a:rPr lang="ru-RU" dirty="0">
-                <a:latin typeface="Arial" panose="020B0604020202020204" pitchFamily="34" charset="0"/>
-                <a:cs typeface="Arial" panose="020B0604020202020204" pitchFamily="34" charset="0"/>
-              </a:rPr>
-              <a:t>Глобальные переменные</a:t>
+              <a:t>	}}</a:t>
             </a:r>
             <a:endParaRPr lang="ru-RU" dirty="0"/>
           </a:p>
@@ -5768,10 +5585,529 @@
       </p:sp>
       <p:sp>
         <p:nvSpPr>
-          <p:cNvPr id="9" name="TextBox 8">
+          <p:cNvPr id="28" name="Заголовок 1">
             <a:extLst>
               <a:ext uri="{FF2B5EF4-FFF2-40B4-BE49-F238E27FC236}">
-                <a16:creationId xmlns:a16="http://schemas.microsoft.com/office/drawing/2014/main" id="{DE61AFB7-56EB-45DB-9C73-F4280CE3B139}"/>
+                <a16:creationId xmlns:a16="http://schemas.microsoft.com/office/drawing/2014/main" id="{A1800B60-BA5D-4BD9-AAE0-43620F882506}"/>
+              </a:ext>
+            </a:extLst>
+          </p:cNvPr>
+          <p:cNvSpPr txBox="1">
+            <a:spLocks/>
+          </p:cNvSpPr>
+          <p:nvPr/>
+        </p:nvSpPr>
+        <p:spPr>
+          <a:xfrm>
+            <a:off x="404023" y="4643927"/>
+            <a:ext cx="7133119" cy="460733"/>
+          </a:xfrm>
+          <a:prstGeom prst="rect">
+            <a:avLst/>
+          </a:prstGeom>
+        </p:spPr>
+        <p:txBody>
+          <a:bodyPr vert="horz" lIns="91440" tIns="45720" rIns="91440" bIns="45720" rtlCol="0" anchor="b">
+            <a:normAutofit fontScale="85000" lnSpcReduction="20000"/>
+          </a:bodyPr>
+          <a:lstStyle>
+            <a:lvl1pPr algn="l" defTabSz="914400" rtl="0" eaLnBrk="1" latinLnBrk="0" hangingPunct="1">
+              <a:lnSpc>
+                <a:spcPct val="90000"/>
+              </a:lnSpc>
+              <a:spcBef>
+                <a:spcPct val="0"/>
+              </a:spcBef>
+              <a:buNone/>
+              <a:defRPr sz="5900" kern="1200" spc="-100" baseline="0">
+                <a:solidFill>
+                  <a:srgbClr val="FFFFFF"/>
+                </a:solidFill>
+                <a:latin typeface="+mj-lt"/>
+                <a:ea typeface="+mj-ea"/>
+                <a:cs typeface="+mj-cs"/>
+              </a:defRPr>
+            </a:lvl1pPr>
+          </a:lstStyle>
+          <a:p>
+            <a:r>
+              <a:rPr lang="ru-RU" sz="3600" spc="-60" dirty="0"/>
+              <a:t>Локальные и глобальные переменные</a:t>
+            </a:r>
+          </a:p>
+        </p:txBody>
+      </p:sp>
+      <p:sp>
+        <p:nvSpPr>
+          <p:cNvPr id="5" name="Прямоугольник 4">
+            <a:extLst>
+              <a:ext uri="{FF2B5EF4-FFF2-40B4-BE49-F238E27FC236}">
+                <a16:creationId xmlns:a16="http://schemas.microsoft.com/office/drawing/2014/main" id="{4FD3DA98-FDC3-43D0-991F-BDF263EF0B07}"/>
+              </a:ext>
+            </a:extLst>
+          </p:cNvPr>
+          <p:cNvSpPr/>
+          <p:nvPr/>
+        </p:nvSpPr>
+        <p:spPr>
+          <a:xfrm>
+            <a:off x="600833" y="176317"/>
+            <a:ext cx="4192521" cy="4015006"/>
+          </a:xfrm>
+          <a:prstGeom prst="rect">
+            <a:avLst/>
+          </a:prstGeom>
+        </p:spPr>
+        <p:style>
+          <a:lnRef idx="1">
+            <a:schemeClr val="accent2"/>
+          </a:lnRef>
+          <a:fillRef idx="2">
+            <a:schemeClr val="accent2"/>
+          </a:fillRef>
+          <a:effectRef idx="1">
+            <a:schemeClr val="accent2"/>
+          </a:effectRef>
+          <a:fontRef idx="minor">
+            <a:schemeClr val="dk1"/>
+          </a:fontRef>
+        </p:style>
+        <p:txBody>
+          <a:bodyPr rtlCol="0" anchor="ctr"/>
+          <a:lstStyle/>
+          <a:p>
+            <a:pPr>
+              <a:lnSpc>
+                <a:spcPct val="90000"/>
+              </a:lnSpc>
+              <a:spcAft>
+                <a:spcPts val="600"/>
+              </a:spcAft>
+            </a:pPr>
+            <a:r>
+              <a:rPr lang="en-US" sz="1800" dirty="0">
+                <a:latin typeface="Arial" panose="020B0604020202020204" pitchFamily="34" charset="0"/>
+                <a:cs typeface="Arial" panose="020B0604020202020204" pitchFamily="34" charset="0"/>
+              </a:rPr>
+              <a:t>public class Main {</a:t>
+            </a:r>
+          </a:p>
+          <a:p>
+            <a:pPr>
+              <a:lnSpc>
+                <a:spcPct val="90000"/>
+              </a:lnSpc>
+              <a:spcAft>
+                <a:spcPts val="600"/>
+              </a:spcAft>
+            </a:pPr>
+            <a:r>
+              <a:rPr lang="en-US" dirty="0">
+                <a:latin typeface="Arial" panose="020B0604020202020204" pitchFamily="34" charset="0"/>
+                <a:cs typeface="Arial" panose="020B0604020202020204" pitchFamily="34" charset="0"/>
+              </a:rPr>
+              <a:t>    int b;</a:t>
+            </a:r>
+            <a:endParaRPr lang="en-US" sz="1800" dirty="0">
+              <a:latin typeface="Arial" panose="020B0604020202020204" pitchFamily="34" charset="0"/>
+              <a:cs typeface="Arial" panose="020B0604020202020204" pitchFamily="34" charset="0"/>
+            </a:endParaRPr>
+          </a:p>
+          <a:p>
+            <a:pPr>
+              <a:lnSpc>
+                <a:spcPct val="90000"/>
+              </a:lnSpc>
+              <a:spcAft>
+                <a:spcPts val="600"/>
+              </a:spcAft>
+            </a:pPr>
+            <a:endParaRPr lang="ru-RU" sz="1800" dirty="0">
+              <a:latin typeface="Arial" panose="020B0604020202020204" pitchFamily="34" charset="0"/>
+              <a:cs typeface="Arial" panose="020B0604020202020204" pitchFamily="34" charset="0"/>
+            </a:endParaRPr>
+          </a:p>
+          <a:p>
+            <a:pPr>
+              <a:lnSpc>
+                <a:spcPct val="90000"/>
+              </a:lnSpc>
+              <a:spcAft>
+                <a:spcPts val="600"/>
+              </a:spcAft>
+            </a:pPr>
+            <a:endParaRPr lang="ru-RU" dirty="0">
+              <a:latin typeface="Arial" panose="020B0604020202020204" pitchFamily="34" charset="0"/>
+              <a:cs typeface="Arial" panose="020B0604020202020204" pitchFamily="34" charset="0"/>
+            </a:endParaRPr>
+          </a:p>
+          <a:p>
+            <a:pPr>
+              <a:lnSpc>
+                <a:spcPct val="90000"/>
+              </a:lnSpc>
+              <a:spcAft>
+                <a:spcPts val="600"/>
+              </a:spcAft>
+            </a:pPr>
+            <a:endParaRPr lang="ru-RU" sz="1800" dirty="0">
+              <a:latin typeface="Arial" panose="020B0604020202020204" pitchFamily="34" charset="0"/>
+              <a:cs typeface="Arial" panose="020B0604020202020204" pitchFamily="34" charset="0"/>
+            </a:endParaRPr>
+          </a:p>
+          <a:p>
+            <a:pPr>
+              <a:lnSpc>
+                <a:spcPct val="90000"/>
+              </a:lnSpc>
+              <a:spcAft>
+                <a:spcPts val="600"/>
+              </a:spcAft>
+            </a:pPr>
+            <a:endParaRPr lang="en-US" sz="1800" dirty="0">
+              <a:latin typeface="Arial" panose="020B0604020202020204" pitchFamily="34" charset="0"/>
+              <a:cs typeface="Arial" panose="020B0604020202020204" pitchFamily="34" charset="0"/>
+            </a:endParaRPr>
+          </a:p>
+          <a:p>
+            <a:pPr>
+              <a:lnSpc>
+                <a:spcPct val="90000"/>
+              </a:lnSpc>
+              <a:spcAft>
+                <a:spcPts val="600"/>
+              </a:spcAft>
+            </a:pPr>
+            <a:endParaRPr lang="ru-RU" sz="1800" dirty="0">
+              <a:latin typeface="Arial" panose="020B0604020202020204" pitchFamily="34" charset="0"/>
+              <a:cs typeface="Arial" panose="020B0604020202020204" pitchFamily="34" charset="0"/>
+            </a:endParaRPr>
+          </a:p>
+          <a:p>
+            <a:pPr>
+              <a:lnSpc>
+                <a:spcPct val="90000"/>
+              </a:lnSpc>
+              <a:spcAft>
+                <a:spcPts val="600"/>
+              </a:spcAft>
+            </a:pPr>
+            <a:endParaRPr lang="ru-RU" dirty="0">
+              <a:latin typeface="Arial" panose="020B0604020202020204" pitchFamily="34" charset="0"/>
+              <a:cs typeface="Arial" panose="020B0604020202020204" pitchFamily="34" charset="0"/>
+            </a:endParaRPr>
+          </a:p>
+          <a:p>
+            <a:pPr>
+              <a:lnSpc>
+                <a:spcPct val="90000"/>
+              </a:lnSpc>
+              <a:spcAft>
+                <a:spcPts val="600"/>
+              </a:spcAft>
+            </a:pPr>
+            <a:endParaRPr lang="ru-RU" sz="1800" dirty="0">
+              <a:latin typeface="Arial" panose="020B0604020202020204" pitchFamily="34" charset="0"/>
+              <a:cs typeface="Arial" panose="020B0604020202020204" pitchFamily="34" charset="0"/>
+            </a:endParaRPr>
+          </a:p>
+          <a:p>
+            <a:pPr>
+              <a:lnSpc>
+                <a:spcPct val="90000"/>
+              </a:lnSpc>
+              <a:spcAft>
+                <a:spcPts val="600"/>
+              </a:spcAft>
+            </a:pPr>
+            <a:endParaRPr lang="ru-RU" dirty="0">
+              <a:latin typeface="Arial" panose="020B0604020202020204" pitchFamily="34" charset="0"/>
+              <a:cs typeface="Arial" panose="020B0604020202020204" pitchFamily="34" charset="0"/>
+            </a:endParaRPr>
+          </a:p>
+          <a:p>
+            <a:pPr>
+              <a:lnSpc>
+                <a:spcPct val="90000"/>
+              </a:lnSpc>
+              <a:spcAft>
+                <a:spcPts val="600"/>
+              </a:spcAft>
+            </a:pPr>
+            <a:endParaRPr lang="ru-RU" dirty="0">
+              <a:latin typeface="Arial" panose="020B0604020202020204" pitchFamily="34" charset="0"/>
+              <a:cs typeface="Arial" panose="020B0604020202020204" pitchFamily="34" charset="0"/>
+            </a:endParaRPr>
+          </a:p>
+          <a:p>
+            <a:pPr>
+              <a:lnSpc>
+                <a:spcPct val="90000"/>
+              </a:lnSpc>
+              <a:spcAft>
+                <a:spcPts val="600"/>
+              </a:spcAft>
+            </a:pPr>
+            <a:r>
+              <a:rPr lang="en-US" sz="1800" dirty="0">
+                <a:latin typeface="Arial" panose="020B0604020202020204" pitchFamily="34" charset="0"/>
+                <a:cs typeface="Arial" panose="020B0604020202020204" pitchFamily="34" charset="0"/>
+              </a:rPr>
+              <a:t>}</a:t>
+            </a:r>
+          </a:p>
+        </p:txBody>
+      </p:sp>
+      <p:sp>
+        <p:nvSpPr>
+          <p:cNvPr id="7" name="Прямоугольник 6">
+            <a:extLst>
+              <a:ext uri="{FF2B5EF4-FFF2-40B4-BE49-F238E27FC236}">
+                <a16:creationId xmlns:a16="http://schemas.microsoft.com/office/drawing/2014/main" id="{1A89D251-27D1-44EB-97F8-F5D6E7FC84E3}"/>
+              </a:ext>
+            </a:extLst>
+          </p:cNvPr>
+          <p:cNvSpPr/>
+          <p:nvPr/>
+        </p:nvSpPr>
+        <p:spPr>
+          <a:xfrm>
+            <a:off x="951296" y="1117234"/>
+            <a:ext cx="3842058" cy="1246471"/>
+          </a:xfrm>
+          <a:prstGeom prst="rect">
+            <a:avLst/>
+          </a:prstGeom>
+        </p:spPr>
+        <p:style>
+          <a:lnRef idx="1">
+            <a:schemeClr val="accent1"/>
+          </a:lnRef>
+          <a:fillRef idx="2">
+            <a:schemeClr val="accent1"/>
+          </a:fillRef>
+          <a:effectRef idx="1">
+            <a:schemeClr val="accent1"/>
+          </a:effectRef>
+          <a:fontRef idx="minor">
+            <a:schemeClr val="dk1"/>
+          </a:fontRef>
+        </p:style>
+        <p:txBody>
+          <a:bodyPr rtlCol="0" anchor="ctr"/>
+          <a:lstStyle/>
+          <a:p>
+            <a:pPr>
+              <a:lnSpc>
+                <a:spcPct val="90000"/>
+              </a:lnSpc>
+              <a:spcAft>
+                <a:spcPts val="600"/>
+              </a:spcAft>
+            </a:pPr>
+            <a:r>
+              <a:rPr lang="en-US" sz="1800" dirty="0">
+                <a:latin typeface="Arial" panose="020B0604020202020204" pitchFamily="34" charset="0"/>
+                <a:cs typeface="Arial" panose="020B0604020202020204" pitchFamily="34" charset="0"/>
+              </a:rPr>
+              <a:t>public static void main(String </a:t>
+            </a:r>
+            <a:r>
+              <a:rPr lang="en-US" sz="1800" dirty="0" err="1">
+                <a:latin typeface="Arial" panose="020B0604020202020204" pitchFamily="34" charset="0"/>
+                <a:cs typeface="Arial" panose="020B0604020202020204" pitchFamily="34" charset="0"/>
+              </a:rPr>
+              <a:t>args</a:t>
+            </a:r>
+            <a:r>
+              <a:rPr lang="en-US" sz="1800" dirty="0">
+                <a:latin typeface="Arial" panose="020B0604020202020204" pitchFamily="34" charset="0"/>
+                <a:cs typeface="Arial" panose="020B0604020202020204" pitchFamily="34" charset="0"/>
+              </a:rPr>
+              <a:t>[])</a:t>
+            </a:r>
+          </a:p>
+          <a:p>
+            <a:pPr>
+              <a:lnSpc>
+                <a:spcPct val="90000"/>
+              </a:lnSpc>
+              <a:spcAft>
+                <a:spcPts val="600"/>
+              </a:spcAft>
+            </a:pPr>
+            <a:r>
+              <a:rPr lang="en-US" sz="1800" dirty="0">
+                <a:latin typeface="Arial" panose="020B0604020202020204" pitchFamily="34" charset="0"/>
+                <a:cs typeface="Arial" panose="020B0604020202020204" pitchFamily="34" charset="0"/>
+              </a:rPr>
+              <a:t>{</a:t>
+            </a:r>
+          </a:p>
+          <a:p>
+            <a:pPr>
+              <a:lnSpc>
+                <a:spcPct val="90000"/>
+              </a:lnSpc>
+              <a:spcAft>
+                <a:spcPts val="600"/>
+              </a:spcAft>
+            </a:pPr>
+            <a:r>
+              <a:rPr lang="en-US" dirty="0">
+                <a:latin typeface="Arial" panose="020B0604020202020204" pitchFamily="34" charset="0"/>
+                <a:cs typeface="Arial" panose="020B0604020202020204" pitchFamily="34" charset="0"/>
+              </a:rPr>
+              <a:t>	int a;</a:t>
+            </a:r>
+            <a:endParaRPr lang="en-US" sz="1800" dirty="0">
+              <a:latin typeface="Arial" panose="020B0604020202020204" pitchFamily="34" charset="0"/>
+              <a:cs typeface="Arial" panose="020B0604020202020204" pitchFamily="34" charset="0"/>
+            </a:endParaRPr>
+          </a:p>
+          <a:p>
+            <a:pPr>
+              <a:lnSpc>
+                <a:spcPct val="90000"/>
+              </a:lnSpc>
+              <a:spcAft>
+                <a:spcPts val="600"/>
+              </a:spcAft>
+            </a:pPr>
+            <a:r>
+              <a:rPr lang="en-US" sz="1800" dirty="0">
+                <a:latin typeface="Arial" panose="020B0604020202020204" pitchFamily="34" charset="0"/>
+                <a:cs typeface="Arial" panose="020B0604020202020204" pitchFamily="34" charset="0"/>
+              </a:rPr>
+              <a:t>}</a:t>
+            </a:r>
+            <a:endParaRPr lang="ru-RU" dirty="0"/>
+          </a:p>
+        </p:txBody>
+      </p:sp>
+      <p:sp>
+        <p:nvSpPr>
+          <p:cNvPr id="8" name="Прямоугольник 7">
+            <a:extLst>
+              <a:ext uri="{FF2B5EF4-FFF2-40B4-BE49-F238E27FC236}">
+                <a16:creationId xmlns:a16="http://schemas.microsoft.com/office/drawing/2014/main" id="{0C2D8C12-34DE-44E5-9073-2AF26B4F6E4B}"/>
+              </a:ext>
+            </a:extLst>
+          </p:cNvPr>
+          <p:cNvSpPr/>
+          <p:nvPr/>
+        </p:nvSpPr>
+        <p:spPr>
+          <a:xfrm>
+            <a:off x="951296" y="2565875"/>
+            <a:ext cx="3842058" cy="1246471"/>
+          </a:xfrm>
+          <a:prstGeom prst="rect">
+            <a:avLst/>
+          </a:prstGeom>
+        </p:spPr>
+        <p:style>
+          <a:lnRef idx="1">
+            <a:schemeClr val="accent3"/>
+          </a:lnRef>
+          <a:fillRef idx="2">
+            <a:schemeClr val="accent3"/>
+          </a:fillRef>
+          <a:effectRef idx="1">
+            <a:schemeClr val="accent3"/>
+          </a:effectRef>
+          <a:fontRef idx="minor">
+            <a:schemeClr val="dk1"/>
+          </a:fontRef>
+        </p:style>
+        <p:txBody>
+          <a:bodyPr rtlCol="0" anchor="ctr"/>
+          <a:lstStyle/>
+          <a:p>
+            <a:pPr>
+              <a:lnSpc>
+                <a:spcPct val="90000"/>
+              </a:lnSpc>
+              <a:spcAft>
+                <a:spcPts val="600"/>
+              </a:spcAft>
+            </a:pPr>
+            <a:r>
+              <a:rPr lang="en-US" dirty="0">
+                <a:latin typeface="Arial" panose="020B0604020202020204" pitchFamily="34" charset="0"/>
+                <a:cs typeface="Arial" panose="020B0604020202020204" pitchFamily="34" charset="0"/>
+              </a:rPr>
+              <a:t>int summa(int a, int b) </a:t>
+            </a:r>
+            <a:endParaRPr lang="en-US" sz="1800" dirty="0">
+              <a:latin typeface="Arial" panose="020B0604020202020204" pitchFamily="34" charset="0"/>
+              <a:cs typeface="Arial" panose="020B0604020202020204" pitchFamily="34" charset="0"/>
+            </a:endParaRPr>
+          </a:p>
+          <a:p>
+            <a:pPr>
+              <a:lnSpc>
+                <a:spcPct val="90000"/>
+              </a:lnSpc>
+              <a:spcAft>
+                <a:spcPts val="600"/>
+              </a:spcAft>
+            </a:pPr>
+            <a:r>
+              <a:rPr lang="en-US" sz="1800" dirty="0">
+                <a:latin typeface="Arial" panose="020B0604020202020204" pitchFamily="34" charset="0"/>
+                <a:cs typeface="Arial" panose="020B0604020202020204" pitchFamily="34" charset="0"/>
+              </a:rPr>
+              <a:t>{</a:t>
+            </a:r>
+          </a:p>
+          <a:p>
+            <a:pPr>
+              <a:lnSpc>
+                <a:spcPct val="90000"/>
+              </a:lnSpc>
+              <a:spcAft>
+                <a:spcPts val="600"/>
+              </a:spcAft>
+            </a:pPr>
+            <a:r>
+              <a:rPr lang="en-US" dirty="0">
+                <a:latin typeface="Arial" panose="020B0604020202020204" pitchFamily="34" charset="0"/>
+                <a:cs typeface="Arial" panose="020B0604020202020204" pitchFamily="34" charset="0"/>
+              </a:rPr>
+              <a:t>	int a;</a:t>
+            </a:r>
+            <a:endParaRPr lang="en-US" sz="1800" dirty="0">
+              <a:latin typeface="Arial" panose="020B0604020202020204" pitchFamily="34" charset="0"/>
+              <a:cs typeface="Arial" panose="020B0604020202020204" pitchFamily="34" charset="0"/>
+            </a:endParaRPr>
+          </a:p>
+          <a:p>
+            <a:pPr>
+              <a:lnSpc>
+                <a:spcPct val="90000"/>
+              </a:lnSpc>
+              <a:spcAft>
+                <a:spcPts val="600"/>
+              </a:spcAft>
+            </a:pPr>
+            <a:r>
+              <a:rPr lang="en-US" sz="1800" dirty="0">
+                <a:latin typeface="Arial" panose="020B0604020202020204" pitchFamily="34" charset="0"/>
+                <a:cs typeface="Arial" panose="020B0604020202020204" pitchFamily="34" charset="0"/>
+              </a:rPr>
+              <a:t>}</a:t>
+            </a:r>
+            <a:endParaRPr lang="ru-RU" dirty="0"/>
+          </a:p>
+        </p:txBody>
+      </p:sp>
+      <p:sp>
+        <p:nvSpPr>
+          <p:cNvPr id="15" name="TextBox 14">
+            <a:extLst>
+              <a:ext uri="{FF2B5EF4-FFF2-40B4-BE49-F238E27FC236}">
+                <a16:creationId xmlns:a16="http://schemas.microsoft.com/office/drawing/2014/main" id="{AC02D4A0-0CF2-4230-B835-0FEA76AFD640}"/>
               </a:ext>
             </a:extLst>
           </p:cNvPr>
@@ -5780,8 +6116,374 @@
         </p:nvSpPr>
         <p:spPr>
           <a:xfrm>
-            <a:off x="950721" y="288236"/>
-            <a:ext cx="9805923" cy="6281528"/>
+            <a:off x="5853683" y="2305695"/>
+            <a:ext cx="3048000" cy="369332"/>
+          </a:xfrm>
+          <a:prstGeom prst="rect">
+            <a:avLst/>
+          </a:prstGeom>
+          <a:noFill/>
+        </p:spPr>
+        <p:txBody>
+          <a:bodyPr wrap="square">
+            <a:spAutoFit/>
+          </a:bodyPr>
+          <a:lstStyle/>
+          <a:p>
+            <a:r>
+              <a:rPr lang="ru-RU" dirty="0">
+                <a:latin typeface="Arial" panose="020B0604020202020204" pitchFamily="34" charset="0"/>
+                <a:cs typeface="Arial" panose="020B0604020202020204" pitchFamily="34" charset="0"/>
+              </a:rPr>
+              <a:t>Локальные переменные</a:t>
+            </a:r>
+            <a:endParaRPr lang="ru-RU" dirty="0"/>
+          </a:p>
+        </p:txBody>
+      </p:sp>
+      <p:sp>
+        <p:nvSpPr>
+          <p:cNvPr id="12" name="TextBox 11">
+            <a:extLst>
+              <a:ext uri="{FF2B5EF4-FFF2-40B4-BE49-F238E27FC236}">
+                <a16:creationId xmlns:a16="http://schemas.microsoft.com/office/drawing/2014/main" id="{74621E91-6DDC-4B2A-B909-CAA27E46E7EB}"/>
+              </a:ext>
+            </a:extLst>
+          </p:cNvPr>
+          <p:cNvSpPr txBox="1"/>
+          <p:nvPr/>
+        </p:nvSpPr>
+        <p:spPr>
+          <a:xfrm>
+            <a:off x="5853683" y="747902"/>
+            <a:ext cx="3048000" cy="369332"/>
+          </a:xfrm>
+          <a:prstGeom prst="rect">
+            <a:avLst/>
+          </a:prstGeom>
+          <a:noFill/>
+        </p:spPr>
+        <p:txBody>
+          <a:bodyPr wrap="square">
+            <a:spAutoFit/>
+          </a:bodyPr>
+          <a:lstStyle/>
+          <a:p>
+            <a:r>
+              <a:rPr lang="ru-RU" dirty="0">
+                <a:latin typeface="Arial" panose="020B0604020202020204" pitchFamily="34" charset="0"/>
+                <a:cs typeface="Arial" panose="020B0604020202020204" pitchFamily="34" charset="0"/>
+              </a:rPr>
+              <a:t>Глобальные переменные</a:t>
+            </a:r>
+            <a:endParaRPr lang="ru-RU" dirty="0"/>
+          </a:p>
+        </p:txBody>
+      </p:sp>
+      <p:cxnSp>
+        <p:nvCxnSpPr>
+          <p:cNvPr id="6" name="Прямая со стрелкой 5">
+            <a:extLst>
+              <a:ext uri="{FF2B5EF4-FFF2-40B4-BE49-F238E27FC236}">
+                <a16:creationId xmlns:a16="http://schemas.microsoft.com/office/drawing/2014/main" id="{4B4CE7B8-9E28-4022-88C2-9F26F1DF1508}"/>
+              </a:ext>
+            </a:extLst>
+          </p:cNvPr>
+          <p:cNvCxnSpPr/>
+          <p:nvPr/>
+        </p:nvCxnSpPr>
+        <p:spPr>
+          <a:xfrm flipH="1" flipV="1">
+            <a:off x="1855433" y="747902"/>
+            <a:ext cx="3755254" cy="184666"/>
+          </a:xfrm>
+          <a:prstGeom prst="straightConnector1">
+            <a:avLst/>
+          </a:prstGeom>
+          <a:ln>
+            <a:tailEnd type="triangle"/>
+          </a:ln>
+        </p:spPr>
+        <p:style>
+          <a:lnRef idx="3">
+            <a:schemeClr val="accent6"/>
+          </a:lnRef>
+          <a:fillRef idx="0">
+            <a:schemeClr val="accent6"/>
+          </a:fillRef>
+          <a:effectRef idx="2">
+            <a:schemeClr val="accent6"/>
+          </a:effectRef>
+          <a:fontRef idx="minor">
+            <a:schemeClr val="tx1"/>
+          </a:fontRef>
+        </p:style>
+      </p:cxnSp>
+      <p:cxnSp>
+        <p:nvCxnSpPr>
+          <p:cNvPr id="14" name="Прямая со стрелкой 13">
+            <a:extLst>
+              <a:ext uri="{FF2B5EF4-FFF2-40B4-BE49-F238E27FC236}">
+                <a16:creationId xmlns:a16="http://schemas.microsoft.com/office/drawing/2014/main" id="{E3356213-9C6B-4A00-BD94-7AB65EFC7729}"/>
+              </a:ext>
+            </a:extLst>
+          </p:cNvPr>
+          <p:cNvCxnSpPr>
+            <a:cxnSpLocks/>
+          </p:cNvCxnSpPr>
+          <p:nvPr/>
+        </p:nvCxnSpPr>
+        <p:spPr>
+          <a:xfrm flipH="1" flipV="1">
+            <a:off x="2343705" y="1935716"/>
+            <a:ext cx="3504504" cy="533896"/>
+          </a:xfrm>
+          <a:prstGeom prst="straightConnector1">
+            <a:avLst/>
+          </a:prstGeom>
+          <a:ln>
+            <a:tailEnd type="triangle"/>
+          </a:ln>
+        </p:spPr>
+        <p:style>
+          <a:lnRef idx="3">
+            <a:schemeClr val="accent6"/>
+          </a:lnRef>
+          <a:fillRef idx="0">
+            <a:schemeClr val="accent6"/>
+          </a:fillRef>
+          <a:effectRef idx="2">
+            <a:schemeClr val="accent6"/>
+          </a:effectRef>
+          <a:fontRef idx="minor">
+            <a:schemeClr val="tx1"/>
+          </a:fontRef>
+        </p:style>
+      </p:cxnSp>
+      <p:cxnSp>
+        <p:nvCxnSpPr>
+          <p:cNvPr id="16" name="Прямая со стрелкой 15">
+            <a:extLst>
+              <a:ext uri="{FF2B5EF4-FFF2-40B4-BE49-F238E27FC236}">
+                <a16:creationId xmlns:a16="http://schemas.microsoft.com/office/drawing/2014/main" id="{778BAE69-E401-47D0-9B1B-B3B3CE3A626A}"/>
+              </a:ext>
+            </a:extLst>
+          </p:cNvPr>
+          <p:cNvCxnSpPr>
+            <a:cxnSpLocks/>
+          </p:cNvCxnSpPr>
+          <p:nvPr/>
+        </p:nvCxnSpPr>
+        <p:spPr>
+          <a:xfrm flipH="1">
+            <a:off x="2343705" y="2593994"/>
+            <a:ext cx="3515645" cy="772859"/>
+          </a:xfrm>
+          <a:prstGeom prst="straightConnector1">
+            <a:avLst/>
+          </a:prstGeom>
+          <a:ln>
+            <a:tailEnd type="triangle"/>
+          </a:ln>
+        </p:spPr>
+        <p:style>
+          <a:lnRef idx="3">
+            <a:schemeClr val="accent6"/>
+          </a:lnRef>
+          <a:fillRef idx="0">
+            <a:schemeClr val="accent6"/>
+          </a:fillRef>
+          <a:effectRef idx="2">
+            <a:schemeClr val="accent6"/>
+          </a:effectRef>
+          <a:fontRef idx="minor">
+            <a:schemeClr val="tx1"/>
+          </a:fontRef>
+        </p:style>
+      </p:cxnSp>
+    </p:spTree>
+    <p:extLst>
+      <p:ext uri="{BB962C8B-B14F-4D97-AF65-F5344CB8AC3E}">
+        <p14:creationId xmlns:p14="http://schemas.microsoft.com/office/powerpoint/2010/main" val="2831307625"/>
+      </p:ext>
+    </p:extLst>
+  </p:cSld>
+  <p:clrMapOvr>
+    <a:masterClrMapping/>
+  </p:clrMapOvr>
+</p:sld>
+</file>
+
+<file path=ppt/slides/slide14.xml><?xml version="1.0" encoding="utf-8"?>
+<p:sld xmlns:a="http://schemas.openxmlformats.org/drawingml/2006/main" xmlns:r="http://schemas.openxmlformats.org/officeDocument/2006/relationships" xmlns:p="http://schemas.openxmlformats.org/presentationml/2006/main">
+  <p:cSld>
+    <p:bg>
+      <p:bgPr>
+        <a:solidFill>
+          <a:schemeClr val="bg1"/>
+        </a:solidFill>
+        <a:effectLst/>
+      </p:bgPr>
+    </p:bg>
+    <p:spTree>
+      <p:nvGrpSpPr>
+        <p:cNvPr id="1" name=""/>
+        <p:cNvGrpSpPr/>
+        <p:nvPr/>
+      </p:nvGrpSpPr>
+      <p:grpSpPr>
+        <a:xfrm>
+          <a:off x="0" y="0"/>
+          <a:ext cx="0" cy="0"/>
+          <a:chOff x="0" y="0"/>
+          <a:chExt cx="0" cy="0"/>
+        </a:xfrm>
+      </p:grpSpPr>
+      <p:sp>
+        <p:nvSpPr>
+          <p:cNvPr id="9" name="Rectangle 8">
+            <a:extLst>
+              <a:ext uri="{FF2B5EF4-FFF2-40B4-BE49-F238E27FC236}">
+                <a16:creationId xmlns:a16="http://schemas.microsoft.com/office/drawing/2014/main" id="{F754C990-9493-43C5-A08F-2B9A55F7DF0A}"/>
+              </a:ext>
+              <a:ext uri="{C183D7F6-B498-43B3-948B-1728B52AA6E4}">
+                <adec:decorative xmlns:adec="http://schemas.microsoft.com/office/drawing/2017/decorative" val="1"/>
+              </a:ext>
+            </a:extLst>
+          </p:cNvPr>
+          <p:cNvSpPr>
+            <a:spLocks noGrp="1" noRot="1" noChangeAspect="1" noMove="1" noResize="1" noEditPoints="1" noAdjustHandles="1" noChangeArrowheads="1" noChangeShapeType="1" noTextEdit="1"/>
+          </p:cNvSpPr>
+          <p:nvPr>
+            <p:extLst>
+              <p:ext uri="{386F3935-93C4-4BCD-93E2-E3B085C9AB24}">
+                <p16:designElem xmlns:p16="http://schemas.microsoft.com/office/powerpoint/2015/main" val="1"/>
+              </p:ext>
+            </p:extLst>
+          </p:nvPr>
+        </p:nvSpPr>
+        <p:spPr>
+          <a:xfrm>
+            <a:off x="0" y="0"/>
+            <a:ext cx="12192000" cy="6858000"/>
+          </a:xfrm>
+          <a:prstGeom prst="rect">
+            <a:avLst/>
+          </a:prstGeom>
+          <a:solidFill>
+            <a:schemeClr val="bg2"/>
+          </a:solidFill>
+          <a:ln>
+            <a:noFill/>
+          </a:ln>
+        </p:spPr>
+        <p:style>
+          <a:lnRef idx="2">
+            <a:schemeClr val="accent1">
+              <a:shade val="50000"/>
+            </a:schemeClr>
+          </a:lnRef>
+          <a:fillRef idx="1">
+            <a:schemeClr val="accent1"/>
+          </a:fillRef>
+          <a:effectRef idx="0">
+            <a:schemeClr val="accent1"/>
+          </a:effectRef>
+          <a:fontRef idx="minor">
+            <a:schemeClr val="lt1"/>
+          </a:fontRef>
+        </p:style>
+        <p:txBody>
+          <a:bodyPr rtlCol="0" anchor="ctr"/>
+          <a:lstStyle/>
+          <a:p>
+            <a:pPr algn="ctr"/>
+            <a:endParaRPr lang="en-US"/>
+          </a:p>
+        </p:txBody>
+      </p:sp>
+      <p:sp>
+        <p:nvSpPr>
+          <p:cNvPr id="11" name="Rectangle 10">
+            <a:extLst>
+              <a:ext uri="{FF2B5EF4-FFF2-40B4-BE49-F238E27FC236}">
+                <a16:creationId xmlns:a16="http://schemas.microsoft.com/office/drawing/2014/main" id="{B176A2F0-4868-448D-8624-668A960A0E45}"/>
+              </a:ext>
+              <a:ext uri="{C183D7F6-B498-43B3-948B-1728B52AA6E4}">
+                <adec:decorative xmlns:adec="http://schemas.microsoft.com/office/drawing/2017/decorative" val="1"/>
+              </a:ext>
+            </a:extLst>
+          </p:cNvPr>
+          <p:cNvSpPr>
+            <a:spLocks noGrp="1" noRot="1" noChangeAspect="1" noMove="1" noResize="1" noEditPoints="1" noAdjustHandles="1" noChangeArrowheads="1" noChangeShapeType="1" noTextEdit="1"/>
+          </p:cNvSpPr>
+          <p:nvPr>
+            <p:extLst>
+              <p:ext uri="{386F3935-93C4-4BCD-93E2-E3B085C9AB24}">
+                <p16:designElem xmlns:p16="http://schemas.microsoft.com/office/powerpoint/2015/main" val="1"/>
+              </p:ext>
+            </p:extLst>
+          </p:nvPr>
+        </p:nvSpPr>
+        <p:spPr>
+          <a:xfrm>
+            <a:off x="477012" y="480060"/>
+            <a:ext cx="11237976" cy="5897880"/>
+          </a:xfrm>
+          <a:prstGeom prst="rect">
+            <a:avLst/>
+          </a:prstGeom>
+          <a:solidFill>
+            <a:srgbClr val="FFFFFF"/>
+          </a:solidFill>
+          <a:ln w="31750" cap="sq">
+            <a:solidFill>
+              <a:srgbClr val="699EE6"/>
+            </a:solidFill>
+            <a:miter lim="800000"/>
+          </a:ln>
+        </p:spPr>
+        <p:style>
+          <a:lnRef idx="2">
+            <a:schemeClr val="accent1">
+              <a:shade val="50000"/>
+            </a:schemeClr>
+          </a:lnRef>
+          <a:fillRef idx="1">
+            <a:schemeClr val="accent1"/>
+          </a:fillRef>
+          <a:effectRef idx="0">
+            <a:schemeClr val="accent1"/>
+          </a:effectRef>
+          <a:fontRef idx="minor">
+            <a:schemeClr val="lt1"/>
+          </a:fontRef>
+        </p:style>
+        <p:txBody>
+          <a:bodyPr rtlCol="0" anchor="ctr"/>
+          <a:lstStyle/>
+          <a:p>
+            <a:pPr algn="ctr"/>
+            <a:endParaRPr lang="en-US"/>
+          </a:p>
+        </p:txBody>
+      </p:sp>
+      <p:sp>
+        <p:nvSpPr>
+          <p:cNvPr id="15" name="TextBox 14">
+            <a:extLst>
+              <a:ext uri="{FF2B5EF4-FFF2-40B4-BE49-F238E27FC236}">
+                <a16:creationId xmlns:a16="http://schemas.microsoft.com/office/drawing/2014/main" id="{B81C7649-A45A-4B8B-99DD-2DDBCDB5FF09}"/>
+              </a:ext>
+            </a:extLst>
+          </p:cNvPr>
+          <p:cNvSpPr txBox="1"/>
+          <p:nvPr/>
+        </p:nvSpPr>
+        <p:spPr>
+          <a:xfrm>
+            <a:off x="1128274" y="635671"/>
+            <a:ext cx="8947881" cy="5586658"/>
           </a:xfrm>
           <a:prstGeom prst="rect">
             <a:avLst/>
@@ -5821,1184 +6523,1184 @@
               </a:tabLst>
             </a:pPr>
             <a:r>
-              <a:rPr lang="ru-RU" sz="1800" b="1" dirty="0" err="1">
+              <a:rPr lang="ru-RU" sz="1600" b="1" dirty="0" err="1">
                 <a:solidFill>
                   <a:srgbClr val="000080"/>
                 </a:solidFill>
                 <a:effectLst/>
-                <a:latin typeface="Consolas" panose="020B0609020204030204" pitchFamily="49" charset="0"/>
+                <a:latin typeface="Arial" panose="020B0604020202020204" pitchFamily="34" charset="0"/>
                 <a:ea typeface="Times New Roman" panose="02020603050405020304" pitchFamily="18" charset="0"/>
-                <a:cs typeface="Courier New" panose="02070309020205020404" pitchFamily="49" charset="0"/>
+                <a:cs typeface="Arial" panose="020B0604020202020204" pitchFamily="34" charset="0"/>
               </a:rPr>
               <a:t>public</a:t>
             </a:r>
             <a:r>
-              <a:rPr lang="ru-RU" sz="1800" b="1" dirty="0">
+              <a:rPr lang="ru-RU" sz="1600" b="1" dirty="0">
                 <a:solidFill>
                   <a:srgbClr val="000080"/>
                 </a:solidFill>
                 <a:effectLst/>
-                <a:latin typeface="Consolas" panose="020B0609020204030204" pitchFamily="49" charset="0"/>
+                <a:latin typeface="Arial" panose="020B0604020202020204" pitchFamily="34" charset="0"/>
                 <a:ea typeface="Times New Roman" panose="02020603050405020304" pitchFamily="18" charset="0"/>
-                <a:cs typeface="Courier New" panose="02070309020205020404" pitchFamily="49" charset="0"/>
+                <a:cs typeface="Arial" panose="020B0604020202020204" pitchFamily="34" charset="0"/>
               </a:rPr>
               <a:t> </a:t>
             </a:r>
             <a:r>
-              <a:rPr lang="ru-RU" sz="1800" b="1" dirty="0" err="1">
+              <a:rPr lang="ru-RU" sz="1600" b="1" dirty="0" err="1">
                 <a:solidFill>
                   <a:srgbClr val="000080"/>
                 </a:solidFill>
                 <a:effectLst/>
-                <a:latin typeface="Consolas" panose="020B0609020204030204" pitchFamily="49" charset="0"/>
+                <a:latin typeface="Arial" panose="020B0604020202020204" pitchFamily="34" charset="0"/>
                 <a:ea typeface="Times New Roman" panose="02020603050405020304" pitchFamily="18" charset="0"/>
-                <a:cs typeface="Courier New" panose="02070309020205020404" pitchFamily="49" charset="0"/>
+                <a:cs typeface="Arial" panose="020B0604020202020204" pitchFamily="34" charset="0"/>
               </a:rPr>
               <a:t>class</a:t>
             </a:r>
             <a:r>
-              <a:rPr lang="ru-RU" sz="1800" b="1" dirty="0">
+              <a:rPr lang="ru-RU" sz="1600" b="1" dirty="0">
                 <a:solidFill>
                   <a:srgbClr val="000080"/>
                 </a:solidFill>
                 <a:effectLst/>
-                <a:latin typeface="Consolas" panose="020B0609020204030204" pitchFamily="49" charset="0"/>
+                <a:latin typeface="Arial" panose="020B0604020202020204" pitchFamily="34" charset="0"/>
                 <a:ea typeface="Times New Roman" panose="02020603050405020304" pitchFamily="18" charset="0"/>
-                <a:cs typeface="Courier New" panose="02070309020205020404" pitchFamily="49" charset="0"/>
+                <a:cs typeface="Arial" panose="020B0604020202020204" pitchFamily="34" charset="0"/>
               </a:rPr>
               <a:t> </a:t>
             </a:r>
             <a:r>
-              <a:rPr lang="ru-RU" sz="1800" dirty="0" err="1">
+              <a:rPr lang="ru-RU" sz="1600" dirty="0" err="1">
                 <a:solidFill>
                   <a:srgbClr val="000000"/>
                 </a:solidFill>
                 <a:effectLst/>
-                <a:latin typeface="Consolas" panose="020B0609020204030204" pitchFamily="49" charset="0"/>
+                <a:latin typeface="Arial" panose="020B0604020202020204" pitchFamily="34" charset="0"/>
                 <a:ea typeface="Times New Roman" panose="02020603050405020304" pitchFamily="18" charset="0"/>
-                <a:cs typeface="Courier New" panose="02070309020205020404" pitchFamily="49" charset="0"/>
+                <a:cs typeface="Arial" panose="020B0604020202020204" pitchFamily="34" charset="0"/>
               </a:rPr>
               <a:t>Main</a:t>
             </a:r>
             <a:r>
-              <a:rPr lang="ru-RU" sz="1800" dirty="0">
+              <a:rPr lang="ru-RU" sz="1600" dirty="0">
                 <a:solidFill>
                   <a:srgbClr val="000000"/>
                 </a:solidFill>
                 <a:effectLst/>
-                <a:latin typeface="Consolas" panose="020B0609020204030204" pitchFamily="49" charset="0"/>
+                <a:latin typeface="Arial" panose="020B0604020202020204" pitchFamily="34" charset="0"/>
                 <a:ea typeface="Times New Roman" panose="02020603050405020304" pitchFamily="18" charset="0"/>
-                <a:cs typeface="Courier New" panose="02070309020205020404" pitchFamily="49" charset="0"/>
+                <a:cs typeface="Arial" panose="020B0604020202020204" pitchFamily="34" charset="0"/>
               </a:rPr>
               <a:t> {</a:t>
             </a:r>
             <a:br>
-              <a:rPr lang="ru-RU" sz="1800" dirty="0">
+              <a:rPr lang="ru-RU" sz="1600" dirty="0">
                 <a:solidFill>
                   <a:srgbClr val="000000"/>
                 </a:solidFill>
                 <a:effectLst/>
-                <a:latin typeface="Consolas" panose="020B0609020204030204" pitchFamily="49" charset="0"/>
+                <a:latin typeface="Arial" panose="020B0604020202020204" pitchFamily="34" charset="0"/>
                 <a:ea typeface="Times New Roman" panose="02020603050405020304" pitchFamily="18" charset="0"/>
-                <a:cs typeface="Courier New" panose="02070309020205020404" pitchFamily="49" charset="0"/>
+                <a:cs typeface="Arial" panose="020B0604020202020204" pitchFamily="34" charset="0"/>
               </a:rPr>
             </a:br>
             <a:r>
-              <a:rPr lang="ru-RU" sz="1800" dirty="0">
+              <a:rPr lang="ru-RU" sz="1600" dirty="0">
                 <a:solidFill>
                   <a:srgbClr val="000000"/>
                 </a:solidFill>
                 <a:effectLst/>
-                <a:latin typeface="Consolas" panose="020B0609020204030204" pitchFamily="49" charset="0"/>
+                <a:latin typeface="Arial" panose="020B0604020202020204" pitchFamily="34" charset="0"/>
                 <a:ea typeface="Times New Roman" panose="02020603050405020304" pitchFamily="18" charset="0"/>
-                <a:cs typeface="Courier New" panose="02070309020205020404" pitchFamily="49" charset="0"/>
+                <a:cs typeface="Arial" panose="020B0604020202020204" pitchFamily="34" charset="0"/>
               </a:rPr>
               <a:t>    </a:t>
             </a:r>
             <a:r>
-              <a:rPr lang="ru-RU" sz="1800" b="1" dirty="0" err="1">
+              <a:rPr lang="ru-RU" sz="1600" b="1" dirty="0" err="1">
                 <a:solidFill>
                   <a:srgbClr val="000080"/>
                 </a:solidFill>
                 <a:effectLst/>
-                <a:latin typeface="Consolas" panose="020B0609020204030204" pitchFamily="49" charset="0"/>
+                <a:latin typeface="Arial" panose="020B0604020202020204" pitchFamily="34" charset="0"/>
                 <a:ea typeface="Times New Roman" panose="02020603050405020304" pitchFamily="18" charset="0"/>
-                <a:cs typeface="Courier New" panose="02070309020205020404" pitchFamily="49" charset="0"/>
+                <a:cs typeface="Arial" panose="020B0604020202020204" pitchFamily="34" charset="0"/>
               </a:rPr>
               <a:t>static</a:t>
             </a:r>
             <a:r>
-              <a:rPr lang="ru-RU" sz="1800" b="1" dirty="0">
+              <a:rPr lang="ru-RU" sz="1600" b="1" dirty="0">
                 <a:solidFill>
                   <a:srgbClr val="000080"/>
                 </a:solidFill>
                 <a:effectLst/>
-                <a:latin typeface="Consolas" panose="020B0609020204030204" pitchFamily="49" charset="0"/>
+                <a:latin typeface="Arial" panose="020B0604020202020204" pitchFamily="34" charset="0"/>
                 <a:ea typeface="Times New Roman" panose="02020603050405020304" pitchFamily="18" charset="0"/>
-                <a:cs typeface="Courier New" panose="02070309020205020404" pitchFamily="49" charset="0"/>
+                <a:cs typeface="Arial" panose="020B0604020202020204" pitchFamily="34" charset="0"/>
               </a:rPr>
               <a:t> </a:t>
             </a:r>
             <a:r>
-              <a:rPr lang="ru-RU" sz="1800" dirty="0" err="1">
+              <a:rPr lang="ru-RU" sz="1600" dirty="0" err="1">
                 <a:solidFill>
                   <a:srgbClr val="000000"/>
                 </a:solidFill>
                 <a:effectLst/>
-                <a:latin typeface="Consolas" panose="020B0609020204030204" pitchFamily="49" charset="0"/>
+                <a:latin typeface="Arial" panose="020B0604020202020204" pitchFamily="34" charset="0"/>
                 <a:ea typeface="Times New Roman" panose="02020603050405020304" pitchFamily="18" charset="0"/>
-                <a:cs typeface="Courier New" panose="02070309020205020404" pitchFamily="49" charset="0"/>
+                <a:cs typeface="Arial" panose="020B0604020202020204" pitchFamily="34" charset="0"/>
               </a:rPr>
               <a:t>String</a:t>
             </a:r>
             <a:r>
-              <a:rPr lang="ru-RU" sz="1800" dirty="0">
+              <a:rPr lang="ru-RU" sz="1600" dirty="0">
                 <a:solidFill>
                   <a:srgbClr val="000000"/>
                 </a:solidFill>
                 <a:effectLst/>
-                <a:latin typeface="Consolas" panose="020B0609020204030204" pitchFamily="49" charset="0"/>
+                <a:latin typeface="Arial" panose="020B0604020202020204" pitchFamily="34" charset="0"/>
                 <a:ea typeface="Times New Roman" panose="02020603050405020304" pitchFamily="18" charset="0"/>
-                <a:cs typeface="Courier New" panose="02070309020205020404" pitchFamily="49" charset="0"/>
+                <a:cs typeface="Arial" panose="020B0604020202020204" pitchFamily="34" charset="0"/>
               </a:rPr>
               <a:t> </a:t>
             </a:r>
             <a:r>
-              <a:rPr lang="ru-RU" sz="1800" i="1" dirty="0" err="1">
+              <a:rPr lang="ru-RU" sz="1600" i="1" dirty="0" err="1">
                 <a:solidFill>
                   <a:srgbClr val="660E7A"/>
                 </a:solidFill>
                 <a:effectLst/>
-                <a:latin typeface="Consolas" panose="020B0609020204030204" pitchFamily="49" charset="0"/>
+                <a:latin typeface="Arial" panose="020B0604020202020204" pitchFamily="34" charset="0"/>
                 <a:ea typeface="Times New Roman" panose="02020603050405020304" pitchFamily="18" charset="0"/>
-                <a:cs typeface="Courier New" panose="02070309020205020404" pitchFamily="49" charset="0"/>
+                <a:cs typeface="Arial" panose="020B0604020202020204" pitchFamily="34" charset="0"/>
               </a:rPr>
               <a:t>txt</a:t>
             </a:r>
             <a:r>
-              <a:rPr lang="ru-RU" sz="1800" i="1" dirty="0">
+              <a:rPr lang="ru-RU" sz="1600" i="1" dirty="0">
                 <a:solidFill>
                   <a:srgbClr val="660E7A"/>
                 </a:solidFill>
                 <a:effectLst/>
-                <a:latin typeface="Consolas" panose="020B0609020204030204" pitchFamily="49" charset="0"/>
+                <a:latin typeface="Arial" panose="020B0604020202020204" pitchFamily="34" charset="0"/>
                 <a:ea typeface="Times New Roman" panose="02020603050405020304" pitchFamily="18" charset="0"/>
-                <a:cs typeface="Courier New" panose="02070309020205020404" pitchFamily="49" charset="0"/>
+                <a:cs typeface="Arial" panose="020B0604020202020204" pitchFamily="34" charset="0"/>
               </a:rPr>
               <a:t> </a:t>
             </a:r>
             <a:r>
-              <a:rPr lang="ru-RU" sz="1800" dirty="0">
+              <a:rPr lang="ru-RU" sz="1600" dirty="0">
                 <a:solidFill>
                   <a:srgbClr val="000000"/>
                 </a:solidFill>
                 <a:effectLst/>
-                <a:latin typeface="Consolas" panose="020B0609020204030204" pitchFamily="49" charset="0"/>
+                <a:latin typeface="Arial" panose="020B0604020202020204" pitchFamily="34" charset="0"/>
                 <a:ea typeface="Times New Roman" panose="02020603050405020304" pitchFamily="18" charset="0"/>
-                <a:cs typeface="Courier New" panose="02070309020205020404" pitchFamily="49" charset="0"/>
+                <a:cs typeface="Arial" panose="020B0604020202020204" pitchFamily="34" charset="0"/>
               </a:rPr>
               <a:t>= </a:t>
             </a:r>
             <a:r>
-              <a:rPr lang="ru-RU" sz="1800" b="1" dirty="0">
+              <a:rPr lang="ru-RU" sz="1600" b="1" dirty="0">
                 <a:solidFill>
                   <a:srgbClr val="008000"/>
                 </a:solidFill>
                 <a:effectLst/>
-                <a:latin typeface="Consolas" panose="020B0609020204030204" pitchFamily="49" charset="0"/>
+                <a:latin typeface="Arial" panose="020B0604020202020204" pitchFamily="34" charset="0"/>
                 <a:ea typeface="Times New Roman" panose="02020603050405020304" pitchFamily="18" charset="0"/>
-                <a:cs typeface="Courier New" panose="02070309020205020404" pitchFamily="49" charset="0"/>
+                <a:cs typeface="Arial" panose="020B0604020202020204" pitchFamily="34" charset="0"/>
               </a:rPr>
               <a:t>"Это глобальная переменная класса </a:t>
             </a:r>
             <a:r>
-              <a:rPr lang="ru-RU" sz="1800" b="1" dirty="0" err="1">
+              <a:rPr lang="ru-RU" sz="1600" b="1" dirty="0" err="1">
                 <a:solidFill>
                   <a:srgbClr val="008000"/>
                 </a:solidFill>
                 <a:effectLst/>
-                <a:latin typeface="Consolas" panose="020B0609020204030204" pitchFamily="49" charset="0"/>
+                <a:latin typeface="Arial" panose="020B0604020202020204" pitchFamily="34" charset="0"/>
                 <a:ea typeface="Times New Roman" panose="02020603050405020304" pitchFamily="18" charset="0"/>
-                <a:cs typeface="Courier New" panose="02070309020205020404" pitchFamily="49" charset="0"/>
+                <a:cs typeface="Arial" panose="020B0604020202020204" pitchFamily="34" charset="0"/>
               </a:rPr>
               <a:t>Main</a:t>
             </a:r>
             <a:r>
-              <a:rPr lang="ru-RU" sz="1800" b="1" dirty="0">
+              <a:rPr lang="ru-RU" sz="1600" b="1" dirty="0">
                 <a:solidFill>
                   <a:srgbClr val="008000"/>
                 </a:solidFill>
                 <a:effectLst/>
-                <a:latin typeface="Consolas" panose="020B0609020204030204" pitchFamily="49" charset="0"/>
+                <a:latin typeface="Arial" panose="020B0604020202020204" pitchFamily="34" charset="0"/>
                 <a:ea typeface="Times New Roman" panose="02020603050405020304" pitchFamily="18" charset="0"/>
-                <a:cs typeface="Courier New" panose="02070309020205020404" pitchFamily="49" charset="0"/>
+                <a:cs typeface="Arial" panose="020B0604020202020204" pitchFamily="34" charset="0"/>
               </a:rPr>
               <a:t>"</a:t>
             </a:r>
             <a:r>
-              <a:rPr lang="ru-RU" sz="1800" dirty="0">
+              <a:rPr lang="ru-RU" sz="1600" dirty="0">
                 <a:solidFill>
                   <a:srgbClr val="000000"/>
                 </a:solidFill>
                 <a:effectLst/>
-                <a:latin typeface="Consolas" panose="020B0609020204030204" pitchFamily="49" charset="0"/>
+                <a:latin typeface="Arial" panose="020B0604020202020204" pitchFamily="34" charset="0"/>
                 <a:ea typeface="Times New Roman" panose="02020603050405020304" pitchFamily="18" charset="0"/>
-                <a:cs typeface="Courier New" panose="02070309020205020404" pitchFamily="49" charset="0"/>
+                <a:cs typeface="Arial" panose="020B0604020202020204" pitchFamily="34" charset="0"/>
               </a:rPr>
               <a:t>;</a:t>
             </a:r>
             <a:br>
-              <a:rPr lang="ru-RU" sz="1800" dirty="0">
+              <a:rPr lang="ru-RU" sz="1600" dirty="0">
                 <a:solidFill>
                   <a:srgbClr val="000000"/>
                 </a:solidFill>
                 <a:effectLst/>
-                <a:latin typeface="Consolas" panose="020B0609020204030204" pitchFamily="49" charset="0"/>
+                <a:latin typeface="Arial" panose="020B0604020202020204" pitchFamily="34" charset="0"/>
                 <a:ea typeface="Times New Roman" panose="02020603050405020304" pitchFamily="18" charset="0"/>
-                <a:cs typeface="Courier New" panose="02070309020205020404" pitchFamily="49" charset="0"/>
+                <a:cs typeface="Arial" panose="020B0604020202020204" pitchFamily="34" charset="0"/>
               </a:rPr>
             </a:br>
             <a:br>
-              <a:rPr lang="ru-RU" sz="1800" dirty="0">
+              <a:rPr lang="ru-RU" sz="1600" dirty="0">
                 <a:solidFill>
                   <a:srgbClr val="000000"/>
                 </a:solidFill>
                 <a:effectLst/>
-                <a:latin typeface="Consolas" panose="020B0609020204030204" pitchFamily="49" charset="0"/>
+                <a:latin typeface="Arial" panose="020B0604020202020204" pitchFamily="34" charset="0"/>
                 <a:ea typeface="Times New Roman" panose="02020603050405020304" pitchFamily="18" charset="0"/>
-                <a:cs typeface="Courier New" panose="02070309020205020404" pitchFamily="49" charset="0"/>
+                <a:cs typeface="Arial" panose="020B0604020202020204" pitchFamily="34" charset="0"/>
               </a:rPr>
             </a:br>
             <a:r>
-              <a:rPr lang="ru-RU" sz="1800" dirty="0">
+              <a:rPr lang="ru-RU" sz="1600" dirty="0">
                 <a:solidFill>
                   <a:srgbClr val="000000"/>
                 </a:solidFill>
                 <a:effectLst/>
-                <a:latin typeface="Consolas" panose="020B0609020204030204" pitchFamily="49" charset="0"/>
+                <a:latin typeface="Arial" panose="020B0604020202020204" pitchFamily="34" charset="0"/>
                 <a:ea typeface="Times New Roman" panose="02020603050405020304" pitchFamily="18" charset="0"/>
-                <a:cs typeface="Courier New" panose="02070309020205020404" pitchFamily="49" charset="0"/>
+                <a:cs typeface="Arial" panose="020B0604020202020204" pitchFamily="34" charset="0"/>
               </a:rPr>
               <a:t>    </a:t>
             </a:r>
             <a:r>
-              <a:rPr lang="ru-RU" sz="1800" b="1" dirty="0" err="1">
+              <a:rPr lang="ru-RU" sz="1600" b="1" dirty="0" err="1">
                 <a:solidFill>
                   <a:srgbClr val="000080"/>
                 </a:solidFill>
                 <a:effectLst/>
-                <a:latin typeface="Consolas" panose="020B0609020204030204" pitchFamily="49" charset="0"/>
+                <a:latin typeface="Arial" panose="020B0604020202020204" pitchFamily="34" charset="0"/>
                 <a:ea typeface="Times New Roman" panose="02020603050405020304" pitchFamily="18" charset="0"/>
-                <a:cs typeface="Courier New" panose="02070309020205020404" pitchFamily="49" charset="0"/>
+                <a:cs typeface="Arial" panose="020B0604020202020204" pitchFamily="34" charset="0"/>
               </a:rPr>
               <a:t>public</a:t>
             </a:r>
             <a:r>
-              <a:rPr lang="ru-RU" sz="1800" b="1" dirty="0">
+              <a:rPr lang="ru-RU" sz="1600" b="1" dirty="0">
                 <a:solidFill>
                   <a:srgbClr val="000080"/>
                 </a:solidFill>
                 <a:effectLst/>
-                <a:latin typeface="Consolas" panose="020B0609020204030204" pitchFamily="49" charset="0"/>
+                <a:latin typeface="Arial" panose="020B0604020202020204" pitchFamily="34" charset="0"/>
                 <a:ea typeface="Times New Roman" panose="02020603050405020304" pitchFamily="18" charset="0"/>
-                <a:cs typeface="Courier New" panose="02070309020205020404" pitchFamily="49" charset="0"/>
+                <a:cs typeface="Arial" panose="020B0604020202020204" pitchFamily="34" charset="0"/>
               </a:rPr>
               <a:t> </a:t>
             </a:r>
             <a:r>
-              <a:rPr lang="ru-RU" sz="1800" b="1" dirty="0" err="1">
+              <a:rPr lang="ru-RU" sz="1600" b="1" dirty="0" err="1">
                 <a:solidFill>
                   <a:srgbClr val="000080"/>
                 </a:solidFill>
                 <a:effectLst/>
-                <a:latin typeface="Consolas" panose="020B0609020204030204" pitchFamily="49" charset="0"/>
+                <a:latin typeface="Arial" panose="020B0604020202020204" pitchFamily="34" charset="0"/>
                 <a:ea typeface="Times New Roman" panose="02020603050405020304" pitchFamily="18" charset="0"/>
-                <a:cs typeface="Courier New" panose="02070309020205020404" pitchFamily="49" charset="0"/>
+                <a:cs typeface="Arial" panose="020B0604020202020204" pitchFamily="34" charset="0"/>
               </a:rPr>
               <a:t>static</a:t>
             </a:r>
             <a:r>
-              <a:rPr lang="ru-RU" sz="1800" b="1" dirty="0">
+              <a:rPr lang="ru-RU" sz="1600" b="1" dirty="0">
                 <a:solidFill>
                   <a:srgbClr val="000080"/>
                 </a:solidFill>
                 <a:effectLst/>
-                <a:latin typeface="Consolas" panose="020B0609020204030204" pitchFamily="49" charset="0"/>
+                <a:latin typeface="Arial" panose="020B0604020202020204" pitchFamily="34" charset="0"/>
                 <a:ea typeface="Times New Roman" panose="02020603050405020304" pitchFamily="18" charset="0"/>
-                <a:cs typeface="Courier New" panose="02070309020205020404" pitchFamily="49" charset="0"/>
+                <a:cs typeface="Arial" panose="020B0604020202020204" pitchFamily="34" charset="0"/>
               </a:rPr>
               <a:t> </a:t>
             </a:r>
             <a:r>
-              <a:rPr lang="ru-RU" sz="1800" b="1" dirty="0" err="1">
+              <a:rPr lang="ru-RU" sz="1600" b="1" dirty="0" err="1">
                 <a:solidFill>
                   <a:srgbClr val="000080"/>
                 </a:solidFill>
                 <a:effectLst/>
-                <a:latin typeface="Consolas" panose="020B0609020204030204" pitchFamily="49" charset="0"/>
+                <a:latin typeface="Arial" panose="020B0604020202020204" pitchFamily="34" charset="0"/>
                 <a:ea typeface="Times New Roman" panose="02020603050405020304" pitchFamily="18" charset="0"/>
-                <a:cs typeface="Courier New" panose="02070309020205020404" pitchFamily="49" charset="0"/>
+                <a:cs typeface="Arial" panose="020B0604020202020204" pitchFamily="34" charset="0"/>
               </a:rPr>
               <a:t>void</a:t>
             </a:r>
             <a:r>
-              <a:rPr lang="ru-RU" sz="1800" b="1" dirty="0">
+              <a:rPr lang="ru-RU" sz="1600" b="1" dirty="0">
                 <a:solidFill>
                   <a:srgbClr val="000080"/>
                 </a:solidFill>
                 <a:effectLst/>
-                <a:latin typeface="Consolas" panose="020B0609020204030204" pitchFamily="49" charset="0"/>
+                <a:latin typeface="Arial" panose="020B0604020202020204" pitchFamily="34" charset="0"/>
                 <a:ea typeface="Times New Roman" panose="02020603050405020304" pitchFamily="18" charset="0"/>
-                <a:cs typeface="Courier New" panose="02070309020205020404" pitchFamily="49" charset="0"/>
+                <a:cs typeface="Arial" panose="020B0604020202020204" pitchFamily="34" charset="0"/>
               </a:rPr>
               <a:t> </a:t>
             </a:r>
             <a:r>
-              <a:rPr lang="ru-RU" sz="1800" dirty="0" err="1">
+              <a:rPr lang="ru-RU" sz="1600" dirty="0" err="1">
                 <a:solidFill>
                   <a:srgbClr val="000000"/>
                 </a:solidFill>
                 <a:effectLst/>
-                <a:latin typeface="Consolas" panose="020B0609020204030204" pitchFamily="49" charset="0"/>
+                <a:latin typeface="Arial" panose="020B0604020202020204" pitchFamily="34" charset="0"/>
                 <a:ea typeface="Times New Roman" panose="02020603050405020304" pitchFamily="18" charset="0"/>
-                <a:cs typeface="Courier New" panose="02070309020205020404" pitchFamily="49" charset="0"/>
+                <a:cs typeface="Arial" panose="020B0604020202020204" pitchFamily="34" charset="0"/>
               </a:rPr>
               <a:t>main</a:t>
             </a:r>
             <a:r>
-              <a:rPr lang="ru-RU" sz="1800" dirty="0">
+              <a:rPr lang="ru-RU" sz="1600" dirty="0">
                 <a:solidFill>
                   <a:srgbClr val="000000"/>
                 </a:solidFill>
                 <a:effectLst/>
-                <a:latin typeface="Consolas" panose="020B0609020204030204" pitchFamily="49" charset="0"/>
+                <a:latin typeface="Arial" panose="020B0604020202020204" pitchFamily="34" charset="0"/>
                 <a:ea typeface="Times New Roman" panose="02020603050405020304" pitchFamily="18" charset="0"/>
-                <a:cs typeface="Courier New" panose="02070309020205020404" pitchFamily="49" charset="0"/>
+                <a:cs typeface="Arial" panose="020B0604020202020204" pitchFamily="34" charset="0"/>
               </a:rPr>
               <a:t>(</a:t>
             </a:r>
             <a:r>
-              <a:rPr lang="ru-RU" sz="1800" dirty="0" err="1">
+              <a:rPr lang="ru-RU" sz="1600" dirty="0" err="1">
                 <a:solidFill>
                   <a:srgbClr val="000000"/>
                 </a:solidFill>
                 <a:effectLst/>
-                <a:latin typeface="Consolas" panose="020B0609020204030204" pitchFamily="49" charset="0"/>
+                <a:latin typeface="Arial" panose="020B0604020202020204" pitchFamily="34" charset="0"/>
                 <a:ea typeface="Times New Roman" panose="02020603050405020304" pitchFamily="18" charset="0"/>
-                <a:cs typeface="Courier New" panose="02070309020205020404" pitchFamily="49" charset="0"/>
+                <a:cs typeface="Arial" panose="020B0604020202020204" pitchFamily="34" charset="0"/>
               </a:rPr>
               <a:t>String</a:t>
             </a:r>
             <a:r>
-              <a:rPr lang="ru-RU" sz="1800" dirty="0">
+              <a:rPr lang="ru-RU" sz="1600" dirty="0">
                 <a:solidFill>
                   <a:srgbClr val="000000"/>
                 </a:solidFill>
                 <a:effectLst/>
-                <a:latin typeface="Consolas" panose="020B0609020204030204" pitchFamily="49" charset="0"/>
+                <a:latin typeface="Arial" panose="020B0604020202020204" pitchFamily="34" charset="0"/>
                 <a:ea typeface="Times New Roman" panose="02020603050405020304" pitchFamily="18" charset="0"/>
-                <a:cs typeface="Courier New" panose="02070309020205020404" pitchFamily="49" charset="0"/>
+                <a:cs typeface="Arial" panose="020B0604020202020204" pitchFamily="34" charset="0"/>
               </a:rPr>
               <a:t>[] </a:t>
             </a:r>
             <a:r>
-              <a:rPr lang="ru-RU" sz="1800" dirty="0" err="1">
+              <a:rPr lang="ru-RU" sz="1600" dirty="0" err="1">
                 <a:solidFill>
                   <a:srgbClr val="000000"/>
                 </a:solidFill>
                 <a:effectLst/>
-                <a:latin typeface="Consolas" panose="020B0609020204030204" pitchFamily="49" charset="0"/>
+                <a:latin typeface="Arial" panose="020B0604020202020204" pitchFamily="34" charset="0"/>
                 <a:ea typeface="Times New Roman" panose="02020603050405020304" pitchFamily="18" charset="0"/>
-                <a:cs typeface="Courier New" panose="02070309020205020404" pitchFamily="49" charset="0"/>
+                <a:cs typeface="Arial" panose="020B0604020202020204" pitchFamily="34" charset="0"/>
               </a:rPr>
               <a:t>args</a:t>
             </a:r>
             <a:r>
-              <a:rPr lang="ru-RU" sz="1800" dirty="0">
+              <a:rPr lang="ru-RU" sz="1600" dirty="0">
                 <a:solidFill>
                   <a:srgbClr val="000000"/>
                 </a:solidFill>
                 <a:effectLst/>
-                <a:latin typeface="Consolas" panose="020B0609020204030204" pitchFamily="49" charset="0"/>
+                <a:latin typeface="Arial" panose="020B0604020202020204" pitchFamily="34" charset="0"/>
                 <a:ea typeface="Times New Roman" panose="02020603050405020304" pitchFamily="18" charset="0"/>
-                <a:cs typeface="Courier New" panose="02070309020205020404" pitchFamily="49" charset="0"/>
+                <a:cs typeface="Arial" panose="020B0604020202020204" pitchFamily="34" charset="0"/>
               </a:rPr>
               <a:t>) {</a:t>
             </a:r>
             <a:br>
-              <a:rPr lang="ru-RU" sz="1800" dirty="0">
+              <a:rPr lang="ru-RU" sz="1600" dirty="0">
                 <a:solidFill>
                   <a:srgbClr val="000000"/>
                 </a:solidFill>
                 <a:effectLst/>
-                <a:latin typeface="Consolas" panose="020B0609020204030204" pitchFamily="49" charset="0"/>
+                <a:latin typeface="Arial" panose="020B0604020202020204" pitchFamily="34" charset="0"/>
                 <a:ea typeface="Times New Roman" panose="02020603050405020304" pitchFamily="18" charset="0"/>
-                <a:cs typeface="Courier New" panose="02070309020205020404" pitchFamily="49" charset="0"/>
+                <a:cs typeface="Arial" panose="020B0604020202020204" pitchFamily="34" charset="0"/>
               </a:rPr>
             </a:br>
             <a:r>
-              <a:rPr lang="ru-RU" sz="1800" dirty="0">
+              <a:rPr lang="ru-RU" sz="1600" dirty="0">
                 <a:solidFill>
                   <a:srgbClr val="000000"/>
                 </a:solidFill>
                 <a:effectLst/>
-                <a:latin typeface="Consolas" panose="020B0609020204030204" pitchFamily="49" charset="0"/>
+                <a:latin typeface="Arial" panose="020B0604020202020204" pitchFamily="34" charset="0"/>
                 <a:ea typeface="Times New Roman" panose="02020603050405020304" pitchFamily="18" charset="0"/>
-                <a:cs typeface="Courier New" panose="02070309020205020404" pitchFamily="49" charset="0"/>
+                <a:cs typeface="Arial" panose="020B0604020202020204" pitchFamily="34" charset="0"/>
               </a:rPr>
               <a:t>        </a:t>
             </a:r>
             <a:r>
-              <a:rPr lang="ru-RU" sz="1800" dirty="0" err="1">
+              <a:rPr lang="ru-RU" sz="1600" dirty="0" err="1">
                 <a:solidFill>
                   <a:srgbClr val="000000"/>
                 </a:solidFill>
                 <a:effectLst/>
-                <a:latin typeface="Consolas" panose="020B0609020204030204" pitchFamily="49" charset="0"/>
+                <a:latin typeface="Arial" panose="020B0604020202020204" pitchFamily="34" charset="0"/>
                 <a:ea typeface="Times New Roman" panose="02020603050405020304" pitchFamily="18" charset="0"/>
-                <a:cs typeface="Courier New" panose="02070309020205020404" pitchFamily="49" charset="0"/>
+                <a:cs typeface="Arial" panose="020B0604020202020204" pitchFamily="34" charset="0"/>
               </a:rPr>
               <a:t>String</a:t>
             </a:r>
             <a:r>
-              <a:rPr lang="ru-RU" sz="1800" dirty="0">
+              <a:rPr lang="ru-RU" sz="1600" dirty="0">
                 <a:solidFill>
                   <a:srgbClr val="000000"/>
                 </a:solidFill>
                 <a:effectLst/>
-                <a:latin typeface="Consolas" panose="020B0609020204030204" pitchFamily="49" charset="0"/>
+                <a:latin typeface="Arial" panose="020B0604020202020204" pitchFamily="34" charset="0"/>
                 <a:ea typeface="Times New Roman" panose="02020603050405020304" pitchFamily="18" charset="0"/>
-                <a:cs typeface="Courier New" panose="02070309020205020404" pitchFamily="49" charset="0"/>
+                <a:cs typeface="Arial" panose="020B0604020202020204" pitchFamily="34" charset="0"/>
               </a:rPr>
               <a:t> </a:t>
             </a:r>
             <a:r>
-              <a:rPr lang="ru-RU" sz="1800" dirty="0" err="1">
+              <a:rPr lang="ru-RU" sz="1600" dirty="0" err="1">
                 <a:solidFill>
                   <a:srgbClr val="000000"/>
                 </a:solidFill>
                 <a:effectLst/>
-                <a:latin typeface="Consolas" panose="020B0609020204030204" pitchFamily="49" charset="0"/>
+                <a:latin typeface="Arial" panose="020B0604020202020204" pitchFamily="34" charset="0"/>
                 <a:ea typeface="Times New Roman" panose="02020603050405020304" pitchFamily="18" charset="0"/>
-                <a:cs typeface="Courier New" panose="02070309020205020404" pitchFamily="49" charset="0"/>
+                <a:cs typeface="Arial" panose="020B0604020202020204" pitchFamily="34" charset="0"/>
               </a:rPr>
               <a:t>txt</a:t>
             </a:r>
             <a:r>
-              <a:rPr lang="ru-RU" sz="1800" dirty="0">
+              <a:rPr lang="ru-RU" sz="1600" dirty="0">
                 <a:solidFill>
                   <a:srgbClr val="000000"/>
                 </a:solidFill>
                 <a:effectLst/>
-                <a:latin typeface="Consolas" panose="020B0609020204030204" pitchFamily="49" charset="0"/>
+                <a:latin typeface="Arial" panose="020B0604020202020204" pitchFamily="34" charset="0"/>
                 <a:ea typeface="Times New Roman" panose="02020603050405020304" pitchFamily="18" charset="0"/>
-                <a:cs typeface="Courier New" panose="02070309020205020404" pitchFamily="49" charset="0"/>
+                <a:cs typeface="Arial" panose="020B0604020202020204" pitchFamily="34" charset="0"/>
               </a:rPr>
               <a:t> = </a:t>
             </a:r>
             <a:r>
-              <a:rPr lang="ru-RU" sz="1800" b="1" dirty="0">
+              <a:rPr lang="ru-RU" sz="1600" b="1" dirty="0">
                 <a:solidFill>
                   <a:srgbClr val="008000"/>
                 </a:solidFill>
                 <a:effectLst/>
-                <a:latin typeface="Consolas" panose="020B0609020204030204" pitchFamily="49" charset="0"/>
+                <a:latin typeface="Arial" panose="020B0604020202020204" pitchFamily="34" charset="0"/>
                 <a:ea typeface="Times New Roman" panose="02020603050405020304" pitchFamily="18" charset="0"/>
-                <a:cs typeface="Courier New" panose="02070309020205020404" pitchFamily="49" charset="0"/>
+                <a:cs typeface="Arial" panose="020B0604020202020204" pitchFamily="34" charset="0"/>
               </a:rPr>
               <a:t>"Это локальная переменная метода </a:t>
             </a:r>
             <a:r>
-              <a:rPr lang="ru-RU" sz="1800" b="1" dirty="0" err="1">
+              <a:rPr lang="ru-RU" sz="1600" b="1" dirty="0" err="1">
                 <a:solidFill>
                   <a:srgbClr val="008000"/>
                 </a:solidFill>
                 <a:effectLst/>
-                <a:latin typeface="Consolas" panose="020B0609020204030204" pitchFamily="49" charset="0"/>
+                <a:latin typeface="Arial" panose="020B0604020202020204" pitchFamily="34" charset="0"/>
                 <a:ea typeface="Times New Roman" panose="02020603050405020304" pitchFamily="18" charset="0"/>
-                <a:cs typeface="Courier New" panose="02070309020205020404" pitchFamily="49" charset="0"/>
+                <a:cs typeface="Arial" panose="020B0604020202020204" pitchFamily="34" charset="0"/>
               </a:rPr>
               <a:t>main</a:t>
             </a:r>
             <a:r>
-              <a:rPr lang="ru-RU" sz="1800" b="1" dirty="0">
+              <a:rPr lang="ru-RU" sz="1600" b="1" dirty="0">
                 <a:solidFill>
                   <a:srgbClr val="008000"/>
                 </a:solidFill>
                 <a:effectLst/>
-                <a:latin typeface="Consolas" panose="020B0609020204030204" pitchFamily="49" charset="0"/>
+                <a:latin typeface="Arial" panose="020B0604020202020204" pitchFamily="34" charset="0"/>
                 <a:ea typeface="Times New Roman" panose="02020603050405020304" pitchFamily="18" charset="0"/>
-                <a:cs typeface="Courier New" panose="02070309020205020404" pitchFamily="49" charset="0"/>
+                <a:cs typeface="Arial" panose="020B0604020202020204" pitchFamily="34" charset="0"/>
               </a:rPr>
               <a:t>"</a:t>
             </a:r>
             <a:r>
-              <a:rPr lang="ru-RU" sz="1800" dirty="0">
+              <a:rPr lang="ru-RU" sz="1600" dirty="0">
                 <a:solidFill>
                   <a:srgbClr val="000000"/>
                 </a:solidFill>
                 <a:effectLst/>
-                <a:latin typeface="Consolas" panose="020B0609020204030204" pitchFamily="49" charset="0"/>
+                <a:latin typeface="Arial" panose="020B0604020202020204" pitchFamily="34" charset="0"/>
                 <a:ea typeface="Times New Roman" panose="02020603050405020304" pitchFamily="18" charset="0"/>
-                <a:cs typeface="Courier New" panose="02070309020205020404" pitchFamily="49" charset="0"/>
+                <a:cs typeface="Arial" panose="020B0604020202020204" pitchFamily="34" charset="0"/>
               </a:rPr>
               <a:t>;</a:t>
             </a:r>
             <a:br>
-              <a:rPr lang="ru-RU" sz="1800" dirty="0">
+              <a:rPr lang="ru-RU" sz="1600" dirty="0">
                 <a:solidFill>
                   <a:srgbClr val="000000"/>
                 </a:solidFill>
                 <a:effectLst/>
-                <a:latin typeface="Consolas" panose="020B0609020204030204" pitchFamily="49" charset="0"/>
+                <a:latin typeface="Arial" panose="020B0604020202020204" pitchFamily="34" charset="0"/>
                 <a:ea typeface="Times New Roman" panose="02020603050405020304" pitchFamily="18" charset="0"/>
-                <a:cs typeface="Courier New" panose="02070309020205020404" pitchFamily="49" charset="0"/>
+                <a:cs typeface="Arial" panose="020B0604020202020204" pitchFamily="34" charset="0"/>
               </a:rPr>
             </a:br>
             <a:r>
-              <a:rPr lang="ru-RU" sz="1800" dirty="0">
+              <a:rPr lang="ru-RU" sz="1600" dirty="0">
                 <a:solidFill>
                   <a:srgbClr val="000000"/>
                 </a:solidFill>
                 <a:effectLst/>
-                <a:latin typeface="Consolas" panose="020B0609020204030204" pitchFamily="49" charset="0"/>
+                <a:latin typeface="Arial" panose="020B0604020202020204" pitchFamily="34" charset="0"/>
                 <a:ea typeface="Times New Roman" panose="02020603050405020304" pitchFamily="18" charset="0"/>
-                <a:cs typeface="Courier New" panose="02070309020205020404" pitchFamily="49" charset="0"/>
+                <a:cs typeface="Arial" panose="020B0604020202020204" pitchFamily="34" charset="0"/>
               </a:rPr>
               <a:t>        </a:t>
             </a:r>
             <a:r>
-              <a:rPr lang="ru-RU" sz="1800" dirty="0" err="1">
+              <a:rPr lang="ru-RU" sz="1600" dirty="0" err="1">
                 <a:solidFill>
                   <a:srgbClr val="000000"/>
                 </a:solidFill>
                 <a:effectLst/>
-                <a:latin typeface="Consolas" panose="020B0609020204030204" pitchFamily="49" charset="0"/>
+                <a:latin typeface="Arial" panose="020B0604020202020204" pitchFamily="34" charset="0"/>
                 <a:ea typeface="Times New Roman" panose="02020603050405020304" pitchFamily="18" charset="0"/>
-                <a:cs typeface="Courier New" panose="02070309020205020404" pitchFamily="49" charset="0"/>
+                <a:cs typeface="Arial" panose="020B0604020202020204" pitchFamily="34" charset="0"/>
               </a:rPr>
               <a:t>System.</a:t>
             </a:r>
             <a:r>
-              <a:rPr lang="ru-RU" sz="1800" b="1" i="1" dirty="0" err="1">
+              <a:rPr lang="ru-RU" sz="1600" b="1" i="1" dirty="0" err="1">
                 <a:solidFill>
                   <a:srgbClr val="660E7A"/>
                 </a:solidFill>
                 <a:effectLst/>
-                <a:latin typeface="Consolas" panose="020B0609020204030204" pitchFamily="49" charset="0"/>
+                <a:latin typeface="Arial" panose="020B0604020202020204" pitchFamily="34" charset="0"/>
                 <a:ea typeface="Times New Roman" panose="02020603050405020304" pitchFamily="18" charset="0"/>
-                <a:cs typeface="Courier New" panose="02070309020205020404" pitchFamily="49" charset="0"/>
+                <a:cs typeface="Arial" panose="020B0604020202020204" pitchFamily="34" charset="0"/>
               </a:rPr>
               <a:t>out</a:t>
             </a:r>
             <a:r>
-              <a:rPr lang="ru-RU" sz="1800" dirty="0" err="1">
+              <a:rPr lang="ru-RU" sz="1600" dirty="0" err="1">
                 <a:solidFill>
                   <a:srgbClr val="000000"/>
                 </a:solidFill>
                 <a:effectLst/>
-                <a:latin typeface="Consolas" panose="020B0609020204030204" pitchFamily="49" charset="0"/>
+                <a:latin typeface="Arial" panose="020B0604020202020204" pitchFamily="34" charset="0"/>
                 <a:ea typeface="Times New Roman" panose="02020603050405020304" pitchFamily="18" charset="0"/>
-                <a:cs typeface="Courier New" panose="02070309020205020404" pitchFamily="49" charset="0"/>
+                <a:cs typeface="Arial" panose="020B0604020202020204" pitchFamily="34" charset="0"/>
               </a:rPr>
               <a:t>.println</a:t>
             </a:r>
             <a:r>
-              <a:rPr lang="ru-RU" sz="1800" dirty="0">
+              <a:rPr lang="ru-RU" sz="1600" dirty="0">
                 <a:solidFill>
                   <a:srgbClr val="000000"/>
                 </a:solidFill>
                 <a:effectLst/>
-                <a:latin typeface="Consolas" panose="020B0609020204030204" pitchFamily="49" charset="0"/>
+                <a:latin typeface="Arial" panose="020B0604020202020204" pitchFamily="34" charset="0"/>
                 <a:ea typeface="Times New Roman" panose="02020603050405020304" pitchFamily="18" charset="0"/>
-                <a:cs typeface="Courier New" panose="02070309020205020404" pitchFamily="49" charset="0"/>
+                <a:cs typeface="Arial" panose="020B0604020202020204" pitchFamily="34" charset="0"/>
               </a:rPr>
               <a:t>(</a:t>
             </a:r>
             <a:r>
-              <a:rPr lang="ru-RU" sz="1800" dirty="0" err="1">
+              <a:rPr lang="ru-RU" sz="1600" dirty="0" err="1">
                 <a:solidFill>
                   <a:srgbClr val="000000"/>
                 </a:solidFill>
                 <a:effectLst/>
-                <a:latin typeface="Consolas" panose="020B0609020204030204" pitchFamily="49" charset="0"/>
+                <a:latin typeface="Arial" panose="020B0604020202020204" pitchFamily="34" charset="0"/>
                 <a:ea typeface="Times New Roman" panose="02020603050405020304" pitchFamily="18" charset="0"/>
-                <a:cs typeface="Courier New" panose="02070309020205020404" pitchFamily="49" charset="0"/>
+                <a:cs typeface="Arial" panose="020B0604020202020204" pitchFamily="34" charset="0"/>
               </a:rPr>
               <a:t>txt</a:t>
             </a:r>
             <a:r>
-              <a:rPr lang="ru-RU" sz="1800" dirty="0">
+              <a:rPr lang="ru-RU" sz="1600" dirty="0">
                 <a:solidFill>
                   <a:srgbClr val="000000"/>
                 </a:solidFill>
                 <a:effectLst/>
-                <a:latin typeface="Consolas" panose="020B0609020204030204" pitchFamily="49" charset="0"/>
+                <a:latin typeface="Arial" panose="020B0604020202020204" pitchFamily="34" charset="0"/>
                 <a:ea typeface="Times New Roman" panose="02020603050405020304" pitchFamily="18" charset="0"/>
-                <a:cs typeface="Courier New" panose="02070309020205020404" pitchFamily="49" charset="0"/>
+                <a:cs typeface="Arial" panose="020B0604020202020204" pitchFamily="34" charset="0"/>
               </a:rPr>
               <a:t>);</a:t>
             </a:r>
             <a:br>
-              <a:rPr lang="ru-RU" sz="1800" dirty="0">
+              <a:rPr lang="ru-RU" sz="1600" dirty="0">
                 <a:solidFill>
                   <a:srgbClr val="000000"/>
                 </a:solidFill>
                 <a:effectLst/>
-                <a:latin typeface="Consolas" panose="020B0609020204030204" pitchFamily="49" charset="0"/>
+                <a:latin typeface="Arial" panose="020B0604020202020204" pitchFamily="34" charset="0"/>
                 <a:ea typeface="Times New Roman" panose="02020603050405020304" pitchFamily="18" charset="0"/>
-                <a:cs typeface="Courier New" panose="02070309020205020404" pitchFamily="49" charset="0"/>
+                <a:cs typeface="Arial" panose="020B0604020202020204" pitchFamily="34" charset="0"/>
               </a:rPr>
             </a:br>
             <a:r>
-              <a:rPr lang="ru-RU" sz="1800" dirty="0">
+              <a:rPr lang="ru-RU" sz="1600" dirty="0">
                 <a:solidFill>
                   <a:srgbClr val="000000"/>
                 </a:solidFill>
                 <a:effectLst/>
-                <a:latin typeface="Consolas" panose="020B0609020204030204" pitchFamily="49" charset="0"/>
+                <a:latin typeface="Arial" panose="020B0604020202020204" pitchFamily="34" charset="0"/>
                 <a:ea typeface="Times New Roman" panose="02020603050405020304" pitchFamily="18" charset="0"/>
-                <a:cs typeface="Courier New" panose="02070309020205020404" pitchFamily="49" charset="0"/>
+                <a:cs typeface="Arial" panose="020B0604020202020204" pitchFamily="34" charset="0"/>
               </a:rPr>
               <a:t>        </a:t>
             </a:r>
             <a:r>
-              <a:rPr lang="ru-RU" sz="1800" i="1" dirty="0" err="1">
+              <a:rPr lang="ru-RU" sz="1600" i="1" dirty="0" err="1">
                 <a:solidFill>
                   <a:srgbClr val="000000"/>
                 </a:solidFill>
                 <a:effectLst/>
-                <a:latin typeface="Consolas" panose="020B0609020204030204" pitchFamily="49" charset="0"/>
+                <a:latin typeface="Arial" panose="020B0604020202020204" pitchFamily="34" charset="0"/>
                 <a:ea typeface="Times New Roman" panose="02020603050405020304" pitchFamily="18" charset="0"/>
-                <a:cs typeface="Courier New" panose="02070309020205020404" pitchFamily="49" charset="0"/>
+                <a:cs typeface="Arial" panose="020B0604020202020204" pitchFamily="34" charset="0"/>
               </a:rPr>
               <a:t>myPrint</a:t>
             </a:r>
             <a:r>
-              <a:rPr lang="ru-RU" sz="1800" dirty="0">
+              <a:rPr lang="ru-RU" sz="1600" dirty="0">
                 <a:solidFill>
                   <a:srgbClr val="000000"/>
                 </a:solidFill>
                 <a:effectLst/>
-                <a:latin typeface="Consolas" panose="020B0609020204030204" pitchFamily="49" charset="0"/>
+                <a:latin typeface="Arial" panose="020B0604020202020204" pitchFamily="34" charset="0"/>
                 <a:ea typeface="Times New Roman" panose="02020603050405020304" pitchFamily="18" charset="0"/>
-                <a:cs typeface="Courier New" panose="02070309020205020404" pitchFamily="49" charset="0"/>
+                <a:cs typeface="Arial" panose="020B0604020202020204" pitchFamily="34" charset="0"/>
               </a:rPr>
               <a:t>();</a:t>
             </a:r>
             <a:br>
-              <a:rPr lang="ru-RU" sz="1800" dirty="0">
+              <a:rPr lang="ru-RU" sz="1600" dirty="0">
                 <a:solidFill>
                   <a:srgbClr val="000000"/>
                 </a:solidFill>
                 <a:effectLst/>
-                <a:latin typeface="Consolas" panose="020B0609020204030204" pitchFamily="49" charset="0"/>
+                <a:latin typeface="Arial" panose="020B0604020202020204" pitchFamily="34" charset="0"/>
                 <a:ea typeface="Times New Roman" panose="02020603050405020304" pitchFamily="18" charset="0"/>
-                <a:cs typeface="Courier New" panose="02070309020205020404" pitchFamily="49" charset="0"/>
+                <a:cs typeface="Arial" panose="020B0604020202020204" pitchFamily="34" charset="0"/>
               </a:rPr>
             </a:br>
             <a:r>
-              <a:rPr lang="ru-RU" sz="1800" dirty="0">
+              <a:rPr lang="ru-RU" sz="1600" dirty="0">
                 <a:solidFill>
                   <a:srgbClr val="000000"/>
                 </a:solidFill>
                 <a:effectLst/>
-                <a:latin typeface="Consolas" panose="020B0609020204030204" pitchFamily="49" charset="0"/>
+                <a:latin typeface="Arial" panose="020B0604020202020204" pitchFamily="34" charset="0"/>
                 <a:ea typeface="Times New Roman" panose="02020603050405020304" pitchFamily="18" charset="0"/>
-                <a:cs typeface="Courier New" panose="02070309020205020404" pitchFamily="49" charset="0"/>
+                <a:cs typeface="Arial" panose="020B0604020202020204" pitchFamily="34" charset="0"/>
               </a:rPr>
               <a:t>        </a:t>
             </a:r>
             <a:r>
-              <a:rPr lang="ru-RU" sz="1800" dirty="0" err="1">
+              <a:rPr lang="ru-RU" sz="1600" dirty="0" err="1">
                 <a:solidFill>
                   <a:srgbClr val="000000"/>
                 </a:solidFill>
                 <a:effectLst/>
-                <a:latin typeface="Consolas" panose="020B0609020204030204" pitchFamily="49" charset="0"/>
+                <a:latin typeface="Arial" panose="020B0604020202020204" pitchFamily="34" charset="0"/>
                 <a:ea typeface="Times New Roman" panose="02020603050405020304" pitchFamily="18" charset="0"/>
-                <a:cs typeface="Courier New" panose="02070309020205020404" pitchFamily="49" charset="0"/>
+                <a:cs typeface="Arial" panose="020B0604020202020204" pitchFamily="34" charset="0"/>
               </a:rPr>
               <a:t>System.</a:t>
             </a:r>
             <a:r>
-              <a:rPr lang="ru-RU" sz="1800" b="1" i="1" dirty="0" err="1">
+              <a:rPr lang="ru-RU" sz="1600" b="1" i="1" dirty="0" err="1">
                 <a:solidFill>
                   <a:srgbClr val="660E7A"/>
                 </a:solidFill>
                 <a:effectLst/>
-                <a:latin typeface="Consolas" panose="020B0609020204030204" pitchFamily="49" charset="0"/>
+                <a:latin typeface="Arial" panose="020B0604020202020204" pitchFamily="34" charset="0"/>
                 <a:ea typeface="Times New Roman" panose="02020603050405020304" pitchFamily="18" charset="0"/>
-                <a:cs typeface="Courier New" panose="02070309020205020404" pitchFamily="49" charset="0"/>
+                <a:cs typeface="Arial" panose="020B0604020202020204" pitchFamily="34" charset="0"/>
               </a:rPr>
               <a:t>out</a:t>
             </a:r>
             <a:r>
-              <a:rPr lang="ru-RU" sz="1800" dirty="0" err="1">
+              <a:rPr lang="ru-RU" sz="1600" dirty="0" err="1">
                 <a:solidFill>
                   <a:srgbClr val="000000"/>
                 </a:solidFill>
                 <a:effectLst/>
-                <a:latin typeface="Consolas" panose="020B0609020204030204" pitchFamily="49" charset="0"/>
+                <a:latin typeface="Arial" panose="020B0604020202020204" pitchFamily="34" charset="0"/>
                 <a:ea typeface="Times New Roman" panose="02020603050405020304" pitchFamily="18" charset="0"/>
-                <a:cs typeface="Courier New" panose="02070309020205020404" pitchFamily="49" charset="0"/>
+                <a:cs typeface="Arial" panose="020B0604020202020204" pitchFamily="34" charset="0"/>
               </a:rPr>
               <a:t>.println</a:t>
             </a:r>
             <a:r>
-              <a:rPr lang="ru-RU" sz="1800" dirty="0">
+              <a:rPr lang="ru-RU" sz="1600" dirty="0">
                 <a:solidFill>
                   <a:srgbClr val="000000"/>
                 </a:solidFill>
                 <a:effectLst/>
-                <a:latin typeface="Consolas" panose="020B0609020204030204" pitchFamily="49" charset="0"/>
+                <a:latin typeface="Arial" panose="020B0604020202020204" pitchFamily="34" charset="0"/>
                 <a:ea typeface="Times New Roman" panose="02020603050405020304" pitchFamily="18" charset="0"/>
-                <a:cs typeface="Courier New" panose="02070309020205020404" pitchFamily="49" charset="0"/>
+                <a:cs typeface="Arial" panose="020B0604020202020204" pitchFamily="34" charset="0"/>
               </a:rPr>
               <a:t>(Main.</a:t>
             </a:r>
             <a:r>
-              <a:rPr lang="ru-RU" sz="1800" i="1" dirty="0">
+              <a:rPr lang="ru-RU" sz="1600" i="1" dirty="0">
                 <a:solidFill>
                   <a:srgbClr val="660E7A"/>
                 </a:solidFill>
                 <a:effectLst/>
-                <a:latin typeface="Consolas" panose="020B0609020204030204" pitchFamily="49" charset="0"/>
+                <a:latin typeface="Arial" panose="020B0604020202020204" pitchFamily="34" charset="0"/>
                 <a:ea typeface="Times New Roman" panose="02020603050405020304" pitchFamily="18" charset="0"/>
-                <a:cs typeface="Courier New" panose="02070309020205020404" pitchFamily="49" charset="0"/>
+                <a:cs typeface="Arial" panose="020B0604020202020204" pitchFamily="34" charset="0"/>
               </a:rPr>
               <a:t>txt</a:t>
             </a:r>
             <a:r>
-              <a:rPr lang="ru-RU" sz="1800" dirty="0">
+              <a:rPr lang="ru-RU" sz="1600" dirty="0">
                 <a:solidFill>
                   <a:srgbClr val="000000"/>
                 </a:solidFill>
                 <a:effectLst/>
-                <a:latin typeface="Consolas" panose="020B0609020204030204" pitchFamily="49" charset="0"/>
+                <a:latin typeface="Arial" panose="020B0604020202020204" pitchFamily="34" charset="0"/>
                 <a:ea typeface="Times New Roman" panose="02020603050405020304" pitchFamily="18" charset="0"/>
-                <a:cs typeface="Courier New" panose="02070309020205020404" pitchFamily="49" charset="0"/>
+                <a:cs typeface="Arial" panose="020B0604020202020204" pitchFamily="34" charset="0"/>
               </a:rPr>
               <a:t>);</a:t>
             </a:r>
             <a:br>
-              <a:rPr lang="ru-RU" sz="1800" dirty="0">
+              <a:rPr lang="ru-RU" sz="1600" dirty="0">
                 <a:solidFill>
                   <a:srgbClr val="000000"/>
                 </a:solidFill>
                 <a:effectLst/>
-                <a:latin typeface="Consolas" panose="020B0609020204030204" pitchFamily="49" charset="0"/>
+                <a:latin typeface="Arial" panose="020B0604020202020204" pitchFamily="34" charset="0"/>
                 <a:ea typeface="Times New Roman" panose="02020603050405020304" pitchFamily="18" charset="0"/>
-                <a:cs typeface="Courier New" panose="02070309020205020404" pitchFamily="49" charset="0"/>
+                <a:cs typeface="Arial" panose="020B0604020202020204" pitchFamily="34" charset="0"/>
               </a:rPr>
             </a:br>
             <a:r>
-              <a:rPr lang="ru-RU" sz="1800" dirty="0">
+              <a:rPr lang="ru-RU" sz="1600" dirty="0">
                 <a:solidFill>
                   <a:srgbClr val="000000"/>
                 </a:solidFill>
                 <a:effectLst/>
-                <a:latin typeface="Consolas" panose="020B0609020204030204" pitchFamily="49" charset="0"/>
+                <a:latin typeface="Arial" panose="020B0604020202020204" pitchFamily="34" charset="0"/>
                 <a:ea typeface="Times New Roman" panose="02020603050405020304" pitchFamily="18" charset="0"/>
-                <a:cs typeface="Courier New" panose="02070309020205020404" pitchFamily="49" charset="0"/>
+                <a:cs typeface="Arial" panose="020B0604020202020204" pitchFamily="34" charset="0"/>
               </a:rPr>
               <a:t>    }</a:t>
             </a:r>
             <a:br>
-              <a:rPr lang="ru-RU" sz="1800" dirty="0">
+              <a:rPr lang="ru-RU" sz="1600" dirty="0">
                 <a:solidFill>
                   <a:srgbClr val="000000"/>
                 </a:solidFill>
                 <a:effectLst/>
-                <a:latin typeface="Consolas" panose="020B0609020204030204" pitchFamily="49" charset="0"/>
+                <a:latin typeface="Arial" panose="020B0604020202020204" pitchFamily="34" charset="0"/>
                 <a:ea typeface="Times New Roman" panose="02020603050405020304" pitchFamily="18" charset="0"/>
-                <a:cs typeface="Courier New" panose="02070309020205020404" pitchFamily="49" charset="0"/>
+                <a:cs typeface="Arial" panose="020B0604020202020204" pitchFamily="34" charset="0"/>
               </a:rPr>
             </a:br>
             <a:br>
-              <a:rPr lang="ru-RU" sz="1800" dirty="0">
+              <a:rPr lang="ru-RU" sz="1600" dirty="0">
                 <a:solidFill>
                   <a:srgbClr val="000000"/>
                 </a:solidFill>
                 <a:effectLst/>
-                <a:latin typeface="Consolas" panose="020B0609020204030204" pitchFamily="49" charset="0"/>
+                <a:latin typeface="Arial" panose="020B0604020202020204" pitchFamily="34" charset="0"/>
                 <a:ea typeface="Times New Roman" panose="02020603050405020304" pitchFamily="18" charset="0"/>
-                <a:cs typeface="Courier New" panose="02070309020205020404" pitchFamily="49" charset="0"/>
+                <a:cs typeface="Arial" panose="020B0604020202020204" pitchFamily="34" charset="0"/>
               </a:rPr>
             </a:br>
             <a:r>
-              <a:rPr lang="ru-RU" sz="1800" dirty="0">
+              <a:rPr lang="ru-RU" sz="1600" dirty="0">
                 <a:solidFill>
                   <a:srgbClr val="000000"/>
                 </a:solidFill>
                 <a:effectLst/>
-                <a:latin typeface="Consolas" panose="020B0609020204030204" pitchFamily="49" charset="0"/>
+                <a:latin typeface="Arial" panose="020B0604020202020204" pitchFamily="34" charset="0"/>
                 <a:ea typeface="Times New Roman" panose="02020603050405020304" pitchFamily="18" charset="0"/>
-                <a:cs typeface="Courier New" panose="02070309020205020404" pitchFamily="49" charset="0"/>
+                <a:cs typeface="Arial" panose="020B0604020202020204" pitchFamily="34" charset="0"/>
               </a:rPr>
               <a:t>    </a:t>
             </a:r>
             <a:r>
-              <a:rPr lang="ru-RU" sz="1800" b="1" dirty="0" err="1">
+              <a:rPr lang="ru-RU" sz="1600" b="1" dirty="0" err="1">
                 <a:solidFill>
                   <a:srgbClr val="000080"/>
                 </a:solidFill>
                 <a:effectLst/>
-                <a:latin typeface="Consolas" panose="020B0609020204030204" pitchFamily="49" charset="0"/>
+                <a:latin typeface="Arial" panose="020B0604020202020204" pitchFamily="34" charset="0"/>
                 <a:ea typeface="Times New Roman" panose="02020603050405020304" pitchFamily="18" charset="0"/>
-                <a:cs typeface="Courier New" panose="02070309020205020404" pitchFamily="49" charset="0"/>
+                <a:cs typeface="Arial" panose="020B0604020202020204" pitchFamily="34" charset="0"/>
               </a:rPr>
               <a:t>public</a:t>
             </a:r>
             <a:r>
-              <a:rPr lang="ru-RU" sz="1800" b="1" dirty="0">
+              <a:rPr lang="ru-RU" sz="1600" b="1" dirty="0">
                 <a:solidFill>
                   <a:srgbClr val="000080"/>
                 </a:solidFill>
                 <a:effectLst/>
-                <a:latin typeface="Consolas" panose="020B0609020204030204" pitchFamily="49" charset="0"/>
+                <a:latin typeface="Arial" panose="020B0604020202020204" pitchFamily="34" charset="0"/>
                 <a:ea typeface="Times New Roman" panose="02020603050405020304" pitchFamily="18" charset="0"/>
-                <a:cs typeface="Courier New" panose="02070309020205020404" pitchFamily="49" charset="0"/>
+                <a:cs typeface="Arial" panose="020B0604020202020204" pitchFamily="34" charset="0"/>
               </a:rPr>
               <a:t> </a:t>
             </a:r>
             <a:r>
-              <a:rPr lang="ru-RU" sz="1800" b="1" dirty="0" err="1">
+              <a:rPr lang="ru-RU" sz="1600" b="1" dirty="0" err="1">
                 <a:solidFill>
                   <a:srgbClr val="000080"/>
                 </a:solidFill>
                 <a:effectLst/>
-                <a:latin typeface="Consolas" panose="020B0609020204030204" pitchFamily="49" charset="0"/>
+                <a:latin typeface="Arial" panose="020B0604020202020204" pitchFamily="34" charset="0"/>
                 <a:ea typeface="Times New Roman" panose="02020603050405020304" pitchFamily="18" charset="0"/>
-                <a:cs typeface="Courier New" panose="02070309020205020404" pitchFamily="49" charset="0"/>
+                <a:cs typeface="Arial" panose="020B0604020202020204" pitchFamily="34" charset="0"/>
               </a:rPr>
               <a:t>static</a:t>
             </a:r>
             <a:r>
-              <a:rPr lang="ru-RU" sz="1800" b="1" dirty="0">
+              <a:rPr lang="ru-RU" sz="1600" b="1" dirty="0">
                 <a:solidFill>
                   <a:srgbClr val="000080"/>
                 </a:solidFill>
                 <a:effectLst/>
-                <a:latin typeface="Consolas" panose="020B0609020204030204" pitchFamily="49" charset="0"/>
+                <a:latin typeface="Arial" panose="020B0604020202020204" pitchFamily="34" charset="0"/>
                 <a:ea typeface="Times New Roman" panose="02020603050405020304" pitchFamily="18" charset="0"/>
-                <a:cs typeface="Courier New" panose="02070309020205020404" pitchFamily="49" charset="0"/>
+                <a:cs typeface="Arial" panose="020B0604020202020204" pitchFamily="34" charset="0"/>
               </a:rPr>
               <a:t> </a:t>
             </a:r>
             <a:r>
-              <a:rPr lang="ru-RU" sz="1800" b="1" dirty="0" err="1">
+              <a:rPr lang="ru-RU" sz="1600" b="1" dirty="0" err="1">
                 <a:solidFill>
                   <a:srgbClr val="000080"/>
                 </a:solidFill>
                 <a:effectLst/>
-                <a:latin typeface="Consolas" panose="020B0609020204030204" pitchFamily="49" charset="0"/>
+                <a:latin typeface="Arial" panose="020B0604020202020204" pitchFamily="34" charset="0"/>
                 <a:ea typeface="Times New Roman" panose="02020603050405020304" pitchFamily="18" charset="0"/>
-                <a:cs typeface="Courier New" panose="02070309020205020404" pitchFamily="49" charset="0"/>
+                <a:cs typeface="Arial" panose="020B0604020202020204" pitchFamily="34" charset="0"/>
               </a:rPr>
               <a:t>void</a:t>
             </a:r>
             <a:r>
-              <a:rPr lang="ru-RU" sz="1800" b="1" dirty="0">
+              <a:rPr lang="ru-RU" sz="1600" b="1" dirty="0">
                 <a:solidFill>
                   <a:srgbClr val="000080"/>
                 </a:solidFill>
                 <a:effectLst/>
-                <a:latin typeface="Consolas" panose="020B0609020204030204" pitchFamily="49" charset="0"/>
+                <a:latin typeface="Arial" panose="020B0604020202020204" pitchFamily="34" charset="0"/>
                 <a:ea typeface="Times New Roman" panose="02020603050405020304" pitchFamily="18" charset="0"/>
-                <a:cs typeface="Courier New" panose="02070309020205020404" pitchFamily="49" charset="0"/>
+                <a:cs typeface="Arial" panose="020B0604020202020204" pitchFamily="34" charset="0"/>
               </a:rPr>
               <a:t> </a:t>
             </a:r>
             <a:r>
-              <a:rPr lang="ru-RU" sz="1800" dirty="0" err="1">
+              <a:rPr lang="ru-RU" sz="1600" dirty="0" err="1">
                 <a:solidFill>
                   <a:srgbClr val="000000"/>
                 </a:solidFill>
                 <a:effectLst/>
-                <a:latin typeface="Consolas" panose="020B0609020204030204" pitchFamily="49" charset="0"/>
+                <a:latin typeface="Arial" panose="020B0604020202020204" pitchFamily="34" charset="0"/>
                 <a:ea typeface="Times New Roman" panose="02020603050405020304" pitchFamily="18" charset="0"/>
-                <a:cs typeface="Courier New" panose="02070309020205020404" pitchFamily="49" charset="0"/>
+                <a:cs typeface="Arial" panose="020B0604020202020204" pitchFamily="34" charset="0"/>
               </a:rPr>
               <a:t>myPrint</a:t>
             </a:r>
             <a:r>
-              <a:rPr lang="ru-RU" sz="1800" dirty="0">
+              <a:rPr lang="ru-RU" sz="1600" dirty="0">
                 <a:solidFill>
                   <a:srgbClr val="000000"/>
                 </a:solidFill>
                 <a:effectLst/>
-                <a:latin typeface="Consolas" panose="020B0609020204030204" pitchFamily="49" charset="0"/>
+                <a:latin typeface="Arial" panose="020B0604020202020204" pitchFamily="34" charset="0"/>
                 <a:ea typeface="Times New Roman" panose="02020603050405020304" pitchFamily="18" charset="0"/>
-                <a:cs typeface="Courier New" panose="02070309020205020404" pitchFamily="49" charset="0"/>
+                <a:cs typeface="Arial" panose="020B0604020202020204" pitchFamily="34" charset="0"/>
               </a:rPr>
               <a:t>() {</a:t>
             </a:r>
             <a:br>
-              <a:rPr lang="ru-RU" sz="1800" dirty="0">
+              <a:rPr lang="ru-RU" sz="1600" dirty="0">
                 <a:solidFill>
                   <a:srgbClr val="000000"/>
                 </a:solidFill>
                 <a:effectLst/>
-                <a:latin typeface="Consolas" panose="020B0609020204030204" pitchFamily="49" charset="0"/>
+                <a:latin typeface="Arial" panose="020B0604020202020204" pitchFamily="34" charset="0"/>
                 <a:ea typeface="Times New Roman" panose="02020603050405020304" pitchFamily="18" charset="0"/>
-                <a:cs typeface="Courier New" panose="02070309020205020404" pitchFamily="49" charset="0"/>
+                <a:cs typeface="Arial" panose="020B0604020202020204" pitchFamily="34" charset="0"/>
               </a:rPr>
             </a:br>
             <a:r>
-              <a:rPr lang="ru-RU" sz="1800" dirty="0">
+              <a:rPr lang="ru-RU" sz="1600" dirty="0">
                 <a:solidFill>
                   <a:srgbClr val="000000"/>
                 </a:solidFill>
                 <a:effectLst/>
-                <a:latin typeface="Consolas" panose="020B0609020204030204" pitchFamily="49" charset="0"/>
+                <a:latin typeface="Arial" panose="020B0604020202020204" pitchFamily="34" charset="0"/>
                 <a:ea typeface="Times New Roman" panose="02020603050405020304" pitchFamily="18" charset="0"/>
-                <a:cs typeface="Courier New" panose="02070309020205020404" pitchFamily="49" charset="0"/>
+                <a:cs typeface="Arial" panose="020B0604020202020204" pitchFamily="34" charset="0"/>
               </a:rPr>
               <a:t>        </a:t>
             </a:r>
             <a:r>
-              <a:rPr lang="ru-RU" sz="1800" dirty="0" err="1">
+              <a:rPr lang="ru-RU" sz="1600" dirty="0" err="1">
                 <a:solidFill>
                   <a:srgbClr val="000000"/>
                 </a:solidFill>
                 <a:effectLst/>
-                <a:latin typeface="Consolas" panose="020B0609020204030204" pitchFamily="49" charset="0"/>
+                <a:latin typeface="Arial" panose="020B0604020202020204" pitchFamily="34" charset="0"/>
                 <a:ea typeface="Times New Roman" panose="02020603050405020304" pitchFamily="18" charset="0"/>
-                <a:cs typeface="Courier New" panose="02070309020205020404" pitchFamily="49" charset="0"/>
+                <a:cs typeface="Arial" panose="020B0604020202020204" pitchFamily="34" charset="0"/>
               </a:rPr>
               <a:t>String</a:t>
             </a:r>
             <a:r>
-              <a:rPr lang="ru-RU" sz="1800" dirty="0">
+              <a:rPr lang="ru-RU" sz="1600" dirty="0">
                 <a:solidFill>
                   <a:srgbClr val="000000"/>
                 </a:solidFill>
                 <a:effectLst/>
-                <a:latin typeface="Consolas" panose="020B0609020204030204" pitchFamily="49" charset="0"/>
+                <a:latin typeface="Arial" panose="020B0604020202020204" pitchFamily="34" charset="0"/>
                 <a:ea typeface="Times New Roman" panose="02020603050405020304" pitchFamily="18" charset="0"/>
-                <a:cs typeface="Courier New" panose="02070309020205020404" pitchFamily="49" charset="0"/>
+                <a:cs typeface="Arial" panose="020B0604020202020204" pitchFamily="34" charset="0"/>
               </a:rPr>
               <a:t> </a:t>
             </a:r>
             <a:r>
-              <a:rPr lang="ru-RU" sz="1800" dirty="0" err="1">
+              <a:rPr lang="ru-RU" sz="1600" dirty="0" err="1">
                 <a:solidFill>
                   <a:srgbClr val="000000"/>
                 </a:solidFill>
                 <a:effectLst/>
-                <a:latin typeface="Consolas" panose="020B0609020204030204" pitchFamily="49" charset="0"/>
+                <a:latin typeface="Arial" panose="020B0604020202020204" pitchFamily="34" charset="0"/>
                 <a:ea typeface="Times New Roman" panose="02020603050405020304" pitchFamily="18" charset="0"/>
-                <a:cs typeface="Courier New" panose="02070309020205020404" pitchFamily="49" charset="0"/>
+                <a:cs typeface="Arial" panose="020B0604020202020204" pitchFamily="34" charset="0"/>
               </a:rPr>
               <a:t>txt</a:t>
             </a:r>
             <a:r>
-              <a:rPr lang="ru-RU" sz="1800" dirty="0">
+              <a:rPr lang="ru-RU" sz="1600" dirty="0">
                 <a:solidFill>
                   <a:srgbClr val="000000"/>
                 </a:solidFill>
                 <a:effectLst/>
-                <a:latin typeface="Consolas" panose="020B0609020204030204" pitchFamily="49" charset="0"/>
+                <a:latin typeface="Arial" panose="020B0604020202020204" pitchFamily="34" charset="0"/>
                 <a:ea typeface="Times New Roman" panose="02020603050405020304" pitchFamily="18" charset="0"/>
-                <a:cs typeface="Courier New" panose="02070309020205020404" pitchFamily="49" charset="0"/>
+                <a:cs typeface="Arial" panose="020B0604020202020204" pitchFamily="34" charset="0"/>
               </a:rPr>
               <a:t> = </a:t>
             </a:r>
             <a:r>
-              <a:rPr lang="ru-RU" sz="1800" b="1" dirty="0">
+              <a:rPr lang="ru-RU" sz="1600" b="1" dirty="0">
                 <a:solidFill>
                   <a:srgbClr val="008000"/>
                 </a:solidFill>
                 <a:effectLst/>
-                <a:latin typeface="Consolas" panose="020B0609020204030204" pitchFamily="49" charset="0"/>
+                <a:latin typeface="Arial" panose="020B0604020202020204" pitchFamily="34" charset="0"/>
                 <a:ea typeface="Times New Roman" panose="02020603050405020304" pitchFamily="18" charset="0"/>
-                <a:cs typeface="Courier New" panose="02070309020205020404" pitchFamily="49" charset="0"/>
+                <a:cs typeface="Arial" panose="020B0604020202020204" pitchFamily="34" charset="0"/>
               </a:rPr>
               <a:t>"Это локальная переменная метода </a:t>
             </a:r>
             <a:r>
-              <a:rPr lang="ru-RU" sz="1800" b="1" dirty="0" err="1">
+              <a:rPr lang="ru-RU" sz="1600" b="1" dirty="0" err="1">
                 <a:solidFill>
                   <a:srgbClr val="008000"/>
                 </a:solidFill>
                 <a:effectLst/>
-                <a:latin typeface="Consolas" panose="020B0609020204030204" pitchFamily="49" charset="0"/>
+                <a:latin typeface="Arial" panose="020B0604020202020204" pitchFamily="34" charset="0"/>
                 <a:ea typeface="Times New Roman" panose="02020603050405020304" pitchFamily="18" charset="0"/>
-                <a:cs typeface="Courier New" panose="02070309020205020404" pitchFamily="49" charset="0"/>
+                <a:cs typeface="Arial" panose="020B0604020202020204" pitchFamily="34" charset="0"/>
               </a:rPr>
               <a:t>sub</a:t>
             </a:r>
             <a:r>
-              <a:rPr lang="ru-RU" sz="1800" b="1" dirty="0">
+              <a:rPr lang="ru-RU" sz="1600" b="1" dirty="0">
                 <a:solidFill>
                   <a:srgbClr val="008000"/>
                 </a:solidFill>
                 <a:effectLst/>
-                <a:latin typeface="Consolas" panose="020B0609020204030204" pitchFamily="49" charset="0"/>
+                <a:latin typeface="Arial" panose="020B0604020202020204" pitchFamily="34" charset="0"/>
                 <a:ea typeface="Times New Roman" panose="02020603050405020304" pitchFamily="18" charset="0"/>
-                <a:cs typeface="Courier New" panose="02070309020205020404" pitchFamily="49" charset="0"/>
+                <a:cs typeface="Arial" panose="020B0604020202020204" pitchFamily="34" charset="0"/>
               </a:rPr>
               <a:t>"</a:t>
             </a:r>
             <a:r>
-              <a:rPr lang="ru-RU" sz="1800" dirty="0">
+              <a:rPr lang="ru-RU" sz="1600" dirty="0">
                 <a:solidFill>
                   <a:srgbClr val="000000"/>
                 </a:solidFill>
                 <a:effectLst/>
-                <a:latin typeface="Consolas" panose="020B0609020204030204" pitchFamily="49" charset="0"/>
+                <a:latin typeface="Arial" panose="020B0604020202020204" pitchFamily="34" charset="0"/>
                 <a:ea typeface="Times New Roman" panose="02020603050405020304" pitchFamily="18" charset="0"/>
-                <a:cs typeface="Courier New" panose="02070309020205020404" pitchFamily="49" charset="0"/>
+                <a:cs typeface="Arial" panose="020B0604020202020204" pitchFamily="34" charset="0"/>
               </a:rPr>
               <a:t>;</a:t>
             </a:r>
             <a:br>
-              <a:rPr lang="ru-RU" sz="1800" dirty="0">
+              <a:rPr lang="ru-RU" sz="1600" dirty="0">
                 <a:solidFill>
                   <a:srgbClr val="000000"/>
                 </a:solidFill>
                 <a:effectLst/>
-                <a:latin typeface="Consolas" panose="020B0609020204030204" pitchFamily="49" charset="0"/>
+                <a:latin typeface="Arial" panose="020B0604020202020204" pitchFamily="34" charset="0"/>
                 <a:ea typeface="Times New Roman" panose="02020603050405020304" pitchFamily="18" charset="0"/>
-                <a:cs typeface="Courier New" panose="02070309020205020404" pitchFamily="49" charset="0"/>
+                <a:cs typeface="Arial" panose="020B0604020202020204" pitchFamily="34" charset="0"/>
               </a:rPr>
             </a:br>
             <a:r>
-              <a:rPr lang="ru-RU" sz="1800" dirty="0">
+              <a:rPr lang="ru-RU" sz="1600" dirty="0">
                 <a:solidFill>
                   <a:srgbClr val="000000"/>
                 </a:solidFill>
                 <a:effectLst/>
-                <a:latin typeface="Consolas" panose="020B0609020204030204" pitchFamily="49" charset="0"/>
+                <a:latin typeface="Arial" panose="020B0604020202020204" pitchFamily="34" charset="0"/>
                 <a:ea typeface="Times New Roman" panose="02020603050405020304" pitchFamily="18" charset="0"/>
-                <a:cs typeface="Courier New" panose="02070309020205020404" pitchFamily="49" charset="0"/>
+                <a:cs typeface="Arial" panose="020B0604020202020204" pitchFamily="34" charset="0"/>
               </a:rPr>
               <a:t>        </a:t>
             </a:r>
             <a:r>
-              <a:rPr lang="ru-RU" sz="1800" dirty="0" err="1">
+              <a:rPr lang="ru-RU" sz="1600" dirty="0" err="1">
                 <a:solidFill>
                   <a:srgbClr val="000000"/>
                 </a:solidFill>
                 <a:effectLst/>
-                <a:latin typeface="Consolas" panose="020B0609020204030204" pitchFamily="49" charset="0"/>
+                <a:latin typeface="Arial" panose="020B0604020202020204" pitchFamily="34" charset="0"/>
                 <a:ea typeface="Times New Roman" panose="02020603050405020304" pitchFamily="18" charset="0"/>
-                <a:cs typeface="Courier New" panose="02070309020205020404" pitchFamily="49" charset="0"/>
+                <a:cs typeface="Arial" panose="020B0604020202020204" pitchFamily="34" charset="0"/>
               </a:rPr>
               <a:t>System.</a:t>
             </a:r>
             <a:r>
-              <a:rPr lang="ru-RU" sz="1800" b="1" i="1" dirty="0" err="1">
+              <a:rPr lang="ru-RU" sz="1600" b="1" i="1" dirty="0" err="1">
                 <a:solidFill>
                   <a:srgbClr val="660E7A"/>
                 </a:solidFill>
                 <a:effectLst/>
-                <a:latin typeface="Consolas" panose="020B0609020204030204" pitchFamily="49" charset="0"/>
+                <a:latin typeface="Arial" panose="020B0604020202020204" pitchFamily="34" charset="0"/>
                 <a:ea typeface="Times New Roman" panose="02020603050405020304" pitchFamily="18" charset="0"/>
-                <a:cs typeface="Courier New" panose="02070309020205020404" pitchFamily="49" charset="0"/>
+                <a:cs typeface="Arial" panose="020B0604020202020204" pitchFamily="34" charset="0"/>
               </a:rPr>
               <a:t>out</a:t>
             </a:r>
             <a:r>
-              <a:rPr lang="ru-RU" sz="1800" dirty="0" err="1">
+              <a:rPr lang="ru-RU" sz="1600" dirty="0" err="1">
                 <a:solidFill>
                   <a:srgbClr val="000000"/>
                 </a:solidFill>
                 <a:effectLst/>
-                <a:latin typeface="Consolas" panose="020B0609020204030204" pitchFamily="49" charset="0"/>
+                <a:latin typeface="Arial" panose="020B0604020202020204" pitchFamily="34" charset="0"/>
                 <a:ea typeface="Times New Roman" panose="02020603050405020304" pitchFamily="18" charset="0"/>
-                <a:cs typeface="Courier New" panose="02070309020205020404" pitchFamily="49" charset="0"/>
+                <a:cs typeface="Arial" panose="020B0604020202020204" pitchFamily="34" charset="0"/>
               </a:rPr>
               <a:t>.println</a:t>
             </a:r>
             <a:r>
-              <a:rPr lang="ru-RU" sz="1800" dirty="0">
+              <a:rPr lang="ru-RU" sz="1600" dirty="0">
                 <a:solidFill>
                   <a:srgbClr val="000000"/>
                 </a:solidFill>
                 <a:effectLst/>
-                <a:latin typeface="Consolas" panose="020B0609020204030204" pitchFamily="49" charset="0"/>
+                <a:latin typeface="Arial" panose="020B0604020202020204" pitchFamily="34" charset="0"/>
                 <a:ea typeface="Times New Roman" panose="02020603050405020304" pitchFamily="18" charset="0"/>
-                <a:cs typeface="Courier New" panose="02070309020205020404" pitchFamily="49" charset="0"/>
+                <a:cs typeface="Arial" panose="020B0604020202020204" pitchFamily="34" charset="0"/>
               </a:rPr>
               <a:t>(</a:t>
             </a:r>
             <a:r>
-              <a:rPr lang="ru-RU" sz="1800" dirty="0" err="1">
+              <a:rPr lang="ru-RU" sz="1600" dirty="0" err="1">
                 <a:solidFill>
                   <a:srgbClr val="000000"/>
                 </a:solidFill>
                 <a:effectLst/>
-                <a:latin typeface="Consolas" panose="020B0609020204030204" pitchFamily="49" charset="0"/>
+                <a:latin typeface="Arial" panose="020B0604020202020204" pitchFamily="34" charset="0"/>
                 <a:ea typeface="Times New Roman" panose="02020603050405020304" pitchFamily="18" charset="0"/>
-                <a:cs typeface="Courier New" panose="02070309020205020404" pitchFamily="49" charset="0"/>
+                <a:cs typeface="Arial" panose="020B0604020202020204" pitchFamily="34" charset="0"/>
               </a:rPr>
               <a:t>txt</a:t>
             </a:r>
             <a:r>
-              <a:rPr lang="ru-RU" sz="1800" dirty="0">
+              <a:rPr lang="ru-RU" sz="1600" dirty="0">
                 <a:solidFill>
                   <a:srgbClr val="000000"/>
                 </a:solidFill>
                 <a:effectLst/>
-                <a:latin typeface="Consolas" panose="020B0609020204030204" pitchFamily="49" charset="0"/>
+                <a:latin typeface="Arial" panose="020B0604020202020204" pitchFamily="34" charset="0"/>
                 <a:ea typeface="Times New Roman" panose="02020603050405020304" pitchFamily="18" charset="0"/>
-                <a:cs typeface="Courier New" panose="02070309020205020404" pitchFamily="49" charset="0"/>
+                <a:cs typeface="Arial" panose="020B0604020202020204" pitchFamily="34" charset="0"/>
               </a:rPr>
               <a:t>);</a:t>
             </a:r>
             <a:br>
-              <a:rPr lang="ru-RU" sz="1800" dirty="0">
+              <a:rPr lang="ru-RU" sz="1600" dirty="0">
                 <a:solidFill>
                   <a:srgbClr val="000000"/>
                 </a:solidFill>
                 <a:effectLst/>
-                <a:latin typeface="Consolas" panose="020B0609020204030204" pitchFamily="49" charset="0"/>
+                <a:latin typeface="Arial" panose="020B0604020202020204" pitchFamily="34" charset="0"/>
                 <a:ea typeface="Times New Roman" panose="02020603050405020304" pitchFamily="18" charset="0"/>
-                <a:cs typeface="Courier New" panose="02070309020205020404" pitchFamily="49" charset="0"/>
+                <a:cs typeface="Arial" panose="020B0604020202020204" pitchFamily="34" charset="0"/>
               </a:rPr>
             </a:br>
             <a:r>
-              <a:rPr lang="ru-RU" sz="1800" dirty="0">
+              <a:rPr lang="ru-RU" sz="1600" dirty="0">
                 <a:solidFill>
                   <a:srgbClr val="000000"/>
                 </a:solidFill>
                 <a:effectLst/>
-                <a:latin typeface="Consolas" panose="020B0609020204030204" pitchFamily="49" charset="0"/>
+                <a:latin typeface="Arial" panose="020B0604020202020204" pitchFamily="34" charset="0"/>
                 <a:ea typeface="Times New Roman" panose="02020603050405020304" pitchFamily="18" charset="0"/>
-                <a:cs typeface="Courier New" panose="02070309020205020404" pitchFamily="49" charset="0"/>
+                <a:cs typeface="Arial" panose="020B0604020202020204" pitchFamily="34" charset="0"/>
               </a:rPr>
               <a:t>    }</a:t>
             </a:r>
             <a:br>
-              <a:rPr lang="ru-RU" sz="1800" dirty="0">
+              <a:rPr lang="ru-RU" sz="1600" dirty="0">
                 <a:solidFill>
                   <a:srgbClr val="000000"/>
                 </a:solidFill>
                 <a:effectLst/>
-                <a:latin typeface="Consolas" panose="020B0609020204030204" pitchFamily="49" charset="0"/>
+                <a:latin typeface="Arial" panose="020B0604020202020204" pitchFamily="34" charset="0"/>
                 <a:ea typeface="Times New Roman" panose="02020603050405020304" pitchFamily="18" charset="0"/>
-                <a:cs typeface="Courier New" panose="02070309020205020404" pitchFamily="49" charset="0"/>
+                <a:cs typeface="Arial" panose="020B0604020202020204" pitchFamily="34" charset="0"/>
               </a:rPr>
             </a:br>
             <a:r>
-              <a:rPr lang="ru-RU" sz="1800" dirty="0">
+              <a:rPr lang="ru-RU" sz="1600" dirty="0">
                 <a:solidFill>
                   <a:srgbClr val="000000"/>
                 </a:solidFill>
                 <a:effectLst/>
-                <a:latin typeface="Consolas" panose="020B0609020204030204" pitchFamily="49" charset="0"/>
+                <a:latin typeface="Arial" panose="020B0604020202020204" pitchFamily="34" charset="0"/>
                 <a:ea typeface="Times New Roman" panose="02020603050405020304" pitchFamily="18" charset="0"/>
-                <a:cs typeface="Courier New" panose="02070309020205020404" pitchFamily="49" charset="0"/>
+                <a:cs typeface="Arial" panose="020B0604020202020204" pitchFamily="34" charset="0"/>
               </a:rPr>
               <a:t>}</a:t>
             </a:r>
-            <a:endParaRPr lang="ru-RU" sz="1800" dirty="0">
+            <a:endParaRPr lang="ru-RU" sz="1600" dirty="0">
               <a:effectLst/>
-              <a:latin typeface="Calibri" panose="020F0502020204030204" pitchFamily="34" charset="0"/>
+              <a:latin typeface="Arial" panose="020B0604020202020204" pitchFamily="34" charset="0"/>
               <a:ea typeface="Calibri" panose="020F0502020204030204" pitchFamily="34" charset="0"/>
-              <a:cs typeface="Calibri" panose="020F0502020204030204" pitchFamily="34" charset="0"/>
+              <a:cs typeface="Arial" panose="020B0604020202020204" pitchFamily="34" charset="0"/>
             </a:endParaRPr>
           </a:p>
         </p:txBody>
@@ -7006,7 +7708,7 @@
     </p:spTree>
     <p:extLst>
       <p:ext uri="{BB962C8B-B14F-4D97-AF65-F5344CB8AC3E}">
-        <p14:creationId xmlns:p14="http://schemas.microsoft.com/office/powerpoint/2010/main" val="67050055"/>
+        <p14:creationId xmlns:p14="http://schemas.microsoft.com/office/powerpoint/2010/main" val="3788347871"/>
       </p:ext>
     </p:extLst>
   </p:cSld>
@@ -7016,7 +7718,7 @@
 </p:sld>
 </file>
 
-<file path=ppt/slides/slide2.xml><?xml version="1.0" encoding="utf-8"?>
+<file path=ppt/slides/slide15.xml><?xml version="1.0" encoding="utf-8"?>
 <p:sld xmlns:a="http://schemas.openxmlformats.org/drawingml/2006/main" xmlns:r="http://schemas.openxmlformats.org/officeDocument/2006/relationships" xmlns:p="http://schemas.openxmlformats.org/presentationml/2006/main">
   <p:cSld>
     <p:bg>
@@ -7041,12 +7743,1252 @@
           <a:chExt cx="0" cy="0"/>
         </a:xfrm>
       </p:grpSpPr>
-      <p:sp useBgFill="1">
-        <p:nvSpPr>
-          <p:cNvPr id="85" name="Rectangle 84">
+      <p:sp>
+        <p:nvSpPr>
+          <p:cNvPr id="9" name="Rectangle 8">
             <a:extLst>
               <a:ext uri="{FF2B5EF4-FFF2-40B4-BE49-F238E27FC236}">
-                <a16:creationId xmlns:a16="http://schemas.microsoft.com/office/drawing/2014/main" id="{EB8AA617-0537-4ED7-91B6-66511A647507}"/>
+                <a16:creationId xmlns:a16="http://schemas.microsoft.com/office/drawing/2014/main" id="{F754C990-9493-43C5-A08F-2B9A55F7DF0A}"/>
+              </a:ext>
+              <a:ext uri="{C183D7F6-B498-43B3-948B-1728B52AA6E4}">
+                <adec:decorative xmlns:adec="http://schemas.microsoft.com/office/drawing/2017/decorative" val="1"/>
+              </a:ext>
+            </a:extLst>
+          </p:cNvPr>
+          <p:cNvSpPr>
+            <a:spLocks noGrp="1" noRot="1" noChangeAspect="1" noMove="1" noResize="1" noEditPoints="1" noAdjustHandles="1" noChangeArrowheads="1" noChangeShapeType="1" noTextEdit="1"/>
+          </p:cNvSpPr>
+          <p:nvPr>
+            <p:extLst>
+              <p:ext uri="{386F3935-93C4-4BCD-93E2-E3B085C9AB24}">
+                <p16:designElem xmlns:p16="http://schemas.microsoft.com/office/powerpoint/2015/main" val="1"/>
+              </p:ext>
+            </p:extLst>
+          </p:nvPr>
+        </p:nvSpPr>
+        <p:spPr>
+          <a:xfrm>
+            <a:off x="0" y="0"/>
+            <a:ext cx="12192000" cy="6858000"/>
+          </a:xfrm>
+          <a:prstGeom prst="rect">
+            <a:avLst/>
+          </a:prstGeom>
+          <a:solidFill>
+            <a:schemeClr val="bg2"/>
+          </a:solidFill>
+          <a:ln>
+            <a:noFill/>
+          </a:ln>
+        </p:spPr>
+        <p:style>
+          <a:lnRef idx="2">
+            <a:schemeClr val="accent1">
+              <a:shade val="50000"/>
+            </a:schemeClr>
+          </a:lnRef>
+          <a:fillRef idx="1">
+            <a:schemeClr val="accent1"/>
+          </a:fillRef>
+          <a:effectRef idx="0">
+            <a:schemeClr val="accent1"/>
+          </a:effectRef>
+          <a:fontRef idx="minor">
+            <a:schemeClr val="lt1"/>
+          </a:fontRef>
+        </p:style>
+        <p:txBody>
+          <a:bodyPr rtlCol="0" anchor="ctr"/>
+          <a:lstStyle/>
+          <a:p>
+            <a:pPr algn="ctr"/>
+            <a:endParaRPr lang="en-US"/>
+          </a:p>
+        </p:txBody>
+      </p:sp>
+      <p:sp>
+        <p:nvSpPr>
+          <p:cNvPr id="11" name="Rectangle 10">
+            <a:extLst>
+              <a:ext uri="{FF2B5EF4-FFF2-40B4-BE49-F238E27FC236}">
+                <a16:creationId xmlns:a16="http://schemas.microsoft.com/office/drawing/2014/main" id="{B176A2F0-4868-448D-8624-668A960A0E45}"/>
+              </a:ext>
+              <a:ext uri="{C183D7F6-B498-43B3-948B-1728B52AA6E4}">
+                <adec:decorative xmlns:adec="http://schemas.microsoft.com/office/drawing/2017/decorative" val="1"/>
+              </a:ext>
+            </a:extLst>
+          </p:cNvPr>
+          <p:cNvSpPr>
+            <a:spLocks noGrp="1" noRot="1" noChangeAspect="1" noMove="1" noResize="1" noEditPoints="1" noAdjustHandles="1" noChangeArrowheads="1" noChangeShapeType="1" noTextEdit="1"/>
+          </p:cNvSpPr>
+          <p:nvPr>
+            <p:extLst>
+              <p:ext uri="{386F3935-93C4-4BCD-93E2-E3B085C9AB24}">
+                <p16:designElem xmlns:p16="http://schemas.microsoft.com/office/powerpoint/2015/main" val="1"/>
+              </p:ext>
+            </p:extLst>
+          </p:nvPr>
+        </p:nvSpPr>
+        <p:spPr>
+          <a:xfrm>
+            <a:off x="477012" y="480060"/>
+            <a:ext cx="11237976" cy="5897880"/>
+          </a:xfrm>
+          <a:prstGeom prst="rect">
+            <a:avLst/>
+          </a:prstGeom>
+          <a:solidFill>
+            <a:srgbClr val="FFFFFF"/>
+          </a:solidFill>
+          <a:ln w="31750" cap="sq">
+            <a:solidFill>
+              <a:srgbClr val="699EE6"/>
+            </a:solidFill>
+            <a:miter lim="800000"/>
+          </a:ln>
+        </p:spPr>
+        <p:style>
+          <a:lnRef idx="2">
+            <a:schemeClr val="accent1">
+              <a:shade val="50000"/>
+            </a:schemeClr>
+          </a:lnRef>
+          <a:fillRef idx="1">
+            <a:schemeClr val="accent1"/>
+          </a:fillRef>
+          <a:effectRef idx="0">
+            <a:schemeClr val="accent1"/>
+          </a:effectRef>
+          <a:fontRef idx="minor">
+            <a:schemeClr val="lt1"/>
+          </a:fontRef>
+        </p:style>
+        <p:txBody>
+          <a:bodyPr rtlCol="0" anchor="ctr"/>
+          <a:lstStyle/>
+          <a:p>
+            <a:pPr algn="ctr"/>
+            <a:endParaRPr lang="en-US"/>
+          </a:p>
+        </p:txBody>
+      </p:sp>
+      <p:sp>
+        <p:nvSpPr>
+          <p:cNvPr id="15" name="TextBox 14">
+            <a:extLst>
+              <a:ext uri="{FF2B5EF4-FFF2-40B4-BE49-F238E27FC236}">
+                <a16:creationId xmlns:a16="http://schemas.microsoft.com/office/drawing/2014/main" id="{B81C7649-A45A-4B8B-99DD-2DDBCDB5FF09}"/>
+              </a:ext>
+            </a:extLst>
+          </p:cNvPr>
+          <p:cNvSpPr txBox="1"/>
+          <p:nvPr/>
+        </p:nvSpPr>
+        <p:spPr>
+          <a:xfrm>
+            <a:off x="1128274" y="635671"/>
+            <a:ext cx="8947881" cy="1831784"/>
+          </a:xfrm>
+          <a:prstGeom prst="rect">
+            <a:avLst/>
+          </a:prstGeom>
+          <a:noFill/>
+        </p:spPr>
+        <p:txBody>
+          <a:bodyPr wrap="square">
+            <a:spAutoFit/>
+          </a:bodyPr>
+          <a:lstStyle/>
+          <a:p>
+            <a:pPr>
+              <a:lnSpc>
+                <a:spcPct val="150000"/>
+              </a:lnSpc>
+              <a:spcAft>
+                <a:spcPts val="800"/>
+              </a:spcAft>
+              <a:tabLst>
+                <a:tab pos="581660" algn="l"/>
+                <a:tab pos="1163320" algn="l"/>
+                <a:tab pos="1744980" algn="l"/>
+                <a:tab pos="2326640" algn="l"/>
+                <a:tab pos="2908300" algn="l"/>
+                <a:tab pos="3489960" algn="l"/>
+                <a:tab pos="4071620" algn="l"/>
+                <a:tab pos="4653280" algn="l"/>
+                <a:tab pos="5234940" algn="l"/>
+                <a:tab pos="5816600" algn="l"/>
+                <a:tab pos="6398260" algn="l"/>
+                <a:tab pos="6979920" algn="l"/>
+                <a:tab pos="7561580" algn="l"/>
+                <a:tab pos="8143240" algn="l"/>
+                <a:tab pos="8724900" algn="l"/>
+                <a:tab pos="9306560" algn="l"/>
+              </a:tabLst>
+            </a:pPr>
+            <a:r>
+              <a:rPr lang="ru-RU" sz="1600" b="1" dirty="0">
+                <a:solidFill>
+                  <a:srgbClr val="000080"/>
+                </a:solidFill>
+                <a:latin typeface="Arial" panose="020B0604020202020204" pitchFamily="34" charset="0"/>
+                <a:ea typeface="Times New Roman" panose="02020603050405020304" pitchFamily="18" charset="0"/>
+                <a:cs typeface="Arial" panose="020B0604020202020204" pitchFamily="34" charset="0"/>
+              </a:rPr>
+              <a:t>Дано число n, n  100 . Создайте массив </a:t>
+            </a:r>
+            <a:r>
+              <a:rPr lang="ru-RU" sz="1600" b="1" dirty="0" err="1">
+                <a:solidFill>
+                  <a:srgbClr val="000080"/>
+                </a:solidFill>
+                <a:latin typeface="Arial" panose="020B0604020202020204" pitchFamily="34" charset="0"/>
+                <a:ea typeface="Times New Roman" panose="02020603050405020304" pitchFamily="18" charset="0"/>
+                <a:cs typeface="Arial" panose="020B0604020202020204" pitchFamily="34" charset="0"/>
+              </a:rPr>
+              <a:t>n×n</a:t>
+            </a:r>
+            <a:r>
+              <a:rPr lang="ru-RU" sz="1600" b="1" dirty="0">
+                <a:solidFill>
+                  <a:srgbClr val="000080"/>
+                </a:solidFill>
+                <a:latin typeface="Arial" panose="020B0604020202020204" pitchFamily="34" charset="0"/>
+                <a:ea typeface="Times New Roman" panose="02020603050405020304" pitchFamily="18" charset="0"/>
+                <a:cs typeface="Arial" panose="020B0604020202020204" pitchFamily="34" charset="0"/>
+              </a:rPr>
+              <a:t> и заполните его по следующему правилу:</a:t>
+            </a:r>
+          </a:p>
+          <a:p>
+            <a:pPr>
+              <a:lnSpc>
+                <a:spcPct val="150000"/>
+              </a:lnSpc>
+              <a:spcAft>
+                <a:spcPts val="800"/>
+              </a:spcAft>
+              <a:tabLst>
+                <a:tab pos="581660" algn="l"/>
+                <a:tab pos="1163320" algn="l"/>
+                <a:tab pos="1744980" algn="l"/>
+                <a:tab pos="2326640" algn="l"/>
+                <a:tab pos="2908300" algn="l"/>
+                <a:tab pos="3489960" algn="l"/>
+                <a:tab pos="4071620" algn="l"/>
+                <a:tab pos="4653280" algn="l"/>
+                <a:tab pos="5234940" algn="l"/>
+                <a:tab pos="5816600" algn="l"/>
+                <a:tab pos="6398260" algn="l"/>
+                <a:tab pos="6979920" algn="l"/>
+                <a:tab pos="7561580" algn="l"/>
+                <a:tab pos="8143240" algn="l"/>
+                <a:tab pos="8724900" algn="l"/>
+                <a:tab pos="9306560" algn="l"/>
+              </a:tabLst>
+            </a:pPr>
+            <a:r>
+              <a:rPr lang="ru-RU" sz="1600" b="1" dirty="0">
+                <a:solidFill>
+                  <a:srgbClr val="000080"/>
+                </a:solidFill>
+                <a:latin typeface="Arial" panose="020B0604020202020204" pitchFamily="34" charset="0"/>
+                <a:ea typeface="Times New Roman" panose="02020603050405020304" pitchFamily="18" charset="0"/>
+                <a:cs typeface="Arial" panose="020B0604020202020204" pitchFamily="34" charset="0"/>
+              </a:rPr>
+              <a:t>- числа на диагонали, идущей из правого верхнего в левый нижний угол, равны 1;</a:t>
+            </a:r>
+          </a:p>
+          <a:p>
+            <a:pPr>
+              <a:lnSpc>
+                <a:spcPct val="150000"/>
+              </a:lnSpc>
+              <a:spcAft>
+                <a:spcPts val="800"/>
+              </a:spcAft>
+              <a:tabLst>
+                <a:tab pos="581660" algn="l"/>
+                <a:tab pos="1163320" algn="l"/>
+                <a:tab pos="1744980" algn="l"/>
+                <a:tab pos="2326640" algn="l"/>
+                <a:tab pos="2908300" algn="l"/>
+                <a:tab pos="3489960" algn="l"/>
+                <a:tab pos="4071620" algn="l"/>
+                <a:tab pos="4653280" algn="l"/>
+                <a:tab pos="5234940" algn="l"/>
+                <a:tab pos="5816600" algn="l"/>
+                <a:tab pos="6398260" algn="l"/>
+                <a:tab pos="6979920" algn="l"/>
+                <a:tab pos="7561580" algn="l"/>
+                <a:tab pos="8143240" algn="l"/>
+                <a:tab pos="8724900" algn="l"/>
+                <a:tab pos="9306560" algn="l"/>
+              </a:tabLst>
+            </a:pPr>
+            <a:r>
+              <a:rPr lang="ru-RU" sz="1600" b="1" dirty="0">
+                <a:solidFill>
+                  <a:srgbClr val="000080"/>
+                </a:solidFill>
+                <a:latin typeface="Arial" panose="020B0604020202020204" pitchFamily="34" charset="0"/>
+                <a:ea typeface="Times New Roman" panose="02020603050405020304" pitchFamily="18" charset="0"/>
+                <a:cs typeface="Arial" panose="020B0604020202020204" pitchFamily="34" charset="0"/>
+              </a:rPr>
+              <a:t>- числа, стоящие выше этой диагонали, равны 0;</a:t>
+            </a:r>
+          </a:p>
+          <a:p>
+            <a:pPr>
+              <a:lnSpc>
+                <a:spcPct val="150000"/>
+              </a:lnSpc>
+              <a:spcAft>
+                <a:spcPts val="800"/>
+              </a:spcAft>
+              <a:tabLst>
+                <a:tab pos="581660" algn="l"/>
+                <a:tab pos="1163320" algn="l"/>
+                <a:tab pos="1744980" algn="l"/>
+                <a:tab pos="2326640" algn="l"/>
+                <a:tab pos="2908300" algn="l"/>
+                <a:tab pos="3489960" algn="l"/>
+                <a:tab pos="4071620" algn="l"/>
+                <a:tab pos="4653280" algn="l"/>
+                <a:tab pos="5234940" algn="l"/>
+                <a:tab pos="5816600" algn="l"/>
+                <a:tab pos="6398260" algn="l"/>
+                <a:tab pos="6979920" algn="l"/>
+                <a:tab pos="7561580" algn="l"/>
+                <a:tab pos="8143240" algn="l"/>
+                <a:tab pos="8724900" algn="l"/>
+                <a:tab pos="9306560" algn="l"/>
+              </a:tabLst>
+            </a:pPr>
+            <a:r>
+              <a:rPr lang="ru-RU" sz="1600" b="1" dirty="0">
+                <a:solidFill>
+                  <a:srgbClr val="000080"/>
+                </a:solidFill>
+                <a:latin typeface="Arial" panose="020B0604020202020204" pitchFamily="34" charset="0"/>
+                <a:ea typeface="Times New Roman" panose="02020603050405020304" pitchFamily="18" charset="0"/>
+                <a:cs typeface="Arial" panose="020B0604020202020204" pitchFamily="34" charset="0"/>
+              </a:rPr>
+              <a:t>- числа, стоящие ниже этой диагонали, равны 2.</a:t>
+            </a:r>
+            <a:endParaRPr lang="ru-RU" sz="1600" dirty="0">
+              <a:effectLst/>
+              <a:latin typeface="Arial" panose="020B0604020202020204" pitchFamily="34" charset="0"/>
+              <a:ea typeface="Calibri" panose="020F0502020204030204" pitchFamily="34" charset="0"/>
+              <a:cs typeface="Arial" panose="020B0604020202020204" pitchFamily="34" charset="0"/>
+            </a:endParaRPr>
+          </a:p>
+        </p:txBody>
+      </p:sp>
+      <p:pic>
+        <p:nvPicPr>
+          <p:cNvPr id="7" name="Picture 4" descr="Диагональ">
+            <a:extLst>
+              <a:ext uri="{FF2B5EF4-FFF2-40B4-BE49-F238E27FC236}">
+                <a16:creationId xmlns:a16="http://schemas.microsoft.com/office/drawing/2014/main" id="{1FAAE966-BDF2-4845-9D5C-DA68DAEC6420}"/>
+              </a:ext>
+            </a:extLst>
+          </p:cNvPr>
+          <p:cNvPicPr>
+            <a:picLocks noChangeAspect="1" noChangeArrowheads="1"/>
+          </p:cNvPicPr>
+          <p:nvPr/>
+        </p:nvPicPr>
+        <p:blipFill>
+          <a:blip r:embed="rId2">
+            <a:extLst>
+              <a:ext uri="{28A0092B-C50C-407E-A947-70E740481C1C}">
+                <a14:useLocalDpi xmlns:a14="http://schemas.microsoft.com/office/drawing/2010/main" val="0"/>
+              </a:ext>
+            </a:extLst>
+          </a:blip>
+          <a:stretch>
+            <a:fillRect/>
+          </a:stretch>
+        </p:blipFill>
+        <p:spPr bwMode="auto">
+          <a:xfrm>
+            <a:off x="1115980" y="3271395"/>
+            <a:ext cx="4789994" cy="2441957"/>
+          </a:xfrm>
+          <a:prstGeom prst="rect">
+            <a:avLst/>
+          </a:prstGeom>
+          <a:noFill/>
+          <a:extLst>
+            <a:ext uri="{909E8E84-426E-40DD-AFC4-6F175D3DCCD1}">
+              <a14:hiddenFill xmlns:a14="http://schemas.microsoft.com/office/drawing/2010/main">
+                <a:solidFill>
+                  <a:srgbClr val="FFFFFF"/>
+                </a:solidFill>
+              </a14:hiddenFill>
+            </a:ext>
+          </a:extLst>
+        </p:spPr>
+      </p:pic>
+      <p:sp>
+        <p:nvSpPr>
+          <p:cNvPr id="8" name="TextBox 7">
+            <a:extLst>
+              <a:ext uri="{FF2B5EF4-FFF2-40B4-BE49-F238E27FC236}">
+                <a16:creationId xmlns:a16="http://schemas.microsoft.com/office/drawing/2014/main" id="{87DAACD4-F877-42C6-9F4F-CA7AC8C9725A}"/>
+              </a:ext>
+            </a:extLst>
+          </p:cNvPr>
+          <p:cNvSpPr txBox="1"/>
+          <p:nvPr/>
+        </p:nvSpPr>
+        <p:spPr>
+          <a:xfrm>
+            <a:off x="6392921" y="2955035"/>
+            <a:ext cx="5560573" cy="2441957"/>
+          </a:xfrm>
+          <a:prstGeom prst="rect">
+            <a:avLst/>
+          </a:prstGeom>
+        </p:spPr>
+        <p:txBody>
+          <a:bodyPr vert="horz" lIns="91440" tIns="45720" rIns="91440" bIns="45720" rtlCol="0" anchor="ctr">
+            <a:noAutofit/>
+          </a:bodyPr>
+          <a:lstStyle/>
+          <a:p>
+            <a:pPr indent="-182880" defTabSz="914400">
+              <a:lnSpc>
+                <a:spcPct val="120000"/>
+              </a:lnSpc>
+              <a:spcAft>
+                <a:spcPts val="600"/>
+              </a:spcAft>
+              <a:buClr>
+                <a:schemeClr val="accent1"/>
+              </a:buClr>
+              <a:buFont typeface="Wingdings 2" pitchFamily="18" charset="2"/>
+              <a:buChar char=""/>
+            </a:pPr>
+            <a:r>
+              <a:rPr lang="en-US" b="0" i="0" dirty="0" err="1">
+                <a:solidFill>
+                  <a:schemeClr val="tx1">
+                    <a:lumMod val="95000"/>
+                    <a:lumOff val="5000"/>
+                  </a:schemeClr>
+                </a:solidFill>
+                <a:effectLst/>
+              </a:rPr>
+              <a:t>элементы</a:t>
+            </a:r>
+            <a:r>
+              <a:rPr lang="en-US" b="0" i="0" dirty="0">
+                <a:solidFill>
+                  <a:schemeClr val="tx1">
+                    <a:lumMod val="95000"/>
+                    <a:lumOff val="5000"/>
+                  </a:schemeClr>
+                </a:solidFill>
+                <a:effectLst/>
+              </a:rPr>
+              <a:t> </a:t>
+            </a:r>
+            <a:r>
+              <a:rPr lang="en-US" b="0" i="0" dirty="0" err="1">
+                <a:solidFill>
+                  <a:schemeClr val="tx1">
+                    <a:lumMod val="95000"/>
+                    <a:lumOff val="5000"/>
+                  </a:schemeClr>
+                </a:solidFill>
+                <a:effectLst/>
+              </a:rPr>
+              <a:t>главной</a:t>
+            </a:r>
+            <a:r>
+              <a:rPr lang="en-US" b="0" i="0" dirty="0">
+                <a:solidFill>
+                  <a:schemeClr val="tx1">
+                    <a:lumMod val="95000"/>
+                    <a:lumOff val="5000"/>
+                  </a:schemeClr>
+                </a:solidFill>
+                <a:effectLst/>
+              </a:rPr>
+              <a:t> </a:t>
+            </a:r>
+            <a:r>
+              <a:rPr lang="en-US" b="0" i="0" dirty="0" err="1">
+                <a:solidFill>
+                  <a:schemeClr val="tx1">
+                    <a:lumMod val="95000"/>
+                    <a:lumOff val="5000"/>
+                  </a:schemeClr>
+                </a:solidFill>
+                <a:effectLst/>
+              </a:rPr>
+              <a:t>диагонали</a:t>
+            </a:r>
+            <a:r>
+              <a:rPr lang="en-US" b="0" i="0" dirty="0">
+                <a:solidFill>
+                  <a:schemeClr val="tx1">
+                    <a:lumMod val="95000"/>
+                    <a:lumOff val="5000"/>
+                  </a:schemeClr>
+                </a:solidFill>
+                <a:effectLst/>
+              </a:rPr>
+              <a:t> (</a:t>
+            </a:r>
+            <a:r>
+              <a:rPr lang="en-US" b="0" i="0" dirty="0" err="1">
+                <a:solidFill>
+                  <a:schemeClr val="tx1">
+                    <a:lumMod val="95000"/>
+                    <a:lumOff val="5000"/>
+                  </a:schemeClr>
+                </a:solidFill>
+                <a:effectLst/>
+              </a:rPr>
+              <a:t>i</a:t>
+            </a:r>
+            <a:r>
+              <a:rPr lang="en-US" b="0" i="0" dirty="0">
+                <a:solidFill>
+                  <a:schemeClr val="tx1">
+                    <a:lumMod val="95000"/>
+                    <a:lumOff val="5000"/>
+                  </a:schemeClr>
+                </a:solidFill>
+                <a:effectLst/>
+              </a:rPr>
+              <a:t>=j);</a:t>
+            </a:r>
+          </a:p>
+          <a:p>
+            <a:pPr indent="-182880" defTabSz="914400">
+              <a:lnSpc>
+                <a:spcPct val="120000"/>
+              </a:lnSpc>
+              <a:spcAft>
+                <a:spcPts val="600"/>
+              </a:spcAft>
+              <a:buClr>
+                <a:schemeClr val="accent1"/>
+              </a:buClr>
+              <a:buFont typeface="Wingdings 2" pitchFamily="18" charset="2"/>
+              <a:buChar char=""/>
+            </a:pPr>
+            <a:r>
+              <a:rPr lang="en-US" b="0" i="0" dirty="0" err="1">
+                <a:solidFill>
+                  <a:schemeClr val="tx1">
+                    <a:lumMod val="95000"/>
+                    <a:lumOff val="5000"/>
+                  </a:schemeClr>
+                </a:solidFill>
+                <a:effectLst/>
+              </a:rPr>
+              <a:t>элементы</a:t>
+            </a:r>
+            <a:r>
+              <a:rPr lang="en-US" b="0" i="0" dirty="0">
+                <a:solidFill>
+                  <a:schemeClr val="tx1">
+                    <a:lumMod val="95000"/>
+                    <a:lumOff val="5000"/>
+                  </a:schemeClr>
+                </a:solidFill>
+                <a:effectLst/>
+              </a:rPr>
+              <a:t> </a:t>
+            </a:r>
+            <a:r>
+              <a:rPr lang="en-US" b="0" i="0" dirty="0" err="1">
+                <a:solidFill>
+                  <a:schemeClr val="tx1">
+                    <a:lumMod val="95000"/>
+                    <a:lumOff val="5000"/>
+                  </a:schemeClr>
+                </a:solidFill>
+                <a:effectLst/>
+              </a:rPr>
+              <a:t>побочной</a:t>
+            </a:r>
+            <a:r>
+              <a:rPr lang="en-US" b="0" i="0" dirty="0">
+                <a:solidFill>
+                  <a:schemeClr val="tx1">
+                    <a:lumMod val="95000"/>
+                    <a:lumOff val="5000"/>
+                  </a:schemeClr>
+                </a:solidFill>
+                <a:effectLst/>
+              </a:rPr>
+              <a:t> </a:t>
+            </a:r>
+            <a:r>
+              <a:rPr lang="en-US" b="0" i="0" dirty="0" err="1">
+                <a:solidFill>
+                  <a:schemeClr val="tx1">
+                    <a:lumMod val="95000"/>
+                    <a:lumOff val="5000"/>
+                  </a:schemeClr>
+                </a:solidFill>
+                <a:effectLst/>
+              </a:rPr>
+              <a:t>диагонали</a:t>
+            </a:r>
+            <a:r>
+              <a:rPr lang="en-US" b="0" i="0" dirty="0">
+                <a:solidFill>
+                  <a:schemeClr val="tx1">
+                    <a:lumMod val="95000"/>
+                    <a:lumOff val="5000"/>
+                  </a:schemeClr>
+                </a:solidFill>
+                <a:effectLst/>
+              </a:rPr>
+              <a:t> (</a:t>
+            </a:r>
+            <a:r>
+              <a:rPr lang="en-US" b="0" i="0" dirty="0" err="1">
+                <a:solidFill>
+                  <a:schemeClr val="tx1">
+                    <a:lumMod val="95000"/>
+                    <a:lumOff val="5000"/>
+                  </a:schemeClr>
+                </a:solidFill>
+                <a:effectLst/>
+              </a:rPr>
+              <a:t>i+j</a:t>
+            </a:r>
+            <a:r>
+              <a:rPr lang="en-US" b="0" i="0" dirty="0">
+                <a:solidFill>
+                  <a:schemeClr val="tx1">
+                    <a:lumMod val="95000"/>
+                    <a:lumOff val="5000"/>
+                  </a:schemeClr>
+                </a:solidFill>
+                <a:effectLst/>
+              </a:rPr>
+              <a:t>=n−1</a:t>
+            </a:r>
+            <a:r>
+              <a:rPr lang="ru-RU" b="0" i="0" dirty="0">
+                <a:solidFill>
+                  <a:schemeClr val="tx1">
+                    <a:lumMod val="95000"/>
+                    <a:lumOff val="5000"/>
+                  </a:schemeClr>
+                </a:solidFill>
+                <a:effectLst/>
+              </a:rPr>
+              <a:t>)</a:t>
+            </a:r>
+            <a:r>
+              <a:rPr lang="en-US" b="0" i="0" dirty="0">
+                <a:solidFill>
+                  <a:schemeClr val="tx1">
+                    <a:lumMod val="95000"/>
+                    <a:lumOff val="5000"/>
+                  </a:schemeClr>
+                </a:solidFill>
+                <a:effectLst/>
+              </a:rPr>
+              <a:t>;</a:t>
+            </a:r>
+          </a:p>
+          <a:p>
+            <a:pPr indent="-182880" defTabSz="914400">
+              <a:lnSpc>
+                <a:spcPct val="120000"/>
+              </a:lnSpc>
+              <a:spcAft>
+                <a:spcPts val="600"/>
+              </a:spcAft>
+              <a:buClr>
+                <a:schemeClr val="accent1"/>
+              </a:buClr>
+              <a:buFont typeface="Wingdings 2" pitchFamily="18" charset="2"/>
+              <a:buChar char=""/>
+            </a:pPr>
+            <a:r>
+              <a:rPr lang="en-US" b="0" i="0" dirty="0" err="1">
+                <a:solidFill>
+                  <a:schemeClr val="tx1">
+                    <a:lumMod val="95000"/>
+                    <a:lumOff val="5000"/>
+                  </a:schemeClr>
+                </a:solidFill>
+                <a:effectLst/>
+              </a:rPr>
+              <a:t>элементы</a:t>
+            </a:r>
+            <a:r>
+              <a:rPr lang="en-US" b="0" i="0" dirty="0">
+                <a:solidFill>
+                  <a:schemeClr val="tx1">
+                    <a:lumMod val="95000"/>
+                    <a:lumOff val="5000"/>
+                  </a:schemeClr>
+                </a:solidFill>
+                <a:effectLst/>
+              </a:rPr>
+              <a:t> </a:t>
+            </a:r>
+            <a:r>
+              <a:rPr lang="en-US" b="0" i="0" dirty="0" err="1">
+                <a:solidFill>
+                  <a:schemeClr val="tx1">
+                    <a:lumMod val="95000"/>
+                    <a:lumOff val="5000"/>
+                  </a:schemeClr>
+                </a:solidFill>
+                <a:effectLst/>
+              </a:rPr>
+              <a:t>ниже</a:t>
+            </a:r>
+            <a:r>
+              <a:rPr lang="en-US" b="0" i="0" dirty="0">
+                <a:solidFill>
+                  <a:schemeClr val="tx1">
+                    <a:lumMod val="95000"/>
+                    <a:lumOff val="5000"/>
+                  </a:schemeClr>
+                </a:solidFill>
+                <a:effectLst/>
+              </a:rPr>
+              <a:t> </a:t>
+            </a:r>
+            <a:r>
+              <a:rPr lang="en-US" b="0" i="0" dirty="0" err="1">
+                <a:solidFill>
+                  <a:schemeClr val="tx1">
+                    <a:lumMod val="95000"/>
+                    <a:lumOff val="5000"/>
+                  </a:schemeClr>
+                </a:solidFill>
+                <a:effectLst/>
+              </a:rPr>
+              <a:t>главной</a:t>
+            </a:r>
+            <a:r>
+              <a:rPr lang="en-US" b="0" i="0" dirty="0">
+                <a:solidFill>
+                  <a:schemeClr val="tx1">
+                    <a:lumMod val="95000"/>
+                    <a:lumOff val="5000"/>
+                  </a:schemeClr>
+                </a:solidFill>
+                <a:effectLst/>
+              </a:rPr>
+              <a:t> </a:t>
+            </a:r>
+            <a:r>
+              <a:rPr lang="en-US" b="0" i="0" dirty="0" err="1">
+                <a:solidFill>
+                  <a:schemeClr val="tx1">
+                    <a:lumMod val="95000"/>
+                    <a:lumOff val="5000"/>
+                  </a:schemeClr>
+                </a:solidFill>
+                <a:effectLst/>
+              </a:rPr>
+              <a:t>диагонали</a:t>
+            </a:r>
+            <a:r>
+              <a:rPr lang="en-US" b="0" i="0" dirty="0">
+                <a:solidFill>
+                  <a:schemeClr val="tx1">
+                    <a:lumMod val="95000"/>
+                    <a:lumOff val="5000"/>
+                  </a:schemeClr>
+                </a:solidFill>
+                <a:effectLst/>
+              </a:rPr>
+              <a:t> (</a:t>
+            </a:r>
+            <a:r>
+              <a:rPr lang="en-US" b="0" i="0" dirty="0" err="1">
+                <a:solidFill>
+                  <a:schemeClr val="tx1">
+                    <a:lumMod val="95000"/>
+                    <a:lumOff val="5000"/>
+                  </a:schemeClr>
+                </a:solidFill>
+                <a:effectLst/>
+              </a:rPr>
+              <a:t>i</a:t>
+            </a:r>
+            <a:r>
+              <a:rPr lang="en-US" b="0" i="0" dirty="0">
+                <a:solidFill>
+                  <a:schemeClr val="tx1">
+                    <a:lumMod val="95000"/>
+                    <a:lumOff val="5000"/>
+                  </a:schemeClr>
+                </a:solidFill>
+                <a:effectLst/>
+              </a:rPr>
+              <a:t>&gt;j);</a:t>
+            </a:r>
+          </a:p>
+          <a:p>
+            <a:pPr indent="-182880" defTabSz="914400">
+              <a:lnSpc>
+                <a:spcPct val="120000"/>
+              </a:lnSpc>
+              <a:spcAft>
+                <a:spcPts val="600"/>
+              </a:spcAft>
+              <a:buClr>
+                <a:schemeClr val="accent1"/>
+              </a:buClr>
+              <a:buFont typeface="Wingdings 2" pitchFamily="18" charset="2"/>
+              <a:buChar char=""/>
+            </a:pPr>
+            <a:r>
+              <a:rPr lang="en-US" b="0" i="0" dirty="0" err="1">
+                <a:solidFill>
+                  <a:schemeClr val="tx1">
+                    <a:lumMod val="95000"/>
+                    <a:lumOff val="5000"/>
+                  </a:schemeClr>
+                </a:solidFill>
+                <a:effectLst/>
+              </a:rPr>
+              <a:t>элементы</a:t>
+            </a:r>
+            <a:r>
+              <a:rPr lang="en-US" b="0" i="0" dirty="0">
+                <a:solidFill>
+                  <a:schemeClr val="tx1">
+                    <a:lumMod val="95000"/>
+                    <a:lumOff val="5000"/>
+                  </a:schemeClr>
+                </a:solidFill>
+                <a:effectLst/>
+              </a:rPr>
+              <a:t> </a:t>
+            </a:r>
+            <a:r>
+              <a:rPr lang="en-US" b="0" i="0" dirty="0" err="1">
+                <a:solidFill>
+                  <a:schemeClr val="tx1">
+                    <a:lumMod val="95000"/>
+                    <a:lumOff val="5000"/>
+                  </a:schemeClr>
+                </a:solidFill>
+                <a:effectLst/>
+              </a:rPr>
+              <a:t>выше</a:t>
+            </a:r>
+            <a:r>
+              <a:rPr lang="en-US" b="0" i="0" dirty="0">
+                <a:solidFill>
+                  <a:schemeClr val="tx1">
+                    <a:lumMod val="95000"/>
+                    <a:lumOff val="5000"/>
+                  </a:schemeClr>
+                </a:solidFill>
+                <a:effectLst/>
+              </a:rPr>
+              <a:t> </a:t>
+            </a:r>
+            <a:r>
+              <a:rPr lang="en-US" b="0" i="0" dirty="0" err="1">
+                <a:solidFill>
+                  <a:schemeClr val="tx1">
+                    <a:lumMod val="95000"/>
+                    <a:lumOff val="5000"/>
+                  </a:schemeClr>
+                </a:solidFill>
+                <a:effectLst/>
+              </a:rPr>
+              <a:t>главной</a:t>
+            </a:r>
+            <a:r>
+              <a:rPr lang="en-US" b="0" i="0" dirty="0">
+                <a:solidFill>
+                  <a:schemeClr val="tx1">
+                    <a:lumMod val="95000"/>
+                    <a:lumOff val="5000"/>
+                  </a:schemeClr>
+                </a:solidFill>
+                <a:effectLst/>
+              </a:rPr>
+              <a:t> </a:t>
+            </a:r>
+            <a:r>
+              <a:rPr lang="en-US" b="0" i="0" dirty="0" err="1">
+                <a:solidFill>
+                  <a:schemeClr val="tx1">
+                    <a:lumMod val="95000"/>
+                    <a:lumOff val="5000"/>
+                  </a:schemeClr>
+                </a:solidFill>
+                <a:effectLst/>
+              </a:rPr>
+              <a:t>диагонали</a:t>
+            </a:r>
+            <a:r>
+              <a:rPr lang="en-US" b="0" i="0" dirty="0">
+                <a:solidFill>
+                  <a:schemeClr val="tx1">
+                    <a:lumMod val="95000"/>
+                    <a:lumOff val="5000"/>
+                  </a:schemeClr>
+                </a:solidFill>
+                <a:effectLst/>
+              </a:rPr>
+              <a:t> (</a:t>
+            </a:r>
+            <a:r>
+              <a:rPr lang="en-US" b="0" i="0" dirty="0" err="1">
+                <a:solidFill>
+                  <a:schemeClr val="tx1">
+                    <a:lumMod val="95000"/>
+                    <a:lumOff val="5000"/>
+                  </a:schemeClr>
+                </a:solidFill>
+                <a:effectLst/>
+              </a:rPr>
+              <a:t>i</a:t>
+            </a:r>
+            <a:r>
+              <a:rPr lang="en-US" b="0" i="0" dirty="0">
+                <a:solidFill>
+                  <a:schemeClr val="tx1">
+                    <a:lumMod val="95000"/>
+                    <a:lumOff val="5000"/>
+                  </a:schemeClr>
+                </a:solidFill>
+                <a:effectLst/>
+              </a:rPr>
+              <a:t>&lt;j);</a:t>
+            </a:r>
+          </a:p>
+          <a:p>
+            <a:pPr indent="-182880" defTabSz="914400">
+              <a:lnSpc>
+                <a:spcPct val="120000"/>
+              </a:lnSpc>
+              <a:spcAft>
+                <a:spcPts val="600"/>
+              </a:spcAft>
+              <a:buClr>
+                <a:schemeClr val="accent1"/>
+              </a:buClr>
+              <a:buFont typeface="Wingdings 2" pitchFamily="18" charset="2"/>
+              <a:buChar char=""/>
+            </a:pPr>
+            <a:r>
+              <a:rPr lang="en-US" b="0" i="0" dirty="0" err="1">
+                <a:solidFill>
+                  <a:schemeClr val="tx1">
+                    <a:lumMod val="95000"/>
+                    <a:lumOff val="5000"/>
+                  </a:schemeClr>
+                </a:solidFill>
+                <a:effectLst/>
+              </a:rPr>
+              <a:t>элементы</a:t>
+            </a:r>
+            <a:r>
+              <a:rPr lang="en-US" b="0" i="0" dirty="0">
+                <a:solidFill>
+                  <a:schemeClr val="tx1">
+                    <a:lumMod val="95000"/>
+                    <a:lumOff val="5000"/>
+                  </a:schemeClr>
+                </a:solidFill>
+                <a:effectLst/>
+              </a:rPr>
+              <a:t> </a:t>
+            </a:r>
+            <a:r>
+              <a:rPr lang="en-US" b="0" i="0" dirty="0" err="1">
+                <a:solidFill>
+                  <a:schemeClr val="tx1">
+                    <a:lumMod val="95000"/>
+                    <a:lumOff val="5000"/>
+                  </a:schemeClr>
+                </a:solidFill>
+                <a:effectLst/>
+              </a:rPr>
+              <a:t>ниже</a:t>
+            </a:r>
+            <a:r>
+              <a:rPr lang="en-US" b="0" i="0" dirty="0">
+                <a:solidFill>
+                  <a:schemeClr val="tx1">
+                    <a:lumMod val="95000"/>
+                    <a:lumOff val="5000"/>
+                  </a:schemeClr>
+                </a:solidFill>
+                <a:effectLst/>
+              </a:rPr>
+              <a:t> </a:t>
+            </a:r>
+            <a:r>
+              <a:rPr lang="en-US" b="0" i="0" dirty="0" err="1">
+                <a:solidFill>
+                  <a:schemeClr val="tx1">
+                    <a:lumMod val="95000"/>
+                    <a:lumOff val="5000"/>
+                  </a:schemeClr>
+                </a:solidFill>
+                <a:effectLst/>
+              </a:rPr>
+              <a:t>побочной</a:t>
+            </a:r>
+            <a:r>
+              <a:rPr lang="en-US" b="0" i="0" dirty="0">
+                <a:solidFill>
+                  <a:schemeClr val="tx1">
+                    <a:lumMod val="95000"/>
+                    <a:lumOff val="5000"/>
+                  </a:schemeClr>
+                </a:solidFill>
+                <a:effectLst/>
+              </a:rPr>
+              <a:t> </a:t>
+            </a:r>
+            <a:r>
+              <a:rPr lang="en-US" b="0" i="0" dirty="0" err="1">
+                <a:solidFill>
+                  <a:schemeClr val="tx1">
+                    <a:lumMod val="95000"/>
+                    <a:lumOff val="5000"/>
+                  </a:schemeClr>
+                </a:solidFill>
+                <a:effectLst/>
+              </a:rPr>
+              <a:t>диагонали</a:t>
+            </a:r>
+            <a:r>
+              <a:rPr lang="en-US" b="0" i="0" dirty="0">
+                <a:solidFill>
+                  <a:schemeClr val="tx1">
+                    <a:lumMod val="95000"/>
+                    <a:lumOff val="5000"/>
+                  </a:schemeClr>
+                </a:solidFill>
+                <a:effectLst/>
+              </a:rPr>
+              <a:t> (</a:t>
+            </a:r>
+            <a:r>
+              <a:rPr lang="en-US" b="0" i="0" dirty="0" err="1">
+                <a:solidFill>
+                  <a:schemeClr val="tx1">
+                    <a:lumMod val="95000"/>
+                    <a:lumOff val="5000"/>
+                  </a:schemeClr>
+                </a:solidFill>
+                <a:effectLst/>
+              </a:rPr>
+              <a:t>i+j</a:t>
+            </a:r>
+            <a:r>
+              <a:rPr lang="en-US" b="0" i="0" dirty="0">
+                <a:solidFill>
+                  <a:schemeClr val="tx1">
+                    <a:lumMod val="95000"/>
+                    <a:lumOff val="5000"/>
+                  </a:schemeClr>
+                </a:solidFill>
+                <a:effectLst/>
+              </a:rPr>
+              <a:t>&gt;n−1);</a:t>
+            </a:r>
+          </a:p>
+          <a:p>
+            <a:pPr indent="-182880" defTabSz="914400">
+              <a:lnSpc>
+                <a:spcPct val="120000"/>
+              </a:lnSpc>
+              <a:spcAft>
+                <a:spcPts val="600"/>
+              </a:spcAft>
+              <a:buClr>
+                <a:schemeClr val="accent1"/>
+              </a:buClr>
+              <a:buFont typeface="Wingdings 2" pitchFamily="18" charset="2"/>
+              <a:buChar char=""/>
+            </a:pPr>
+            <a:r>
+              <a:rPr lang="en-US" b="0" i="0" dirty="0" err="1">
+                <a:solidFill>
+                  <a:schemeClr val="tx1">
+                    <a:lumMod val="95000"/>
+                    <a:lumOff val="5000"/>
+                  </a:schemeClr>
+                </a:solidFill>
+                <a:effectLst/>
+              </a:rPr>
+              <a:t>элементы</a:t>
+            </a:r>
+            <a:r>
+              <a:rPr lang="en-US" b="0" i="0" dirty="0">
+                <a:solidFill>
+                  <a:schemeClr val="tx1">
+                    <a:lumMod val="95000"/>
+                    <a:lumOff val="5000"/>
+                  </a:schemeClr>
+                </a:solidFill>
+                <a:effectLst/>
+              </a:rPr>
+              <a:t> </a:t>
+            </a:r>
+            <a:r>
+              <a:rPr lang="en-US" b="0" i="0" dirty="0" err="1">
+                <a:solidFill>
+                  <a:schemeClr val="tx1">
+                    <a:lumMod val="95000"/>
+                    <a:lumOff val="5000"/>
+                  </a:schemeClr>
+                </a:solidFill>
+                <a:effectLst/>
+              </a:rPr>
+              <a:t>выше</a:t>
+            </a:r>
+            <a:r>
+              <a:rPr lang="en-US" b="0" i="0" dirty="0">
+                <a:solidFill>
+                  <a:schemeClr val="tx1">
+                    <a:lumMod val="95000"/>
+                    <a:lumOff val="5000"/>
+                  </a:schemeClr>
+                </a:solidFill>
+                <a:effectLst/>
+              </a:rPr>
+              <a:t> </a:t>
+            </a:r>
+            <a:r>
+              <a:rPr lang="en-US" b="0" i="0" dirty="0" err="1">
+                <a:solidFill>
+                  <a:schemeClr val="tx1">
+                    <a:lumMod val="95000"/>
+                    <a:lumOff val="5000"/>
+                  </a:schemeClr>
+                </a:solidFill>
+                <a:effectLst/>
+              </a:rPr>
+              <a:t>побочной</a:t>
+            </a:r>
+            <a:r>
+              <a:rPr lang="en-US" b="0" i="0" dirty="0">
+                <a:solidFill>
+                  <a:schemeClr val="tx1">
+                    <a:lumMod val="95000"/>
+                    <a:lumOff val="5000"/>
+                  </a:schemeClr>
+                </a:solidFill>
+                <a:effectLst/>
+              </a:rPr>
+              <a:t> </a:t>
+            </a:r>
+            <a:r>
+              <a:rPr lang="en-US" b="0" i="0" dirty="0" err="1">
+                <a:solidFill>
+                  <a:schemeClr val="tx1">
+                    <a:lumMod val="95000"/>
+                    <a:lumOff val="5000"/>
+                  </a:schemeClr>
+                </a:solidFill>
+                <a:effectLst/>
+              </a:rPr>
+              <a:t>диагонали</a:t>
+            </a:r>
+            <a:r>
+              <a:rPr lang="en-US" b="0" i="0" dirty="0">
+                <a:solidFill>
+                  <a:schemeClr val="tx1">
+                    <a:lumMod val="95000"/>
+                    <a:lumOff val="5000"/>
+                  </a:schemeClr>
+                </a:solidFill>
+                <a:effectLst/>
+              </a:rPr>
+              <a:t> (</a:t>
+            </a:r>
+            <a:r>
+              <a:rPr lang="en-US" b="0" i="0" dirty="0" err="1">
+                <a:solidFill>
+                  <a:schemeClr val="tx1">
+                    <a:lumMod val="95000"/>
+                    <a:lumOff val="5000"/>
+                  </a:schemeClr>
+                </a:solidFill>
+                <a:effectLst/>
+              </a:rPr>
+              <a:t>i+j</a:t>
+            </a:r>
+            <a:r>
+              <a:rPr lang="en-US" b="0" i="0" dirty="0">
+                <a:solidFill>
+                  <a:schemeClr val="tx1">
+                    <a:lumMod val="95000"/>
+                    <a:lumOff val="5000"/>
+                  </a:schemeClr>
+                </a:solidFill>
+                <a:effectLst/>
+              </a:rPr>
+              <a:t>&lt;n−1).</a:t>
+            </a:r>
+          </a:p>
+        </p:txBody>
+      </p:sp>
+    </p:spTree>
+    <p:extLst>
+      <p:ext uri="{BB962C8B-B14F-4D97-AF65-F5344CB8AC3E}">
+        <p14:creationId xmlns:p14="http://schemas.microsoft.com/office/powerpoint/2010/main" val="2080874662"/>
+      </p:ext>
+    </p:extLst>
+  </p:cSld>
+  <p:clrMapOvr>
+    <a:masterClrMapping/>
+  </p:clrMapOvr>
+</p:sld>
+</file>
+
+<file path=ppt/slides/slide2.xml><?xml version="1.0" encoding="utf-8"?>
+<p:sld xmlns:a="http://schemas.openxmlformats.org/drawingml/2006/main" xmlns:r="http://schemas.openxmlformats.org/officeDocument/2006/relationships" xmlns:p="http://schemas.openxmlformats.org/presentationml/2006/main">
+  <p:cSld>
+    <p:bg>
+      <p:bgPr>
+        <a:solidFill>
+          <a:schemeClr val="bg2"/>
+        </a:solidFill>
+        <a:effectLst/>
+      </p:bgPr>
+    </p:bg>
+    <p:spTree>
+      <p:nvGrpSpPr>
+        <p:cNvPr id="1" name=""/>
+        <p:cNvGrpSpPr/>
+        <p:nvPr/>
+      </p:nvGrpSpPr>
+      <p:grpSpPr>
+        <a:xfrm>
+          <a:off x="0" y="0"/>
+          <a:ext cx="0" cy="0"/>
+          <a:chOff x="0" y="0"/>
+          <a:chExt cx="0" cy="0"/>
+        </a:xfrm>
+      </p:grpSpPr>
+      <p:sp useBgFill="1">
+        <p:nvSpPr>
+          <p:cNvPr id="83" name="Rectangle 82">
+            <a:extLst>
+              <a:ext uri="{FF2B5EF4-FFF2-40B4-BE49-F238E27FC236}">
+                <a16:creationId xmlns:a16="http://schemas.microsoft.com/office/drawing/2014/main" id="{4B392D36-B685-45E0-B197-6EE5D748093B}"/>
               </a:ext>
               <a:ext uri="{C183D7F6-B498-43B3-948B-1728B52AA6E4}">
                 <adec:decorative xmlns:adec="http://schemas.microsoft.com/office/drawing/2017/decorative" val="1"/>
@@ -7103,10 +9045,10 @@
       </p:sp>
       <p:sp>
         <p:nvSpPr>
-          <p:cNvPr id="87" name="Rectangle 86">
+          <p:cNvPr id="85" name="Rectangle 84">
             <a:extLst>
               <a:ext uri="{FF2B5EF4-FFF2-40B4-BE49-F238E27FC236}">
-                <a16:creationId xmlns:a16="http://schemas.microsoft.com/office/drawing/2014/main" id="{C2E8BF1F-CE61-45C5-92AC-552D23176C03}"/>
+                <a16:creationId xmlns:a16="http://schemas.microsoft.com/office/drawing/2014/main" id="{9DCA8533-CC5E-4754-9A04-047EDE49E0F9}"/>
               </a:ext>
               <a:ext uri="{C183D7F6-B498-43B3-948B-1728B52AA6E4}">
                 <adec:decorative xmlns:adec="http://schemas.microsoft.com/office/drawing/2017/decorative" val="1"/>
@@ -7133,7 +9075,9 @@
             <a:avLst/>
           </a:prstGeom>
           <a:solidFill>
-            <a:schemeClr val="accent1"/>
+            <a:srgbClr val="878A8B">
+              <a:alpha val="90000"/>
+            </a:srgbClr>
           </a:solidFill>
           <a:ln>
             <a:noFill/>
@@ -7158,10 +9102,10 @@
       </p:sp>
       <p:sp>
         <p:nvSpPr>
-          <p:cNvPr id="28" name="Заголовок 1">
+          <p:cNvPr id="13" name="Заголовок 1">
             <a:extLst>
               <a:ext uri="{FF2B5EF4-FFF2-40B4-BE49-F238E27FC236}">
-                <a16:creationId xmlns:a16="http://schemas.microsoft.com/office/drawing/2014/main" id="{A1800B60-BA5D-4BD9-AAE0-43620F882506}"/>
+                <a16:creationId xmlns:a16="http://schemas.microsoft.com/office/drawing/2014/main" id="{79B1F5D3-83DB-45F8-AACA-6A15D139171C}"/>
               </a:ext>
             </a:extLst>
           </p:cNvPr>
@@ -7172,8 +9116,8 @@
         </p:nvSpPr>
         <p:spPr>
           <a:xfrm>
-            <a:off x="404023" y="4643927"/>
-            <a:ext cx="7133119" cy="460733"/>
+            <a:off x="1069848" y="4590661"/>
+            <a:ext cx="10210862" cy="1065690"/>
           </a:xfrm>
           <a:prstGeom prst="rect">
             <a:avLst/>
@@ -7181,7 +9125,7 @@
         </p:spPr>
         <p:txBody>
           <a:bodyPr vert="horz" lIns="91440" tIns="45720" rIns="91440" bIns="45720" rtlCol="0" anchor="b">
-            <a:normAutofit fontScale="85000" lnSpcReduction="20000"/>
+            <a:normAutofit/>
           </a:bodyPr>
           <a:lstStyle>
             <a:lvl1pPr algn="l" defTabSz="914400" rtl="0" eaLnBrk="1" latinLnBrk="0" hangingPunct="1">
@@ -7203,27 +9147,24 @@
             </a:lvl1pPr>
           </a:lstStyle>
           <a:p>
-            <a:r>
-              <a:rPr lang="ru-RU" sz="3600" spc="-60" dirty="0"/>
-              <a:t>Процедурные языки (</a:t>
-            </a:r>
-            <a:r>
-              <a:rPr lang="en-US" sz="3600" spc="-60" dirty="0"/>
-              <a:t>Pascal</a:t>
-            </a:r>
-            <a:r>
-              <a:rPr lang="ru-RU" sz="3600" spc="-60" dirty="0"/>
-              <a:t>)</a:t>
+            <a:pPr>
+              <a:spcAft>
+                <a:spcPts val="600"/>
+              </a:spcAft>
+            </a:pPr>
+            <a:r>
+              <a:rPr lang="en-US"/>
+              <a:t>Процедурные языки (Pascal)</a:t>
             </a:r>
           </a:p>
         </p:txBody>
       </p:sp>
       <p:pic>
         <p:nvPicPr>
-          <p:cNvPr id="1026" name="Picture 2" descr="Урок 7. Функции и процедуры - Справочник C# Starter - ITVDN Forum -  сообщество разработчиков">
+          <p:cNvPr id="15" name="Picture 4" descr="Процедурный подход к программированию">
             <a:extLst>
               <a:ext uri="{FF2B5EF4-FFF2-40B4-BE49-F238E27FC236}">
-                <a16:creationId xmlns:a16="http://schemas.microsoft.com/office/drawing/2014/main" id="{0FB2CA01-3DB7-4DDC-A82D-0787F577031A}"/>
+                <a16:creationId xmlns:a16="http://schemas.microsoft.com/office/drawing/2014/main" id="{4DBDD755-D8A5-42EF-87A1-3931F0AEB70D}"/>
               </a:ext>
             </a:extLst>
           </p:cNvPr>
@@ -7240,15 +9181,14 @@
               </a:ext>
             </a:extLst>
           </a:blip>
-          <a:srcRect/>
           <a:stretch>
             <a:fillRect/>
           </a:stretch>
         </p:blipFill>
         <p:spPr bwMode="auto">
           <a:xfrm>
-            <a:off x="5501089" y="461106"/>
-            <a:ext cx="6102350" cy="3445428"/>
+            <a:off x="339791" y="555681"/>
+            <a:ext cx="4789994" cy="1484898"/>
           </a:xfrm>
           <a:prstGeom prst="rect">
             <a:avLst/>
@@ -7267,10 +9207,10 @@
       </p:pic>
       <p:pic>
         <p:nvPicPr>
-          <p:cNvPr id="1028" name="Picture 4" descr="Процедурный подход к программированию">
+          <p:cNvPr id="14" name="Picture 2" descr="Урок 7. Функции и процедуры - Справочник C# Starter - ITVDN Forum -  сообщество разработчиков">
             <a:extLst>
               <a:ext uri="{FF2B5EF4-FFF2-40B4-BE49-F238E27FC236}">
-                <a16:creationId xmlns:a16="http://schemas.microsoft.com/office/drawing/2014/main" id="{2D1B6A39-F804-4A58-B850-A76E370EBB74}"/>
+                <a16:creationId xmlns:a16="http://schemas.microsoft.com/office/drawing/2014/main" id="{6729798C-91D6-4E76-AA89-41A9C7A6FB16}"/>
               </a:ext>
             </a:extLst>
           </p:cNvPr>
@@ -7287,15 +9227,14 @@
               </a:ext>
             </a:extLst>
           </a:blip>
-          <a:srcRect/>
           <a:stretch>
             <a:fillRect/>
           </a:stretch>
         </p:blipFill>
         <p:spPr bwMode="auto">
           <a:xfrm>
-            <a:off x="588561" y="1393518"/>
-            <a:ext cx="4875260" cy="1509758"/>
+            <a:off x="5853683" y="555681"/>
+            <a:ext cx="5763325" cy="3256278"/>
           </a:xfrm>
           <a:prstGeom prst="rect">
             <a:avLst/>
@@ -7315,12 +9254,12 @@
     </p:spTree>
     <p:extLst>
       <p:ext uri="{BB962C8B-B14F-4D97-AF65-F5344CB8AC3E}">
-        <p14:creationId xmlns:p14="http://schemas.microsoft.com/office/powerpoint/2010/main" val="3132341111"/>
+        <p14:creationId xmlns:p14="http://schemas.microsoft.com/office/powerpoint/2010/main" val="3934140065"/>
       </p:ext>
     </p:extLst>
   </p:cSld>
   <p:clrMapOvr>
-    <a:masterClrMapping/>
+    <a:overrideClrMapping bg1="dk1" tx1="lt1" bg2="dk2" tx2="lt2" accent1="accent1" accent2="accent2" accent3="accent3" accent4="accent4" accent5="accent5" accent6="accent6" hlink="hlink" folHlink="folHlink"/>
   </p:clrMapOvr>
 </p:sld>
 </file>
@@ -7331,7 +9270,7 @@
     <p:bg>
       <p:bgPr>
         <a:solidFill>
-          <a:schemeClr val="bg1"/>
+          <a:schemeClr val="bg2"/>
         </a:solidFill>
         <a:effectLst/>
       </p:bgPr>
@@ -7352,10 +9291,10 @@
       </p:grpSpPr>
       <p:sp useBgFill="1">
         <p:nvSpPr>
-          <p:cNvPr id="85" name="Rectangle 84">
+          <p:cNvPr id="83" name="Rectangle 82">
             <a:extLst>
               <a:ext uri="{FF2B5EF4-FFF2-40B4-BE49-F238E27FC236}">
-                <a16:creationId xmlns:a16="http://schemas.microsoft.com/office/drawing/2014/main" id="{EB8AA617-0537-4ED7-91B6-66511A647507}"/>
+                <a16:creationId xmlns:a16="http://schemas.microsoft.com/office/drawing/2014/main" id="{4B392D36-B685-45E0-B197-6EE5D748093B}"/>
               </a:ext>
               <a:ext uri="{C183D7F6-B498-43B3-948B-1728B52AA6E4}">
                 <adec:decorative xmlns:adec="http://schemas.microsoft.com/office/drawing/2017/decorative" val="1"/>
@@ -7412,10 +9351,10 @@
       </p:sp>
       <p:sp>
         <p:nvSpPr>
-          <p:cNvPr id="87" name="Rectangle 86">
+          <p:cNvPr id="85" name="Rectangle 84">
             <a:extLst>
               <a:ext uri="{FF2B5EF4-FFF2-40B4-BE49-F238E27FC236}">
-                <a16:creationId xmlns:a16="http://schemas.microsoft.com/office/drawing/2014/main" id="{C2E8BF1F-CE61-45C5-92AC-552D23176C03}"/>
+                <a16:creationId xmlns:a16="http://schemas.microsoft.com/office/drawing/2014/main" id="{9DCA8533-CC5E-4754-9A04-047EDE49E0F9}"/>
               </a:ext>
               <a:ext uri="{C183D7F6-B498-43B3-948B-1728B52AA6E4}">
                 <adec:decorative xmlns:adec="http://schemas.microsoft.com/office/drawing/2017/decorative" val="1"/>
@@ -7442,7 +9381,9 @@
             <a:avLst/>
           </a:prstGeom>
           <a:solidFill>
-            <a:schemeClr val="accent1"/>
+            <a:srgbClr val="878A8B">
+              <a:alpha val="90000"/>
+            </a:srgbClr>
           </a:solidFill>
           <a:ln>
             <a:noFill/>
@@ -7467,10 +9408,10 @@
       </p:sp>
       <p:sp>
         <p:nvSpPr>
-          <p:cNvPr id="28" name="Заголовок 1">
+          <p:cNvPr id="13" name="Заголовок 1">
             <a:extLst>
               <a:ext uri="{FF2B5EF4-FFF2-40B4-BE49-F238E27FC236}">
-                <a16:creationId xmlns:a16="http://schemas.microsoft.com/office/drawing/2014/main" id="{A1800B60-BA5D-4BD9-AAE0-43620F882506}"/>
+                <a16:creationId xmlns:a16="http://schemas.microsoft.com/office/drawing/2014/main" id="{79B1F5D3-83DB-45F8-AACA-6A15D139171C}"/>
               </a:ext>
             </a:extLst>
           </p:cNvPr>
@@ -7481,8 +9422,8 @@
         </p:nvSpPr>
         <p:spPr>
           <a:xfrm>
-            <a:off x="404023" y="4643927"/>
-            <a:ext cx="7133119" cy="460733"/>
+            <a:off x="1069848" y="4590661"/>
+            <a:ext cx="10210862" cy="1065690"/>
           </a:xfrm>
           <a:prstGeom prst="rect">
             <a:avLst/>
@@ -7490,7 +9431,7 @@
         </p:spPr>
         <p:txBody>
           <a:bodyPr vert="horz" lIns="91440" tIns="45720" rIns="91440" bIns="45720" rtlCol="0" anchor="b">
-            <a:normAutofit fontScale="85000" lnSpcReduction="20000"/>
+            <a:normAutofit fontScale="70000" lnSpcReduction="20000"/>
           </a:bodyPr>
           <a:lstStyle>
             <a:lvl1pPr algn="l" defTabSz="914400" rtl="0" eaLnBrk="1" latinLnBrk="0" hangingPunct="1">
@@ -7513,15 +9454,15 @@
           </a:lstStyle>
           <a:p>
             <a:r>
-              <a:rPr lang="ru-RU" sz="3600" spc="-60" dirty="0"/>
+              <a:rPr lang="ru-RU" sz="6000" spc="-60" dirty="0"/>
               <a:t>Объектно-ориентированные языки (</a:t>
             </a:r>
             <a:r>
-              <a:rPr lang="en-US" sz="3600" spc="-60" dirty="0"/>
+              <a:rPr lang="en-US" sz="6000" spc="-60" dirty="0"/>
               <a:t>Java</a:t>
             </a:r>
             <a:r>
-              <a:rPr lang="ru-RU" sz="3600" spc="-60" dirty="0"/>
+              <a:rPr lang="ru-RU" sz="6000" spc="-60" dirty="0"/>
               <a:t>)</a:t>
             </a:r>
           </a:p>
@@ -7529,10 +9470,57 @@
       </p:sp>
       <p:pic>
         <p:nvPicPr>
-          <p:cNvPr id="1026" name="Picture 2" descr="Урок 7. Функции и процедуры - Справочник C# Starter - ITVDN Forum -  сообщество разработчиков">
+          <p:cNvPr id="18" name="Picture 2" descr="Объектный подход к программированию">
             <a:extLst>
               <a:ext uri="{FF2B5EF4-FFF2-40B4-BE49-F238E27FC236}">
-                <a16:creationId xmlns:a16="http://schemas.microsoft.com/office/drawing/2014/main" id="{0FB2CA01-3DB7-4DDC-A82D-0787F577031A}"/>
+                <a16:creationId xmlns:a16="http://schemas.microsoft.com/office/drawing/2014/main" id="{23D7720D-F22B-4AC8-9A76-F06B8508C019}"/>
+              </a:ext>
+            </a:extLst>
+          </p:cNvPr>
+          <p:cNvPicPr>
+            <a:picLocks noChangeAspect="1" noChangeArrowheads="1"/>
+          </p:cNvPicPr>
+          <p:nvPr/>
+        </p:nvPicPr>
+        <p:blipFill>
+          <a:blip r:embed="rId2">
+            <a:extLst>
+              <a:ext uri="{28A0092B-C50C-407E-A947-70E740481C1C}">
+                <a14:useLocalDpi xmlns:a14="http://schemas.microsoft.com/office/drawing/2010/main" val="0"/>
+              </a:ext>
+            </a:extLst>
+          </a:blip>
+          <a:srcRect/>
+          <a:stretch>
+            <a:fillRect/>
+          </a:stretch>
+        </p:blipFill>
+        <p:spPr bwMode="auto">
+          <a:xfrm>
+            <a:off x="301704" y="968573"/>
+            <a:ext cx="4924671" cy="2668854"/>
+          </a:xfrm>
+          <a:prstGeom prst="rect">
+            <a:avLst/>
+          </a:prstGeom>
+          <a:noFill/>
+          <a:extLst>
+            <a:ext uri="{909E8E84-426E-40DD-AFC4-6F175D3DCCD1}">
+              <a14:hiddenFill xmlns:a14="http://schemas.microsoft.com/office/drawing/2010/main">
+                <a:solidFill>
+                  <a:srgbClr val="FFFFFF"/>
+                </a:solidFill>
+              </a14:hiddenFill>
+            </a:ext>
+          </a:extLst>
+        </p:spPr>
+      </p:pic>
+      <p:pic>
+        <p:nvPicPr>
+          <p:cNvPr id="19" name="Picture 2" descr="Урок 7. Функции и процедуры - Справочник C# Starter - ITVDN Forum -  сообщество разработчиков">
+            <a:extLst>
+              <a:ext uri="{FF2B5EF4-FFF2-40B4-BE49-F238E27FC236}">
+                <a16:creationId xmlns:a16="http://schemas.microsoft.com/office/drawing/2014/main" id="{19726A6C-0999-4358-B617-8209ED588F81}"/>
               </a:ext>
             </a:extLst>
           </p:cNvPr>
@@ -7542,7 +9530,7 @@
           <p:nvPr/>
         </p:nvPicPr>
         <p:blipFill rotWithShape="1">
-          <a:blip r:embed="rId2">
+          <a:blip r:embed="rId3">
             <a:extLst>
               <a:ext uri="{28A0092B-C50C-407E-A947-70E740481C1C}">
                 <a14:useLocalDpi xmlns:a14="http://schemas.microsoft.com/office/drawing/2010/main" val="0"/>
@@ -7554,7 +9542,7 @@
         </p:blipFill>
         <p:spPr bwMode="auto">
           <a:xfrm>
-            <a:off x="5501089" y="812800"/>
+            <a:off x="5528079" y="776319"/>
             <a:ext cx="6102350" cy="3093734"/>
           </a:xfrm>
           <a:prstGeom prst="rect">
@@ -7572,59 +9560,12 @@
           </a:extLst>
         </p:spPr>
       </p:pic>
-      <p:pic>
-        <p:nvPicPr>
-          <p:cNvPr id="2050" name="Picture 2" descr="Объектный подход к программированию">
+      <p:sp>
+        <p:nvSpPr>
+          <p:cNvPr id="20" name="TextBox 19">
             <a:extLst>
               <a:ext uri="{FF2B5EF4-FFF2-40B4-BE49-F238E27FC236}">
-                <a16:creationId xmlns:a16="http://schemas.microsoft.com/office/drawing/2014/main" id="{0D1CCC56-2365-4423-94BD-7B54952A969D}"/>
-              </a:ext>
-            </a:extLst>
-          </p:cNvPr>
-          <p:cNvPicPr>
-            <a:picLocks noChangeAspect="1" noChangeArrowheads="1"/>
-          </p:cNvPicPr>
-          <p:nvPr/>
-        </p:nvPicPr>
-        <p:blipFill>
-          <a:blip r:embed="rId3">
-            <a:extLst>
-              <a:ext uri="{28A0092B-C50C-407E-A947-70E740481C1C}">
-                <a14:useLocalDpi xmlns:a14="http://schemas.microsoft.com/office/drawing/2010/main" val="0"/>
-              </a:ext>
-            </a:extLst>
-          </a:blip>
-          <a:srcRect/>
-          <a:stretch>
-            <a:fillRect/>
-          </a:stretch>
-        </p:blipFill>
-        <p:spPr bwMode="auto">
-          <a:xfrm>
-            <a:off x="404023" y="1025240"/>
-            <a:ext cx="4924671" cy="2668854"/>
-          </a:xfrm>
-          <a:prstGeom prst="rect">
-            <a:avLst/>
-          </a:prstGeom>
-          <a:noFill/>
-          <a:extLst>
-            <a:ext uri="{909E8E84-426E-40DD-AFC4-6F175D3DCCD1}">
-              <a14:hiddenFill xmlns:a14="http://schemas.microsoft.com/office/drawing/2010/main">
-                <a:solidFill>
-                  <a:srgbClr val="FFFFFF"/>
-                </a:solidFill>
-              </a14:hiddenFill>
-            </a:ext>
-          </a:extLst>
-        </p:spPr>
-      </p:pic>
-      <p:sp>
-        <p:nvSpPr>
-          <p:cNvPr id="2" name="TextBox 1">
-            <a:extLst>
-              <a:ext uri="{FF2B5EF4-FFF2-40B4-BE49-F238E27FC236}">
-                <a16:creationId xmlns:a16="http://schemas.microsoft.com/office/drawing/2014/main" id="{019BE037-B418-4C8F-AA86-D18796B9B8C4}"/>
+                <a16:creationId xmlns:a16="http://schemas.microsoft.com/office/drawing/2014/main" id="{69D6E6AB-0870-44C3-8152-F0D9F34B0540}"/>
               </a:ext>
             </a:extLst>
           </p:cNvPr>
@@ -7633,7 +9574,7 @@
         </p:nvSpPr>
         <p:spPr>
           <a:xfrm>
-            <a:off x="5103043" y="366879"/>
+            <a:off x="5226375" y="411969"/>
             <a:ext cx="3566554" cy="307777"/>
           </a:xfrm>
           <a:prstGeom prst="rect">
@@ -7664,10 +9605,10 @@
       </p:sp>
       <p:sp>
         <p:nvSpPr>
-          <p:cNvPr id="3" name="TextBox 2">
+          <p:cNvPr id="21" name="TextBox 20">
             <a:extLst>
               <a:ext uri="{FF2B5EF4-FFF2-40B4-BE49-F238E27FC236}">
-                <a16:creationId xmlns:a16="http://schemas.microsoft.com/office/drawing/2014/main" id="{F2633BAB-7259-4321-833A-EF73F564919B}"/>
+                <a16:creationId xmlns:a16="http://schemas.microsoft.com/office/drawing/2014/main" id="{1378B6CF-699F-4CA6-B8DB-4C7A4A941E31}"/>
               </a:ext>
             </a:extLst>
           </p:cNvPr>
@@ -7676,7 +9617,7 @@
         </p:nvSpPr>
         <p:spPr>
           <a:xfrm>
-            <a:off x="7936054" y="3983198"/>
+            <a:off x="7998554" y="3926626"/>
             <a:ext cx="3999749" cy="307777"/>
           </a:xfrm>
           <a:prstGeom prst="rect">
@@ -7708,12 +9649,12 @@
     </p:spTree>
     <p:extLst>
       <p:ext uri="{BB962C8B-B14F-4D97-AF65-F5344CB8AC3E}">
-        <p14:creationId xmlns:p14="http://schemas.microsoft.com/office/powerpoint/2010/main" val="2664812169"/>
+        <p14:creationId xmlns:p14="http://schemas.microsoft.com/office/powerpoint/2010/main" val="3068984141"/>
       </p:ext>
     </p:extLst>
   </p:cSld>
   <p:clrMapOvr>
-    <a:masterClrMapping/>
+    <a:overrideClrMapping bg1="dk1" tx1="lt1" bg2="dk2" tx2="lt2" accent1="accent1" accent2="accent2" accent3="accent3" accent4="accent4" accent5="accent5" accent6="accent6" hlink="hlink" folHlink="folHlink"/>
   </p:clrMapOvr>
 </p:sld>
 </file>
@@ -8237,7 +10178,7 @@
         </p:nvSpPr>
         <p:spPr>
           <a:xfrm>
-            <a:off x="1600753" y="2535446"/>
+            <a:off x="1600754" y="2535446"/>
             <a:ext cx="8983489" cy="3554457"/>
           </a:xfrm>
           <a:prstGeom prst="rect">
